--- a/Science Fair 2017-2018/sciencefair.pptx
+++ b/Science Fair 2017-2018/sciencefair.pptx
@@ -143,53 +143,25 @@
 <file path=ppt/commentAuthors.xml><?xml version="1.0" encoding="utf-8"?>
 <p:cmAuthorLst xmlns:a="http://schemas.openxmlformats.org/drawingml/2006/main" xmlns:r="http://schemas.openxmlformats.org/officeDocument/2006/relationships" xmlns:p="http://schemas.openxmlformats.org/presentationml/2006/main">
   <p:cmAuthor id="7" name="Microsoft Office User" initials="Office [7]" lastIdx="1" clrIdx="6">
-    <p:extLst>
-      <p:ext uri="{19B8F6BF-5375-455C-9EA6-DF929625EA0E}">
-        <p15:presenceInfo xmlns:p15="http://schemas.microsoft.com/office/powerpoint/2012/main" userId="" providerId=""/>
-      </p:ext>
-    </p:extLst>
+    <p:extLst/>
   </p:cmAuthor>
   <p:cmAuthor id="1" name="Microsoft Office User" initials="Office" lastIdx="1" clrIdx="0">
-    <p:extLst>
-      <p:ext uri="{19B8F6BF-5375-455C-9EA6-DF929625EA0E}">
-        <p15:presenceInfo xmlns:p15="http://schemas.microsoft.com/office/powerpoint/2012/main" userId="" providerId=""/>
-      </p:ext>
-    </p:extLst>
+    <p:extLst/>
   </p:cmAuthor>
   <p:cmAuthor id="2" name="Microsoft Office User" initials="Office [2]" lastIdx="1" clrIdx="1">
-    <p:extLst>
-      <p:ext uri="{19B8F6BF-5375-455C-9EA6-DF929625EA0E}">
-        <p15:presenceInfo xmlns:p15="http://schemas.microsoft.com/office/powerpoint/2012/main" userId="" providerId=""/>
-      </p:ext>
-    </p:extLst>
+    <p:extLst/>
   </p:cmAuthor>
   <p:cmAuthor id="3" name="Microsoft Office User" initials="Office [3]" lastIdx="1" clrIdx="2">
-    <p:extLst>
-      <p:ext uri="{19B8F6BF-5375-455C-9EA6-DF929625EA0E}">
-        <p15:presenceInfo xmlns:p15="http://schemas.microsoft.com/office/powerpoint/2012/main" userId="" providerId=""/>
-      </p:ext>
-    </p:extLst>
+    <p:extLst/>
   </p:cmAuthor>
   <p:cmAuthor id="4" name="Microsoft Office User" initials="Office [4]" lastIdx="1" clrIdx="3">
-    <p:extLst>
-      <p:ext uri="{19B8F6BF-5375-455C-9EA6-DF929625EA0E}">
-        <p15:presenceInfo xmlns:p15="http://schemas.microsoft.com/office/powerpoint/2012/main" userId="" providerId=""/>
-      </p:ext>
-    </p:extLst>
+    <p:extLst/>
   </p:cmAuthor>
   <p:cmAuthor id="5" name="Microsoft Office User" initials="Office [5]" lastIdx="1" clrIdx="4">
-    <p:extLst>
-      <p:ext uri="{19B8F6BF-5375-455C-9EA6-DF929625EA0E}">
-        <p15:presenceInfo xmlns:p15="http://schemas.microsoft.com/office/powerpoint/2012/main" userId="" providerId=""/>
-      </p:ext>
-    </p:extLst>
+    <p:extLst/>
   </p:cmAuthor>
   <p:cmAuthor id="6" name="Microsoft Office User" initials="Office [6]" lastIdx="1" clrIdx="5">
-    <p:extLst>
-      <p:ext uri="{19B8F6BF-5375-455C-9EA6-DF929625EA0E}">
-        <p15:presenceInfo xmlns:p15="http://schemas.microsoft.com/office/powerpoint/2012/main" userId="" providerId=""/>
-      </p:ext>
-    </p:extLst>
+    <p:extLst/>
   </p:cmAuthor>
 </p:cmAuthorLst>
 </file>
@@ -782,11 +754,11 @@
           <c:showPercent val="0"/>
           <c:showBubbleSize val="0"/>
         </c:dLbls>
-        <c:axId val="-490623264"/>
-        <c:axId val="-226269248"/>
+        <c:axId val="-1383598976"/>
+        <c:axId val="-1242775456"/>
       </c:scatterChart>
       <c:valAx>
-        <c:axId val="-490623264"/>
+        <c:axId val="-1383598976"/>
         <c:scaling>
           <c:orientation val="minMax"/>
         </c:scaling>
@@ -840,12 +812,12 @@
             <a:endParaRPr lang="en-US"/>
           </a:p>
         </c:txPr>
-        <c:crossAx val="-226269248"/>
+        <c:crossAx val="-1242775456"/>
         <c:crosses val="autoZero"/>
         <c:crossBetween val="midCat"/>
       </c:valAx>
       <c:valAx>
-        <c:axId val="-226269248"/>
+        <c:axId val="-1242775456"/>
         <c:scaling>
           <c:orientation val="minMax"/>
         </c:scaling>
@@ -898,7 +870,7 @@
             <a:endParaRPr lang="en-US"/>
           </a:p>
         </c:txPr>
-        <c:crossAx val="-490623264"/>
+        <c:crossAx val="-1383598976"/>
         <c:crosses val="autoZero"/>
         <c:crossBetween val="midCat"/>
       </c:valAx>
@@ -988,791 +960,6 @@
 </file>
 
 <file path=ppt/charts/chart2.xml><?xml version="1.0" encoding="utf-8"?>
-<c:chartSpace xmlns:c="http://schemas.openxmlformats.org/drawingml/2006/chart" xmlns:a="http://schemas.openxmlformats.org/drawingml/2006/main" xmlns:r="http://schemas.openxmlformats.org/officeDocument/2006/relationships">
-  <c:date1904 val="0"/>
-  <c:lang val="en-US"/>
-  <c:roundedCorners val="0"/>
-  <mc:AlternateContent xmlns:mc="http://schemas.openxmlformats.org/markup-compatibility/2006">
-    <mc:Choice xmlns:c14="http://schemas.microsoft.com/office/drawing/2007/8/2/chart" Requires="c14">
-      <c14:style val="102"/>
-    </mc:Choice>
-    <mc:Fallback>
-      <c:style val="2"/>
-    </mc:Fallback>
-  </mc:AlternateContent>
-  <c:chart>
-    <c:title>
-      <c:tx>
-        <c:rich>
-          <a:bodyPr rot="0" spcFirstLastPara="1" vertOverflow="ellipsis" vert="horz" wrap="square" anchor="ctr" anchorCtr="1"/>
-          <a:lstStyle/>
-          <a:p>
-            <a:pPr>
-              <a:defRPr sz="1600" b="1" i="0" u="none" strike="noStrike" kern="1200" spc="100" baseline="0">
-                <a:solidFill>
-                  <a:schemeClr val="lt1">
-                    <a:lumMod val="95000"/>
-                  </a:schemeClr>
-                </a:solidFill>
-                <a:effectLst>
-                  <a:outerShdw blurRad="50800" dist="38100" dir="5400000" algn="t" rotWithShape="0">
-                    <a:prstClr val="black">
-                      <a:alpha val="40000"/>
-                    </a:prstClr>
-                  </a:outerShdw>
-                </a:effectLst>
-                <a:latin typeface="+mn-lt"/>
-                <a:ea typeface="+mn-ea"/>
-                <a:cs typeface="+mn-cs"/>
-              </a:defRPr>
-            </a:pPr>
-            <a:r>
-              <a:rPr lang="en-US"/>
-              <a:t>Algorithm</a:t>
-            </a:r>
-            <a:r>
-              <a:rPr lang="en-US" baseline="0"/>
-              <a:t> Time With Obstacle % Doubled</a:t>
-            </a:r>
-            <a:endParaRPr lang="en-US"/>
-          </a:p>
-        </c:rich>
-      </c:tx>
-      <c:layout/>
-      <c:overlay val="0"/>
-      <c:spPr>
-        <a:noFill/>
-        <a:ln>
-          <a:noFill/>
-        </a:ln>
-        <a:effectLst/>
-      </c:spPr>
-      <c:txPr>
-        <a:bodyPr rot="0" spcFirstLastPara="1" vertOverflow="ellipsis" vert="horz" wrap="square" anchor="ctr" anchorCtr="1"/>
-        <a:lstStyle/>
-        <a:p>
-          <a:pPr>
-            <a:defRPr sz="1600" b="1" i="0" u="none" strike="noStrike" kern="1200" spc="100" baseline="0">
-              <a:solidFill>
-                <a:schemeClr val="lt1">
-                  <a:lumMod val="95000"/>
-                </a:schemeClr>
-              </a:solidFill>
-              <a:effectLst>
-                <a:outerShdw blurRad="50800" dist="38100" dir="5400000" algn="t" rotWithShape="0">
-                  <a:prstClr val="black">
-                    <a:alpha val="40000"/>
-                  </a:prstClr>
-                </a:outerShdw>
-              </a:effectLst>
-              <a:latin typeface="+mn-lt"/>
-              <a:ea typeface="+mn-ea"/>
-              <a:cs typeface="+mn-cs"/>
-            </a:defRPr>
-          </a:pPr>
-          <a:endParaRPr lang="en-US"/>
-        </a:p>
-      </c:txPr>
-    </c:title>
-    <c:autoTitleDeleted val="0"/>
-    <c:plotArea>
-      <c:layout/>
-      <c:scatterChart>
-        <c:scatterStyle val="smoothMarker"/>
-        <c:varyColors val="0"/>
-        <c:ser>
-          <c:idx val="0"/>
-          <c:order val="0"/>
-          <c:tx>
-            <c:strRef>
-              <c:f>Sheet1!$H$36</c:f>
-              <c:strCache>
-                <c:ptCount val="1"/>
-                <c:pt idx="0">
-                  <c:v>Breadth-First</c:v>
-                </c:pt>
-              </c:strCache>
-            </c:strRef>
-          </c:tx>
-          <c:spPr>
-            <a:ln w="9525" cap="rnd">
-              <a:solidFill>
-                <a:schemeClr val="accent1"/>
-              </a:solidFill>
-              <a:round/>
-            </a:ln>
-            <a:effectLst>
-              <a:outerShdw blurRad="57150" dist="19050" dir="5400000" algn="ctr" rotWithShape="0">
-                <a:srgbClr val="000000">
-                  <a:alpha val="63000"/>
-                </a:srgbClr>
-              </a:outerShdw>
-            </a:effectLst>
-          </c:spPr>
-          <c:marker>
-            <c:symbol val="circle"/>
-            <c:size val="6"/>
-            <c:spPr>
-              <a:gradFill rotWithShape="1">
-                <a:gsLst>
-                  <a:gs pos="0">
-                    <a:schemeClr val="accent1">
-                      <a:satMod val="103000"/>
-                      <a:lumMod val="102000"/>
-                      <a:tint val="94000"/>
-                    </a:schemeClr>
-                  </a:gs>
-                  <a:gs pos="50000">
-                    <a:schemeClr val="accent1">
-                      <a:satMod val="110000"/>
-                      <a:lumMod val="100000"/>
-                      <a:shade val="100000"/>
-                    </a:schemeClr>
-                  </a:gs>
-                  <a:gs pos="100000">
-                    <a:schemeClr val="accent1">
-                      <a:lumMod val="99000"/>
-                      <a:satMod val="120000"/>
-                      <a:shade val="78000"/>
-                    </a:schemeClr>
-                  </a:gs>
-                </a:gsLst>
-                <a:lin ang="5400000" scaled="0"/>
-              </a:gradFill>
-              <a:ln w="9525" cap="rnd">
-                <a:solidFill>
-                  <a:schemeClr val="accent1"/>
-                </a:solidFill>
-                <a:round/>
-              </a:ln>
-              <a:effectLst>
-                <a:outerShdw blurRad="57150" dist="19050" dir="5400000" algn="ctr" rotWithShape="0">
-                  <a:srgbClr val="000000">
-                    <a:alpha val="63000"/>
-                  </a:srgbClr>
-                </a:outerShdw>
-              </a:effectLst>
-              <a:scene3d>
-                <a:camera prst="orthographicFront">
-                  <a:rot lat="0" lon="0" rev="0"/>
-                </a:camera>
-                <a:lightRig rig="threePt" dir="t">
-                  <a:rot lat="0" lon="0" rev="1200000"/>
-                </a:lightRig>
-              </a:scene3d>
-              <a:sp3d>
-                <a:bevelT w="63500" h="25400"/>
-              </a:sp3d>
-            </c:spPr>
-          </c:marker>
-          <c:xVal>
-            <c:numRef>
-              <c:f>Sheet1!$G$37:$G$39</c:f>
-              <c:numCache>
-                <c:formatCode>General</c:formatCode>
-                <c:ptCount val="3"/>
-                <c:pt idx="0">
-                  <c:v>100.0</c:v>
-                </c:pt>
-                <c:pt idx="1">
-                  <c:v>225.0</c:v>
-                </c:pt>
-                <c:pt idx="2">
-                  <c:v>900.0</c:v>
-                </c:pt>
-              </c:numCache>
-            </c:numRef>
-          </c:xVal>
-          <c:yVal>
-            <c:numRef>
-              <c:f>Sheet1!$H$37:$H$39</c:f>
-              <c:numCache>
-                <c:formatCode>General</c:formatCode>
-                <c:ptCount val="3"/>
-                <c:pt idx="0">
-                  <c:v>0.61</c:v>
-                </c:pt>
-                <c:pt idx="1">
-                  <c:v>2.6</c:v>
-                </c:pt>
-                <c:pt idx="2">
-                  <c:v>16.2</c:v>
-                </c:pt>
-              </c:numCache>
-            </c:numRef>
-          </c:yVal>
-          <c:smooth val="1"/>
-        </c:ser>
-        <c:ser>
-          <c:idx val="1"/>
-          <c:order val="1"/>
-          <c:tx>
-            <c:strRef>
-              <c:f>Sheet1!$I$36</c:f>
-              <c:strCache>
-                <c:ptCount val="1"/>
-                <c:pt idx="0">
-                  <c:v>Best-First</c:v>
-                </c:pt>
-              </c:strCache>
-            </c:strRef>
-          </c:tx>
-          <c:spPr>
-            <a:ln w="9525" cap="rnd">
-              <a:solidFill>
-                <a:schemeClr val="accent2"/>
-              </a:solidFill>
-              <a:round/>
-            </a:ln>
-            <a:effectLst>
-              <a:outerShdw blurRad="57150" dist="19050" dir="5400000" algn="ctr" rotWithShape="0">
-                <a:srgbClr val="000000">
-                  <a:alpha val="63000"/>
-                </a:srgbClr>
-              </a:outerShdw>
-            </a:effectLst>
-          </c:spPr>
-          <c:marker>
-            <c:symbol val="circle"/>
-            <c:size val="6"/>
-            <c:spPr>
-              <a:gradFill rotWithShape="1">
-                <a:gsLst>
-                  <a:gs pos="0">
-                    <a:schemeClr val="accent2">
-                      <a:satMod val="103000"/>
-                      <a:lumMod val="102000"/>
-                      <a:tint val="94000"/>
-                    </a:schemeClr>
-                  </a:gs>
-                  <a:gs pos="50000">
-                    <a:schemeClr val="accent2">
-                      <a:satMod val="110000"/>
-                      <a:lumMod val="100000"/>
-                      <a:shade val="100000"/>
-                    </a:schemeClr>
-                  </a:gs>
-                  <a:gs pos="100000">
-                    <a:schemeClr val="accent2">
-                      <a:lumMod val="99000"/>
-                      <a:satMod val="120000"/>
-                      <a:shade val="78000"/>
-                    </a:schemeClr>
-                  </a:gs>
-                </a:gsLst>
-                <a:lin ang="5400000" scaled="0"/>
-              </a:gradFill>
-              <a:ln w="9525" cap="rnd">
-                <a:solidFill>
-                  <a:schemeClr val="accent2"/>
-                </a:solidFill>
-                <a:round/>
-              </a:ln>
-              <a:effectLst>
-                <a:outerShdw blurRad="57150" dist="19050" dir="5400000" algn="ctr" rotWithShape="0">
-                  <a:srgbClr val="000000">
-                    <a:alpha val="63000"/>
-                  </a:srgbClr>
-                </a:outerShdw>
-              </a:effectLst>
-              <a:scene3d>
-                <a:camera prst="orthographicFront">
-                  <a:rot lat="0" lon="0" rev="0"/>
-                </a:camera>
-                <a:lightRig rig="threePt" dir="t">
-                  <a:rot lat="0" lon="0" rev="1200000"/>
-                </a:lightRig>
-              </a:scene3d>
-              <a:sp3d>
-                <a:bevelT w="63500" h="25400"/>
-              </a:sp3d>
-            </c:spPr>
-          </c:marker>
-          <c:xVal>
-            <c:numRef>
-              <c:f>Sheet1!$G$37:$G$39</c:f>
-              <c:numCache>
-                <c:formatCode>General</c:formatCode>
-                <c:ptCount val="3"/>
-                <c:pt idx="0">
-                  <c:v>100.0</c:v>
-                </c:pt>
-                <c:pt idx="1">
-                  <c:v>225.0</c:v>
-                </c:pt>
-                <c:pt idx="2">
-                  <c:v>900.0</c:v>
-                </c:pt>
-              </c:numCache>
-            </c:numRef>
-          </c:xVal>
-          <c:yVal>
-            <c:numRef>
-              <c:f>Sheet1!$I$37:$I$39</c:f>
-              <c:numCache>
-                <c:formatCode>General</c:formatCode>
-                <c:ptCount val="3"/>
-                <c:pt idx="0">
-                  <c:v>0.5</c:v>
-                </c:pt>
-                <c:pt idx="1">
-                  <c:v>1.1</c:v>
-                </c:pt>
-                <c:pt idx="2">
-                  <c:v>4.9</c:v>
-                </c:pt>
-              </c:numCache>
-            </c:numRef>
-          </c:yVal>
-          <c:smooth val="1"/>
-        </c:ser>
-        <c:ser>
-          <c:idx val="2"/>
-          <c:order val="2"/>
-          <c:tx>
-            <c:strRef>
-              <c:f>Sheet1!$J$36</c:f>
-              <c:strCache>
-                <c:ptCount val="1"/>
-                <c:pt idx="0">
-                  <c:v>Dijkstra</c:v>
-                </c:pt>
-              </c:strCache>
-            </c:strRef>
-          </c:tx>
-          <c:spPr>
-            <a:ln w="9525" cap="rnd">
-              <a:solidFill>
-                <a:schemeClr val="accent3"/>
-              </a:solidFill>
-              <a:round/>
-            </a:ln>
-            <a:effectLst>
-              <a:outerShdw blurRad="57150" dist="19050" dir="5400000" algn="ctr" rotWithShape="0">
-                <a:srgbClr val="000000">
-                  <a:alpha val="63000"/>
-                </a:srgbClr>
-              </a:outerShdw>
-            </a:effectLst>
-          </c:spPr>
-          <c:marker>
-            <c:symbol val="circle"/>
-            <c:size val="6"/>
-            <c:spPr>
-              <a:gradFill rotWithShape="1">
-                <a:gsLst>
-                  <a:gs pos="0">
-                    <a:schemeClr val="accent3">
-                      <a:satMod val="103000"/>
-                      <a:lumMod val="102000"/>
-                      <a:tint val="94000"/>
-                    </a:schemeClr>
-                  </a:gs>
-                  <a:gs pos="50000">
-                    <a:schemeClr val="accent3">
-                      <a:satMod val="110000"/>
-                      <a:lumMod val="100000"/>
-                      <a:shade val="100000"/>
-                    </a:schemeClr>
-                  </a:gs>
-                  <a:gs pos="100000">
-                    <a:schemeClr val="accent3">
-                      <a:lumMod val="99000"/>
-                      <a:satMod val="120000"/>
-                      <a:shade val="78000"/>
-                    </a:schemeClr>
-                  </a:gs>
-                </a:gsLst>
-                <a:lin ang="5400000" scaled="0"/>
-              </a:gradFill>
-              <a:ln w="9525" cap="rnd">
-                <a:solidFill>
-                  <a:schemeClr val="accent3"/>
-                </a:solidFill>
-                <a:round/>
-              </a:ln>
-              <a:effectLst>
-                <a:outerShdw blurRad="57150" dist="19050" dir="5400000" algn="ctr" rotWithShape="0">
-                  <a:srgbClr val="000000">
-                    <a:alpha val="63000"/>
-                  </a:srgbClr>
-                </a:outerShdw>
-              </a:effectLst>
-              <a:scene3d>
-                <a:camera prst="orthographicFront">
-                  <a:rot lat="0" lon="0" rev="0"/>
-                </a:camera>
-                <a:lightRig rig="threePt" dir="t">
-                  <a:rot lat="0" lon="0" rev="1200000"/>
-                </a:lightRig>
-              </a:scene3d>
-              <a:sp3d>
-                <a:bevelT w="63500" h="25400"/>
-              </a:sp3d>
-            </c:spPr>
-          </c:marker>
-          <c:xVal>
-            <c:numRef>
-              <c:f>Sheet1!$G$37:$G$39</c:f>
-              <c:numCache>
-                <c:formatCode>General</c:formatCode>
-                <c:ptCount val="3"/>
-                <c:pt idx="0">
-                  <c:v>100.0</c:v>
-                </c:pt>
-                <c:pt idx="1">
-                  <c:v>225.0</c:v>
-                </c:pt>
-                <c:pt idx="2">
-                  <c:v>900.0</c:v>
-                </c:pt>
-              </c:numCache>
-            </c:numRef>
-          </c:xVal>
-          <c:yVal>
-            <c:numRef>
-              <c:f>Sheet1!$J$37:$J$39</c:f>
-              <c:numCache>
-                <c:formatCode>General</c:formatCode>
-                <c:ptCount val="3"/>
-                <c:pt idx="0">
-                  <c:v>0.63</c:v>
-                </c:pt>
-                <c:pt idx="1">
-                  <c:v>3.2</c:v>
-                </c:pt>
-                <c:pt idx="2">
-                  <c:v>17.5</c:v>
-                </c:pt>
-              </c:numCache>
-            </c:numRef>
-          </c:yVal>
-          <c:smooth val="1"/>
-        </c:ser>
-        <c:ser>
-          <c:idx val="3"/>
-          <c:order val="3"/>
-          <c:tx>
-            <c:strRef>
-              <c:f>Sheet1!$K$36</c:f>
-              <c:strCache>
-                <c:ptCount val="1"/>
-                <c:pt idx="0">
-                  <c:v>A*</c:v>
-                </c:pt>
-              </c:strCache>
-            </c:strRef>
-          </c:tx>
-          <c:spPr>
-            <a:ln w="9525" cap="rnd">
-              <a:solidFill>
-                <a:schemeClr val="accent4"/>
-              </a:solidFill>
-              <a:round/>
-            </a:ln>
-            <a:effectLst>
-              <a:outerShdw blurRad="57150" dist="19050" dir="5400000" algn="ctr" rotWithShape="0">
-                <a:srgbClr val="000000">
-                  <a:alpha val="63000"/>
-                </a:srgbClr>
-              </a:outerShdw>
-            </a:effectLst>
-          </c:spPr>
-          <c:marker>
-            <c:symbol val="circle"/>
-            <c:size val="6"/>
-            <c:spPr>
-              <a:gradFill rotWithShape="1">
-                <a:gsLst>
-                  <a:gs pos="0">
-                    <a:schemeClr val="accent4">
-                      <a:satMod val="103000"/>
-                      <a:lumMod val="102000"/>
-                      <a:tint val="94000"/>
-                    </a:schemeClr>
-                  </a:gs>
-                  <a:gs pos="50000">
-                    <a:schemeClr val="accent4">
-                      <a:satMod val="110000"/>
-                      <a:lumMod val="100000"/>
-                      <a:shade val="100000"/>
-                    </a:schemeClr>
-                  </a:gs>
-                  <a:gs pos="100000">
-                    <a:schemeClr val="accent4">
-                      <a:lumMod val="99000"/>
-                      <a:satMod val="120000"/>
-                      <a:shade val="78000"/>
-                    </a:schemeClr>
-                  </a:gs>
-                </a:gsLst>
-                <a:lin ang="5400000" scaled="0"/>
-              </a:gradFill>
-              <a:ln w="9525" cap="rnd">
-                <a:solidFill>
-                  <a:schemeClr val="accent4"/>
-                </a:solidFill>
-                <a:round/>
-              </a:ln>
-              <a:effectLst>
-                <a:outerShdw blurRad="57150" dist="19050" dir="5400000" algn="ctr" rotWithShape="0">
-                  <a:srgbClr val="000000">
-                    <a:alpha val="63000"/>
-                  </a:srgbClr>
-                </a:outerShdw>
-              </a:effectLst>
-              <a:scene3d>
-                <a:camera prst="orthographicFront">
-                  <a:rot lat="0" lon="0" rev="0"/>
-                </a:camera>
-                <a:lightRig rig="threePt" dir="t">
-                  <a:rot lat="0" lon="0" rev="1200000"/>
-                </a:lightRig>
-              </a:scene3d>
-              <a:sp3d>
-                <a:bevelT w="63500" h="25400"/>
-              </a:sp3d>
-            </c:spPr>
-          </c:marker>
-          <c:xVal>
-            <c:numRef>
-              <c:f>Sheet1!$G$37:$G$39</c:f>
-              <c:numCache>
-                <c:formatCode>General</c:formatCode>
-                <c:ptCount val="3"/>
-                <c:pt idx="0">
-                  <c:v>100.0</c:v>
-                </c:pt>
-                <c:pt idx="1">
-                  <c:v>225.0</c:v>
-                </c:pt>
-                <c:pt idx="2">
-                  <c:v>900.0</c:v>
-                </c:pt>
-              </c:numCache>
-            </c:numRef>
-          </c:xVal>
-          <c:yVal>
-            <c:numRef>
-              <c:f>Sheet1!$K$37:$K$39</c:f>
-              <c:numCache>
-                <c:formatCode>General</c:formatCode>
-                <c:ptCount val="3"/>
-                <c:pt idx="0">
-                  <c:v>0.53</c:v>
-                </c:pt>
-                <c:pt idx="1">
-                  <c:v>2.4</c:v>
-                </c:pt>
-                <c:pt idx="2">
-                  <c:v>11.2</c:v>
-                </c:pt>
-              </c:numCache>
-            </c:numRef>
-          </c:yVal>
-          <c:smooth val="1"/>
-        </c:ser>
-        <c:dLbls>
-          <c:showLegendKey val="0"/>
-          <c:showVal val="0"/>
-          <c:showCatName val="0"/>
-          <c:showSerName val="0"/>
-          <c:showPercent val="0"/>
-          <c:showBubbleSize val="0"/>
-        </c:dLbls>
-        <c:axId val="-492078624"/>
-        <c:axId val="-482597136"/>
-      </c:scatterChart>
-      <c:valAx>
-        <c:axId val="-492078624"/>
-        <c:scaling>
-          <c:orientation val="minMax"/>
-        </c:scaling>
-        <c:delete val="0"/>
-        <c:axPos val="b"/>
-        <c:numFmt formatCode="General" sourceLinked="1"/>
-        <c:majorTickMark val="none"/>
-        <c:minorTickMark val="none"/>
-        <c:tickLblPos val="nextTo"/>
-        <c:spPr>
-          <a:noFill/>
-          <a:ln w="9525" cap="flat" cmpd="sng" algn="ctr">
-            <a:solidFill>
-              <a:schemeClr val="lt1">
-                <a:lumMod val="50000"/>
-              </a:schemeClr>
-            </a:solidFill>
-          </a:ln>
-          <a:effectLst/>
-        </c:spPr>
-        <c:txPr>
-          <a:bodyPr rot="-60000000" spcFirstLastPara="1" vertOverflow="ellipsis" vert="horz" wrap="square" anchor="ctr" anchorCtr="1"/>
-          <a:lstStyle/>
-          <a:p>
-            <a:pPr>
-              <a:defRPr sz="900" b="0" i="0" u="none" strike="noStrike" kern="1200" baseline="0">
-                <a:solidFill>
-                  <a:schemeClr val="lt1">
-                    <a:lumMod val="75000"/>
-                  </a:schemeClr>
-                </a:solidFill>
-                <a:latin typeface="+mn-lt"/>
-                <a:ea typeface="+mn-ea"/>
-                <a:cs typeface="+mn-cs"/>
-              </a:defRPr>
-            </a:pPr>
-            <a:endParaRPr lang="en-US"/>
-          </a:p>
-        </c:txPr>
-        <c:crossAx val="-482597136"/>
-        <c:crosses val="autoZero"/>
-        <c:crossBetween val="midCat"/>
-      </c:valAx>
-      <c:valAx>
-        <c:axId val="-482597136"/>
-        <c:scaling>
-          <c:orientation val="minMax"/>
-        </c:scaling>
-        <c:delete val="0"/>
-        <c:axPos val="l"/>
-        <c:majorGridlines>
-          <c:spPr>
-            <a:ln w="9525" cap="flat" cmpd="sng" algn="ctr">
-              <a:solidFill>
-                <a:schemeClr val="lt1">
-                  <a:lumMod val="95000"/>
-                  <a:alpha val="10000"/>
-                </a:schemeClr>
-              </a:solidFill>
-              <a:round/>
-            </a:ln>
-            <a:effectLst/>
-          </c:spPr>
-        </c:majorGridlines>
-        <c:numFmt formatCode="General" sourceLinked="1"/>
-        <c:majorTickMark val="none"/>
-        <c:minorTickMark val="none"/>
-        <c:tickLblPos val="nextTo"/>
-        <c:spPr>
-          <a:noFill/>
-          <a:ln w="9525" cap="flat" cmpd="sng" algn="ctr">
-            <a:solidFill>
-              <a:schemeClr val="lt1">
-                <a:lumMod val="50000"/>
-              </a:schemeClr>
-            </a:solidFill>
-          </a:ln>
-          <a:effectLst/>
-        </c:spPr>
-        <c:txPr>
-          <a:bodyPr rot="-60000000" spcFirstLastPara="1" vertOverflow="ellipsis" vert="horz" wrap="square" anchor="ctr" anchorCtr="1"/>
-          <a:lstStyle/>
-          <a:p>
-            <a:pPr>
-              <a:defRPr sz="900" b="0" i="0" u="none" strike="noStrike" kern="1200" baseline="0">
-                <a:solidFill>
-                  <a:schemeClr val="lt1">
-                    <a:lumMod val="75000"/>
-                  </a:schemeClr>
-                </a:solidFill>
-                <a:latin typeface="+mn-lt"/>
-                <a:ea typeface="+mn-ea"/>
-                <a:cs typeface="+mn-cs"/>
-              </a:defRPr>
-            </a:pPr>
-            <a:endParaRPr lang="en-US"/>
-          </a:p>
-        </c:txPr>
-        <c:crossAx val="-492078624"/>
-        <c:crosses val="autoZero"/>
-        <c:crossBetween val="midCat"/>
-      </c:valAx>
-      <c:spPr>
-        <a:noFill/>
-        <a:ln>
-          <a:noFill/>
-        </a:ln>
-        <a:effectLst/>
-      </c:spPr>
-    </c:plotArea>
-    <c:legend>
-      <c:legendPos val="b"/>
-      <c:layout/>
-      <c:overlay val="0"/>
-      <c:spPr>
-        <a:noFill/>
-        <a:ln>
-          <a:noFill/>
-        </a:ln>
-        <a:effectLst/>
-      </c:spPr>
-      <c:txPr>
-        <a:bodyPr rot="0" spcFirstLastPara="1" vertOverflow="ellipsis" vert="horz" wrap="square" anchor="ctr" anchorCtr="1"/>
-        <a:lstStyle/>
-        <a:p>
-          <a:pPr rtl="0">
-            <a:defRPr sz="900" b="0" i="0" u="none" strike="noStrike" kern="1200" baseline="0">
-              <a:solidFill>
-                <a:schemeClr val="lt1">
-                  <a:lumMod val="75000"/>
-                </a:schemeClr>
-              </a:solidFill>
-              <a:latin typeface="+mn-lt"/>
-              <a:ea typeface="+mn-ea"/>
-              <a:cs typeface="+mn-cs"/>
-            </a:defRPr>
-          </a:pPr>
-          <a:endParaRPr lang="en-US"/>
-        </a:p>
-      </c:txPr>
-    </c:legend>
-    <c:plotVisOnly val="1"/>
-    <c:dispBlanksAs val="gap"/>
-    <c:showDLblsOverMax val="0"/>
-  </c:chart>
-  <c:spPr>
-    <a:gradFill flip="none" rotWithShape="1">
-      <a:gsLst>
-        <a:gs pos="0">
-          <a:schemeClr val="dk1">
-            <a:lumMod val="65000"/>
-            <a:lumOff val="35000"/>
-          </a:schemeClr>
-        </a:gs>
-        <a:gs pos="100000">
-          <a:schemeClr val="dk1">
-            <a:lumMod val="85000"/>
-            <a:lumOff val="15000"/>
-          </a:schemeClr>
-        </a:gs>
-      </a:gsLst>
-      <a:path path="circle">
-        <a:fillToRect l="50000" t="50000" r="50000" b="50000"/>
-      </a:path>
-      <a:tileRect/>
-    </a:gradFill>
-    <a:ln>
-      <a:noFill/>
-    </a:ln>
-    <a:effectLst/>
-  </c:spPr>
-  <c:txPr>
-    <a:bodyPr/>
-    <a:lstStyle/>
-    <a:p>
-      <a:pPr>
-        <a:defRPr/>
-      </a:pPr>
-      <a:endParaRPr lang="en-US"/>
-    </a:p>
-  </c:txPr>
-  <c:externalData r:id="rId3">
-    <c:autoUpdate val="0"/>
-  </c:externalData>
-</c:chartSpace>
-</file>
-
-<file path=ppt/charts/chart3.xml><?xml version="1.0" encoding="utf-8"?>
 <c:chartSpace xmlns:c="http://schemas.openxmlformats.org/drawingml/2006/chart" xmlns:a="http://schemas.openxmlformats.org/drawingml/2006/main" xmlns:r="http://schemas.openxmlformats.org/officeDocument/2006/relationships">
   <c:date1904 val="0"/>
   <c:lang val="en-US"/>
@@ -2360,11 +1547,11 @@
           <c:showPercent val="0"/>
           <c:showBubbleSize val="0"/>
         </c:dLbls>
-        <c:axId val="-492242224"/>
-        <c:axId val="-491957504"/>
+        <c:axId val="-1415254496"/>
+        <c:axId val="-1411480592"/>
       </c:scatterChart>
       <c:valAx>
-        <c:axId val="-492242224"/>
+        <c:axId val="-1415254496"/>
         <c:scaling>
           <c:orientation val="minMax"/>
         </c:scaling>
@@ -2417,12 +1604,12 @@
             <a:endParaRPr lang="en-US"/>
           </a:p>
         </c:txPr>
-        <c:crossAx val="-491957504"/>
+        <c:crossAx val="-1411480592"/>
         <c:crosses val="autoZero"/>
         <c:crossBetween val="midCat"/>
       </c:valAx>
       <c:valAx>
-        <c:axId val="-491957504"/>
+        <c:axId val="-1411480592"/>
         <c:scaling>
           <c:orientation val="minMax"/>
         </c:scaling>
@@ -2475,7 +1662,7 @@
             <a:endParaRPr lang="en-US"/>
           </a:p>
         </c:txPr>
-        <c:crossAx val="-492242224"/>
+        <c:crossAx val="-1415254496"/>
         <c:crosses val="autoZero"/>
         <c:crossBetween val="midCat"/>
       </c:valAx>
@@ -2564,802 +1751,7 @@
 </c:chartSpace>
 </file>
 
-<file path=ppt/charts/chart4.xml><?xml version="1.0" encoding="utf-8"?>
-<c:chartSpace xmlns:c="http://schemas.openxmlformats.org/drawingml/2006/chart" xmlns:a="http://schemas.openxmlformats.org/drawingml/2006/main" xmlns:r="http://schemas.openxmlformats.org/officeDocument/2006/relationships">
-  <c:date1904 val="0"/>
-  <c:lang val="en-US"/>
-  <c:roundedCorners val="0"/>
-  <mc:AlternateContent xmlns:mc="http://schemas.openxmlformats.org/markup-compatibility/2006">
-    <mc:Choice xmlns:c14="http://schemas.microsoft.com/office/drawing/2007/8/2/chart" Requires="c14">
-      <c14:style val="102"/>
-    </mc:Choice>
-    <mc:Fallback>
-      <c:style val="2"/>
-    </mc:Fallback>
-  </mc:AlternateContent>
-  <c:chart>
-    <c:title>
-      <c:tx>
-        <c:rich>
-          <a:bodyPr rot="0" spcFirstLastPara="1" vertOverflow="ellipsis" vert="horz" wrap="square" anchor="ctr" anchorCtr="1"/>
-          <a:lstStyle/>
-          <a:p>
-            <a:pPr>
-              <a:defRPr sz="1600" b="1" i="0" u="none" strike="noStrike" kern="1200" spc="100" baseline="0">
-                <a:solidFill>
-                  <a:schemeClr val="lt1">
-                    <a:lumMod val="95000"/>
-                  </a:schemeClr>
-                </a:solidFill>
-                <a:effectLst>
-                  <a:outerShdw blurRad="50800" dist="38100" dir="5400000" algn="t" rotWithShape="0">
-                    <a:prstClr val="black">
-                      <a:alpha val="40000"/>
-                    </a:prstClr>
-                  </a:outerShdw>
-                </a:effectLst>
-                <a:latin typeface="+mn-lt"/>
-                <a:ea typeface="+mn-ea"/>
-                <a:cs typeface="+mn-cs"/>
-              </a:defRPr>
-            </a:pPr>
-            <a:r>
-              <a:rPr lang="en-US"/>
-              <a:t>Total</a:t>
-            </a:r>
-            <a:r>
-              <a:rPr lang="en-US" baseline="0"/>
-              <a:t> Grid Cells Explored With Obstace% Doubled</a:t>
-            </a:r>
-            <a:endParaRPr lang="en-US"/>
-          </a:p>
-        </c:rich>
-      </c:tx>
-      <c:layout/>
-      <c:overlay val="0"/>
-      <c:spPr>
-        <a:noFill/>
-        <a:ln>
-          <a:noFill/>
-        </a:ln>
-        <a:effectLst/>
-      </c:spPr>
-      <c:txPr>
-        <a:bodyPr rot="0" spcFirstLastPara="1" vertOverflow="ellipsis" vert="horz" wrap="square" anchor="ctr" anchorCtr="1"/>
-        <a:lstStyle/>
-        <a:p>
-          <a:pPr>
-            <a:defRPr sz="1600" b="1" i="0" u="none" strike="noStrike" kern="1200" spc="100" baseline="0">
-              <a:solidFill>
-                <a:schemeClr val="lt1">
-                  <a:lumMod val="95000"/>
-                </a:schemeClr>
-              </a:solidFill>
-              <a:effectLst>
-                <a:outerShdw blurRad="50800" dist="38100" dir="5400000" algn="t" rotWithShape="0">
-                  <a:prstClr val="black">
-                    <a:alpha val="40000"/>
-                  </a:prstClr>
-                </a:outerShdw>
-              </a:effectLst>
-              <a:latin typeface="+mn-lt"/>
-              <a:ea typeface="+mn-ea"/>
-              <a:cs typeface="+mn-cs"/>
-            </a:defRPr>
-          </a:pPr>
-          <a:endParaRPr lang="en-US"/>
-        </a:p>
-      </c:txPr>
-    </c:title>
-    <c:autoTitleDeleted val="0"/>
-    <c:plotArea>
-      <c:layout>
-        <c:manualLayout>
-          <c:layoutTarget val="inner"/>
-          <c:xMode val="edge"/>
-          <c:yMode val="edge"/>
-          <c:x val="0.0820515916683564"/>
-          <c:y val="0.265096533382116"/>
-          <c:w val="0.876668390591169"/>
-          <c:h val="0.68269048104864"/>
-        </c:manualLayout>
-      </c:layout>
-      <c:scatterChart>
-        <c:scatterStyle val="smoothMarker"/>
-        <c:varyColors val="0"/>
-        <c:ser>
-          <c:idx val="0"/>
-          <c:order val="0"/>
-          <c:tx>
-            <c:strRef>
-              <c:f>Sheet1!$P$36</c:f>
-              <c:strCache>
-                <c:ptCount val="1"/>
-                <c:pt idx="0">
-                  <c:v>Breadth-First</c:v>
-                </c:pt>
-              </c:strCache>
-            </c:strRef>
-          </c:tx>
-          <c:spPr>
-            <a:ln w="9525" cap="rnd">
-              <a:solidFill>
-                <a:schemeClr val="accent1"/>
-              </a:solidFill>
-              <a:round/>
-            </a:ln>
-            <a:effectLst>
-              <a:outerShdw blurRad="57150" dist="19050" dir="5400000" algn="ctr" rotWithShape="0">
-                <a:srgbClr val="000000">
-                  <a:alpha val="63000"/>
-                </a:srgbClr>
-              </a:outerShdw>
-            </a:effectLst>
-          </c:spPr>
-          <c:marker>
-            <c:symbol val="circle"/>
-            <c:size val="6"/>
-            <c:spPr>
-              <a:gradFill rotWithShape="1">
-                <a:gsLst>
-                  <a:gs pos="0">
-                    <a:schemeClr val="accent1">
-                      <a:satMod val="103000"/>
-                      <a:lumMod val="102000"/>
-                      <a:tint val="94000"/>
-                    </a:schemeClr>
-                  </a:gs>
-                  <a:gs pos="50000">
-                    <a:schemeClr val="accent1">
-                      <a:satMod val="110000"/>
-                      <a:lumMod val="100000"/>
-                      <a:shade val="100000"/>
-                    </a:schemeClr>
-                  </a:gs>
-                  <a:gs pos="100000">
-                    <a:schemeClr val="accent1">
-                      <a:lumMod val="99000"/>
-                      <a:satMod val="120000"/>
-                      <a:shade val="78000"/>
-                    </a:schemeClr>
-                  </a:gs>
-                </a:gsLst>
-                <a:lin ang="5400000" scaled="0"/>
-              </a:gradFill>
-              <a:ln w="9525" cap="rnd">
-                <a:solidFill>
-                  <a:schemeClr val="accent1"/>
-                </a:solidFill>
-                <a:round/>
-              </a:ln>
-              <a:effectLst>
-                <a:outerShdw blurRad="57150" dist="19050" dir="5400000" algn="ctr" rotWithShape="0">
-                  <a:srgbClr val="000000">
-                    <a:alpha val="63000"/>
-                  </a:srgbClr>
-                </a:outerShdw>
-              </a:effectLst>
-              <a:scene3d>
-                <a:camera prst="orthographicFront">
-                  <a:rot lat="0" lon="0" rev="0"/>
-                </a:camera>
-                <a:lightRig rig="threePt" dir="t">
-                  <a:rot lat="0" lon="0" rev="1200000"/>
-                </a:lightRig>
-              </a:scene3d>
-              <a:sp3d>
-                <a:bevelT w="63500" h="25400"/>
-              </a:sp3d>
-            </c:spPr>
-          </c:marker>
-          <c:xVal>
-            <c:numRef>
-              <c:f>Sheet1!$O$37:$O$39</c:f>
-              <c:numCache>
-                <c:formatCode>General</c:formatCode>
-                <c:ptCount val="3"/>
-                <c:pt idx="1">
-                  <c:v>225.0</c:v>
-                </c:pt>
-                <c:pt idx="2">
-                  <c:v>900.0</c:v>
-                </c:pt>
-              </c:numCache>
-            </c:numRef>
-          </c:xVal>
-          <c:yVal>
-            <c:numRef>
-              <c:f>Sheet1!$P$37:$P$39</c:f>
-              <c:numCache>
-                <c:formatCode>General</c:formatCode>
-                <c:ptCount val="3"/>
-                <c:pt idx="0">
-                  <c:v>30.0</c:v>
-                </c:pt>
-                <c:pt idx="1">
-                  <c:v>148.0</c:v>
-                </c:pt>
-                <c:pt idx="2">
-                  <c:v>522.0</c:v>
-                </c:pt>
-              </c:numCache>
-            </c:numRef>
-          </c:yVal>
-          <c:smooth val="1"/>
-        </c:ser>
-        <c:ser>
-          <c:idx val="1"/>
-          <c:order val="1"/>
-          <c:tx>
-            <c:strRef>
-              <c:f>Sheet1!$Q$36</c:f>
-              <c:strCache>
-                <c:ptCount val="1"/>
-                <c:pt idx="0">
-                  <c:v>Best-First</c:v>
-                </c:pt>
-              </c:strCache>
-            </c:strRef>
-          </c:tx>
-          <c:spPr>
-            <a:ln w="9525" cap="rnd">
-              <a:solidFill>
-                <a:schemeClr val="accent2"/>
-              </a:solidFill>
-              <a:round/>
-            </a:ln>
-            <a:effectLst>
-              <a:outerShdw blurRad="57150" dist="19050" dir="5400000" algn="ctr" rotWithShape="0">
-                <a:srgbClr val="000000">
-                  <a:alpha val="63000"/>
-                </a:srgbClr>
-              </a:outerShdw>
-            </a:effectLst>
-          </c:spPr>
-          <c:marker>
-            <c:symbol val="circle"/>
-            <c:size val="6"/>
-            <c:spPr>
-              <a:gradFill rotWithShape="1">
-                <a:gsLst>
-                  <a:gs pos="0">
-                    <a:schemeClr val="accent2">
-                      <a:satMod val="103000"/>
-                      <a:lumMod val="102000"/>
-                      <a:tint val="94000"/>
-                    </a:schemeClr>
-                  </a:gs>
-                  <a:gs pos="50000">
-                    <a:schemeClr val="accent2">
-                      <a:satMod val="110000"/>
-                      <a:lumMod val="100000"/>
-                      <a:shade val="100000"/>
-                    </a:schemeClr>
-                  </a:gs>
-                  <a:gs pos="100000">
-                    <a:schemeClr val="accent2">
-                      <a:lumMod val="99000"/>
-                      <a:satMod val="120000"/>
-                      <a:shade val="78000"/>
-                    </a:schemeClr>
-                  </a:gs>
-                </a:gsLst>
-                <a:lin ang="5400000" scaled="0"/>
-              </a:gradFill>
-              <a:ln w="9525" cap="rnd">
-                <a:solidFill>
-                  <a:schemeClr val="accent2"/>
-                </a:solidFill>
-                <a:round/>
-              </a:ln>
-              <a:effectLst>
-                <a:outerShdw blurRad="57150" dist="19050" dir="5400000" algn="ctr" rotWithShape="0">
-                  <a:srgbClr val="000000">
-                    <a:alpha val="63000"/>
-                  </a:srgbClr>
-                </a:outerShdw>
-              </a:effectLst>
-              <a:scene3d>
-                <a:camera prst="orthographicFront">
-                  <a:rot lat="0" lon="0" rev="0"/>
-                </a:camera>
-                <a:lightRig rig="threePt" dir="t">
-                  <a:rot lat="0" lon="0" rev="1200000"/>
-                </a:lightRig>
-              </a:scene3d>
-              <a:sp3d>
-                <a:bevelT w="63500" h="25400"/>
-              </a:sp3d>
-            </c:spPr>
-          </c:marker>
-          <c:xVal>
-            <c:numRef>
-              <c:f>Sheet1!$O$37:$O$39</c:f>
-              <c:numCache>
-                <c:formatCode>General</c:formatCode>
-                <c:ptCount val="3"/>
-                <c:pt idx="1">
-                  <c:v>225.0</c:v>
-                </c:pt>
-                <c:pt idx="2">
-                  <c:v>900.0</c:v>
-                </c:pt>
-              </c:numCache>
-            </c:numRef>
-          </c:xVal>
-          <c:yVal>
-            <c:numRef>
-              <c:f>Sheet1!$Q$37:$Q$39</c:f>
-              <c:numCache>
-                <c:formatCode>General</c:formatCode>
-                <c:ptCount val="3"/>
-                <c:pt idx="0">
-                  <c:v>22.0</c:v>
-                </c:pt>
-                <c:pt idx="1">
-                  <c:v>51.0</c:v>
-                </c:pt>
-                <c:pt idx="2">
-                  <c:v>146.0</c:v>
-                </c:pt>
-              </c:numCache>
-            </c:numRef>
-          </c:yVal>
-          <c:smooth val="1"/>
-        </c:ser>
-        <c:ser>
-          <c:idx val="2"/>
-          <c:order val="2"/>
-          <c:tx>
-            <c:strRef>
-              <c:f>Sheet1!$R$36</c:f>
-              <c:strCache>
-                <c:ptCount val="1"/>
-                <c:pt idx="0">
-                  <c:v>Dijkstra</c:v>
-                </c:pt>
-              </c:strCache>
-            </c:strRef>
-          </c:tx>
-          <c:spPr>
-            <a:ln w="9525" cap="rnd">
-              <a:solidFill>
-                <a:schemeClr val="accent3"/>
-              </a:solidFill>
-              <a:round/>
-            </a:ln>
-            <a:effectLst>
-              <a:outerShdw blurRad="57150" dist="19050" dir="5400000" algn="ctr" rotWithShape="0">
-                <a:srgbClr val="000000">
-                  <a:alpha val="63000"/>
-                </a:srgbClr>
-              </a:outerShdw>
-            </a:effectLst>
-          </c:spPr>
-          <c:marker>
-            <c:symbol val="circle"/>
-            <c:size val="6"/>
-            <c:spPr>
-              <a:gradFill rotWithShape="1">
-                <a:gsLst>
-                  <a:gs pos="0">
-                    <a:schemeClr val="accent3">
-                      <a:satMod val="103000"/>
-                      <a:lumMod val="102000"/>
-                      <a:tint val="94000"/>
-                    </a:schemeClr>
-                  </a:gs>
-                  <a:gs pos="50000">
-                    <a:schemeClr val="accent3">
-                      <a:satMod val="110000"/>
-                      <a:lumMod val="100000"/>
-                      <a:shade val="100000"/>
-                    </a:schemeClr>
-                  </a:gs>
-                  <a:gs pos="100000">
-                    <a:schemeClr val="accent3">
-                      <a:lumMod val="99000"/>
-                      <a:satMod val="120000"/>
-                      <a:shade val="78000"/>
-                    </a:schemeClr>
-                  </a:gs>
-                </a:gsLst>
-                <a:lin ang="5400000" scaled="0"/>
-              </a:gradFill>
-              <a:ln w="9525" cap="rnd">
-                <a:solidFill>
-                  <a:schemeClr val="accent3"/>
-                </a:solidFill>
-                <a:round/>
-              </a:ln>
-              <a:effectLst>
-                <a:outerShdw blurRad="57150" dist="19050" dir="5400000" algn="ctr" rotWithShape="0">
-                  <a:srgbClr val="000000">
-                    <a:alpha val="63000"/>
-                  </a:srgbClr>
-                </a:outerShdw>
-              </a:effectLst>
-              <a:scene3d>
-                <a:camera prst="orthographicFront">
-                  <a:rot lat="0" lon="0" rev="0"/>
-                </a:camera>
-                <a:lightRig rig="threePt" dir="t">
-                  <a:rot lat="0" lon="0" rev="1200000"/>
-                </a:lightRig>
-              </a:scene3d>
-              <a:sp3d>
-                <a:bevelT w="63500" h="25400"/>
-              </a:sp3d>
-            </c:spPr>
-          </c:marker>
-          <c:xVal>
-            <c:numRef>
-              <c:f>Sheet1!$O$37:$O$39</c:f>
-              <c:numCache>
-                <c:formatCode>General</c:formatCode>
-                <c:ptCount val="3"/>
-                <c:pt idx="1">
-                  <c:v>225.0</c:v>
-                </c:pt>
-                <c:pt idx="2">
-                  <c:v>900.0</c:v>
-                </c:pt>
-              </c:numCache>
-            </c:numRef>
-          </c:xVal>
-          <c:yVal>
-            <c:numRef>
-              <c:f>Sheet1!$R$37:$R$39</c:f>
-              <c:numCache>
-                <c:formatCode>General</c:formatCode>
-                <c:ptCount val="3"/>
-                <c:pt idx="0">
-                  <c:v>29.0</c:v>
-                </c:pt>
-                <c:pt idx="1">
-                  <c:v>149.0</c:v>
-                </c:pt>
-                <c:pt idx="2">
-                  <c:v>522.0</c:v>
-                </c:pt>
-              </c:numCache>
-            </c:numRef>
-          </c:yVal>
-          <c:smooth val="1"/>
-        </c:ser>
-        <c:ser>
-          <c:idx val="3"/>
-          <c:order val="3"/>
-          <c:tx>
-            <c:strRef>
-              <c:f>Sheet1!$S$36</c:f>
-              <c:strCache>
-                <c:ptCount val="1"/>
-                <c:pt idx="0">
-                  <c:v>A*</c:v>
-                </c:pt>
-              </c:strCache>
-            </c:strRef>
-          </c:tx>
-          <c:spPr>
-            <a:ln w="9525" cap="rnd">
-              <a:solidFill>
-                <a:schemeClr val="accent4"/>
-              </a:solidFill>
-              <a:round/>
-            </a:ln>
-            <a:effectLst>
-              <a:outerShdw blurRad="57150" dist="19050" dir="5400000" algn="ctr" rotWithShape="0">
-                <a:srgbClr val="000000">
-                  <a:alpha val="63000"/>
-                </a:srgbClr>
-              </a:outerShdw>
-            </a:effectLst>
-          </c:spPr>
-          <c:marker>
-            <c:symbol val="circle"/>
-            <c:size val="6"/>
-            <c:spPr>
-              <a:gradFill rotWithShape="1">
-                <a:gsLst>
-                  <a:gs pos="0">
-                    <a:schemeClr val="accent4">
-                      <a:satMod val="103000"/>
-                      <a:lumMod val="102000"/>
-                      <a:tint val="94000"/>
-                    </a:schemeClr>
-                  </a:gs>
-                  <a:gs pos="50000">
-                    <a:schemeClr val="accent4">
-                      <a:satMod val="110000"/>
-                      <a:lumMod val="100000"/>
-                      <a:shade val="100000"/>
-                    </a:schemeClr>
-                  </a:gs>
-                  <a:gs pos="100000">
-                    <a:schemeClr val="accent4">
-                      <a:lumMod val="99000"/>
-                      <a:satMod val="120000"/>
-                      <a:shade val="78000"/>
-                    </a:schemeClr>
-                  </a:gs>
-                </a:gsLst>
-                <a:lin ang="5400000" scaled="0"/>
-              </a:gradFill>
-              <a:ln w="9525" cap="rnd">
-                <a:solidFill>
-                  <a:schemeClr val="accent4"/>
-                </a:solidFill>
-                <a:round/>
-              </a:ln>
-              <a:effectLst>
-                <a:outerShdw blurRad="57150" dist="19050" dir="5400000" algn="ctr" rotWithShape="0">
-                  <a:srgbClr val="000000">
-                    <a:alpha val="63000"/>
-                  </a:srgbClr>
-                </a:outerShdw>
-              </a:effectLst>
-              <a:scene3d>
-                <a:camera prst="orthographicFront">
-                  <a:rot lat="0" lon="0" rev="0"/>
-                </a:camera>
-                <a:lightRig rig="threePt" dir="t">
-                  <a:rot lat="0" lon="0" rev="1200000"/>
-                </a:lightRig>
-              </a:scene3d>
-              <a:sp3d>
-                <a:bevelT w="63500" h="25400"/>
-              </a:sp3d>
-            </c:spPr>
-          </c:marker>
-          <c:xVal>
-            <c:numRef>
-              <c:f>Sheet1!$O$37:$O$39</c:f>
-              <c:numCache>
-                <c:formatCode>General</c:formatCode>
-                <c:ptCount val="3"/>
-                <c:pt idx="1">
-                  <c:v>225.0</c:v>
-                </c:pt>
-                <c:pt idx="2">
-                  <c:v>900.0</c:v>
-                </c:pt>
-              </c:numCache>
-            </c:numRef>
-          </c:xVal>
-          <c:yVal>
-            <c:numRef>
-              <c:f>Sheet1!$S$37:$S$39</c:f>
-              <c:numCache>
-                <c:formatCode>General</c:formatCode>
-                <c:ptCount val="3"/>
-                <c:pt idx="0">
-                  <c:v>26.0</c:v>
-                </c:pt>
-                <c:pt idx="1">
-                  <c:v>132.0</c:v>
-                </c:pt>
-                <c:pt idx="2">
-                  <c:v>344.0</c:v>
-                </c:pt>
-              </c:numCache>
-            </c:numRef>
-          </c:yVal>
-          <c:smooth val="1"/>
-        </c:ser>
-        <c:dLbls>
-          <c:showLegendKey val="0"/>
-          <c:showVal val="0"/>
-          <c:showCatName val="0"/>
-          <c:showSerName val="0"/>
-          <c:showPercent val="0"/>
-          <c:showBubbleSize val="0"/>
-        </c:dLbls>
-        <c:axId val="-519503584"/>
-        <c:axId val="-519703488"/>
-      </c:scatterChart>
-      <c:valAx>
-        <c:axId val="-519503584"/>
-        <c:scaling>
-          <c:orientation val="minMax"/>
-        </c:scaling>
-        <c:delete val="0"/>
-        <c:axPos val="b"/>
-        <c:majorGridlines>
-          <c:spPr>
-            <a:ln w="9525" cap="flat" cmpd="sng" algn="ctr">
-              <a:solidFill>
-                <a:schemeClr val="lt1">
-                  <a:lumMod val="95000"/>
-                  <a:alpha val="10000"/>
-                </a:schemeClr>
-              </a:solidFill>
-              <a:round/>
-            </a:ln>
-            <a:effectLst/>
-          </c:spPr>
-        </c:majorGridlines>
-        <c:majorTickMark val="none"/>
-        <c:minorTickMark val="none"/>
-        <c:tickLblPos val="nextTo"/>
-        <c:spPr>
-          <a:noFill/>
-          <a:ln w="9525" cap="flat" cmpd="sng" algn="ctr">
-            <a:solidFill>
-              <a:schemeClr val="lt1">
-                <a:lumMod val="50000"/>
-              </a:schemeClr>
-            </a:solidFill>
-          </a:ln>
-          <a:effectLst/>
-        </c:spPr>
-        <c:txPr>
-          <a:bodyPr rot="-60000000" spcFirstLastPara="1" vertOverflow="ellipsis" vert="horz" wrap="square" anchor="ctr" anchorCtr="1"/>
-          <a:lstStyle/>
-          <a:p>
-            <a:pPr>
-              <a:defRPr sz="900" b="0" i="0" u="none" strike="noStrike" kern="1200" baseline="0">
-                <a:solidFill>
-                  <a:schemeClr val="lt1">
-                    <a:lumMod val="75000"/>
-                  </a:schemeClr>
-                </a:solidFill>
-                <a:latin typeface="+mn-lt"/>
-                <a:ea typeface="+mn-ea"/>
-                <a:cs typeface="+mn-cs"/>
-              </a:defRPr>
-            </a:pPr>
-            <a:endParaRPr lang="en-US"/>
-          </a:p>
-        </c:txPr>
-        <c:crossAx val="-519703488"/>
-        <c:crosses val="autoZero"/>
-        <c:crossBetween val="midCat"/>
-      </c:valAx>
-      <c:valAx>
-        <c:axId val="-519703488"/>
-        <c:scaling>
-          <c:orientation val="minMax"/>
-        </c:scaling>
-        <c:delete val="0"/>
-        <c:axPos val="l"/>
-        <c:majorGridlines>
-          <c:spPr>
-            <a:ln w="9525" cap="flat" cmpd="sng" algn="ctr">
-              <a:solidFill>
-                <a:schemeClr val="lt1">
-                  <a:lumMod val="95000"/>
-                  <a:alpha val="10000"/>
-                </a:schemeClr>
-              </a:solidFill>
-              <a:round/>
-            </a:ln>
-            <a:effectLst/>
-          </c:spPr>
-        </c:majorGridlines>
-        <c:majorTickMark val="none"/>
-        <c:minorTickMark val="none"/>
-        <c:tickLblPos val="nextTo"/>
-        <c:spPr>
-          <a:noFill/>
-          <a:ln w="9525" cap="flat" cmpd="sng" algn="ctr">
-            <a:solidFill>
-              <a:schemeClr val="lt1">
-                <a:lumMod val="50000"/>
-              </a:schemeClr>
-            </a:solidFill>
-          </a:ln>
-          <a:effectLst/>
-        </c:spPr>
-        <c:txPr>
-          <a:bodyPr rot="-60000000" spcFirstLastPara="1" vertOverflow="ellipsis" vert="horz" wrap="square" anchor="ctr" anchorCtr="1"/>
-          <a:lstStyle/>
-          <a:p>
-            <a:pPr>
-              <a:defRPr sz="900" b="0" i="0" u="none" strike="noStrike" kern="1200" baseline="0">
-                <a:solidFill>
-                  <a:schemeClr val="lt1">
-                    <a:lumMod val="75000"/>
-                  </a:schemeClr>
-                </a:solidFill>
-                <a:latin typeface="+mn-lt"/>
-                <a:ea typeface="+mn-ea"/>
-                <a:cs typeface="+mn-cs"/>
-              </a:defRPr>
-            </a:pPr>
-            <a:endParaRPr lang="en-US"/>
-          </a:p>
-        </c:txPr>
-        <c:crossAx val="-519503584"/>
-        <c:crosses val="autoZero"/>
-        <c:crossBetween val="midCat"/>
-      </c:valAx>
-      <c:spPr>
-        <a:noFill/>
-        <a:ln>
-          <a:noFill/>
-        </a:ln>
-        <a:effectLst/>
-      </c:spPr>
-    </c:plotArea>
-    <c:legend>
-      <c:legendPos val="b"/>
-      <c:layout/>
-      <c:overlay val="0"/>
-      <c:spPr>
-        <a:noFill/>
-        <a:ln>
-          <a:noFill/>
-        </a:ln>
-        <a:effectLst/>
-      </c:spPr>
-      <c:txPr>
-        <a:bodyPr rot="0" spcFirstLastPara="1" vertOverflow="ellipsis" vert="horz" wrap="square" anchor="ctr" anchorCtr="1"/>
-        <a:lstStyle/>
-        <a:p>
-          <a:pPr>
-            <a:defRPr sz="900" b="0" i="0" u="none" strike="noStrike" kern="1200" baseline="0">
-              <a:solidFill>
-                <a:schemeClr val="lt1">
-                  <a:lumMod val="75000"/>
-                </a:schemeClr>
-              </a:solidFill>
-              <a:latin typeface="+mn-lt"/>
-              <a:ea typeface="+mn-ea"/>
-              <a:cs typeface="+mn-cs"/>
-            </a:defRPr>
-          </a:pPr>
-          <a:endParaRPr lang="en-US"/>
-        </a:p>
-      </c:txPr>
-    </c:legend>
-    <c:plotVisOnly val="1"/>
-    <c:dispBlanksAs val="gap"/>
-    <c:showDLblsOverMax val="0"/>
-  </c:chart>
-  <c:spPr>
-    <a:gradFill flip="none" rotWithShape="1">
-      <a:gsLst>
-        <a:gs pos="0">
-          <a:schemeClr val="dk1">
-            <a:lumMod val="65000"/>
-            <a:lumOff val="35000"/>
-          </a:schemeClr>
-        </a:gs>
-        <a:gs pos="100000">
-          <a:schemeClr val="dk1">
-            <a:lumMod val="85000"/>
-            <a:lumOff val="15000"/>
-          </a:schemeClr>
-        </a:gs>
-      </a:gsLst>
-      <a:path path="circle">
-        <a:fillToRect l="50000" t="50000" r="50000" b="50000"/>
-      </a:path>
-      <a:tileRect/>
-    </a:gradFill>
-    <a:ln>
-      <a:noFill/>
-    </a:ln>
-    <a:effectLst/>
-  </c:spPr>
-  <c:txPr>
-    <a:bodyPr/>
-    <a:lstStyle/>
-    <a:p>
-      <a:pPr>
-        <a:defRPr/>
-      </a:pPr>
-      <a:endParaRPr lang="en-US"/>
-    </a:p>
-  </c:txPr>
-  <c:externalData r:id="rId3">
-    <c:autoUpdate val="0"/>
-  </c:externalData>
-</c:chartSpace>
-</file>
-
-<file path=ppt/charts/chart5.xml><?xml version="1.0" encoding="utf-8"?>
+<file path=ppt/charts/chart3.xml><?xml version="1.0" encoding="utf-8"?>
 <c:chartSpace xmlns:c="http://schemas.openxmlformats.org/drawingml/2006/chart" xmlns:a="http://schemas.openxmlformats.org/drawingml/2006/main" xmlns:r="http://schemas.openxmlformats.org/officeDocument/2006/relationships">
   <c:date1904 val="0"/>
   <c:lang val="en-US"/>
@@ -3618,11 +2010,11 @@
         </c:dLbls>
         <c:gapWidth val="150"/>
         <c:overlap val="100"/>
-        <c:axId val="-487942432"/>
-        <c:axId val="-519643024"/>
+        <c:axId val="-1244278848"/>
+        <c:axId val="-1399155584"/>
       </c:barChart>
       <c:catAx>
-        <c:axId val="-487942432"/>
+        <c:axId val="-1244278848"/>
         <c:scaling>
           <c:orientation val="minMax"/>
         </c:scaling>
@@ -3664,7 +2056,7 @@
             <a:endParaRPr lang="en-US"/>
           </a:p>
         </c:txPr>
-        <c:crossAx val="-519643024"/>
+        <c:crossAx val="-1399155584"/>
         <c:crosses val="autoZero"/>
         <c:auto val="1"/>
         <c:lblAlgn val="ctr"/>
@@ -3672,7 +2064,7 @@
         <c:noMultiLvlLbl val="0"/>
       </c:catAx>
       <c:valAx>
-        <c:axId val="-519643024"/>
+        <c:axId val="-1399155584"/>
         <c:scaling>
           <c:orientation val="minMax"/>
         </c:scaling>
@@ -3722,454 +2114,7 @@
             <a:endParaRPr lang="en-US"/>
           </a:p>
         </c:txPr>
-        <c:crossAx val="-487942432"/>
-        <c:crosses val="autoZero"/>
-        <c:crossBetween val="between"/>
-      </c:valAx>
-      <c:spPr>
-        <a:noFill/>
-        <a:ln>
-          <a:noFill/>
-        </a:ln>
-        <a:effectLst/>
-      </c:spPr>
-    </c:plotArea>
-    <c:legend>
-      <c:legendPos val="b"/>
-      <c:layout/>
-      <c:overlay val="0"/>
-      <c:spPr>
-        <a:noFill/>
-        <a:ln>
-          <a:noFill/>
-        </a:ln>
-        <a:effectLst/>
-      </c:spPr>
-      <c:txPr>
-        <a:bodyPr rot="0" spcFirstLastPara="1" vertOverflow="ellipsis" vert="horz" wrap="square" anchor="ctr" anchorCtr="1"/>
-        <a:lstStyle/>
-        <a:p>
-          <a:pPr>
-            <a:defRPr sz="900" b="0" i="0" u="none" strike="noStrike" kern="1200" baseline="0">
-              <a:solidFill>
-                <a:schemeClr val="lt1">
-                  <a:lumMod val="85000"/>
-                </a:schemeClr>
-              </a:solidFill>
-              <a:latin typeface="+mn-lt"/>
-              <a:ea typeface="+mn-ea"/>
-              <a:cs typeface="+mn-cs"/>
-            </a:defRPr>
-          </a:pPr>
-          <a:endParaRPr lang="en-US"/>
-        </a:p>
-      </c:txPr>
-    </c:legend>
-    <c:plotVisOnly val="1"/>
-    <c:dispBlanksAs val="gap"/>
-    <c:showDLblsOverMax val="0"/>
-  </c:chart>
-  <c:spPr>
-    <a:gradFill flip="none" rotWithShape="1">
-      <a:gsLst>
-        <a:gs pos="0">
-          <a:schemeClr val="dk1">
-            <a:lumMod val="65000"/>
-            <a:lumOff val="35000"/>
-          </a:schemeClr>
-        </a:gs>
-        <a:gs pos="100000">
-          <a:schemeClr val="dk1">
-            <a:lumMod val="85000"/>
-            <a:lumOff val="15000"/>
-          </a:schemeClr>
-        </a:gs>
-      </a:gsLst>
-      <a:path path="circle">
-        <a:fillToRect l="50000" t="50000" r="50000" b="50000"/>
-      </a:path>
-      <a:tileRect/>
-    </a:gradFill>
-    <a:ln>
-      <a:noFill/>
-    </a:ln>
-    <a:effectLst/>
-  </c:spPr>
-  <c:txPr>
-    <a:bodyPr/>
-    <a:lstStyle/>
-    <a:p>
-      <a:pPr>
-        <a:defRPr/>
-      </a:pPr>
-      <a:endParaRPr lang="en-US"/>
-    </a:p>
-  </c:txPr>
-  <c:externalData r:id="rId3">
-    <c:autoUpdate val="0"/>
-  </c:externalData>
-</c:chartSpace>
-</file>
-
-<file path=ppt/charts/chart6.xml><?xml version="1.0" encoding="utf-8"?>
-<c:chartSpace xmlns:c="http://schemas.openxmlformats.org/drawingml/2006/chart" xmlns:a="http://schemas.openxmlformats.org/drawingml/2006/main" xmlns:r="http://schemas.openxmlformats.org/officeDocument/2006/relationships">
-  <c:date1904 val="0"/>
-  <c:lang val="en-US"/>
-  <c:roundedCorners val="0"/>
-  <mc:AlternateContent xmlns:mc="http://schemas.openxmlformats.org/markup-compatibility/2006">
-    <mc:Choice xmlns:c14="http://schemas.microsoft.com/office/drawing/2007/8/2/chart" Requires="c14">
-      <c14:style val="102"/>
-    </mc:Choice>
-    <mc:Fallback>
-      <c:style val="2"/>
-    </mc:Fallback>
-  </mc:AlternateContent>
-  <c:chart>
-    <c:title>
-      <c:tx>
-        <c:rich>
-          <a:bodyPr rot="0" spcFirstLastPara="1" vertOverflow="ellipsis" vert="horz" wrap="square" anchor="ctr" anchorCtr="1"/>
-          <a:lstStyle/>
-          <a:p>
-            <a:pPr>
-              <a:defRPr sz="1600" b="1" i="0" u="none" strike="noStrike" kern="1200" spc="100" baseline="0">
-                <a:solidFill>
-                  <a:schemeClr val="lt1">
-                    <a:lumMod val="95000"/>
-                  </a:schemeClr>
-                </a:solidFill>
-                <a:effectLst>
-                  <a:outerShdw blurRad="50800" dist="38100" dir="5400000" algn="t" rotWithShape="0">
-                    <a:prstClr val="black">
-                      <a:alpha val="40000"/>
-                    </a:prstClr>
-                  </a:outerShdw>
-                </a:effectLst>
-                <a:latin typeface="+mn-lt"/>
-                <a:ea typeface="+mn-ea"/>
-                <a:cs typeface="+mn-cs"/>
-              </a:defRPr>
-            </a:pPr>
-            <a:r>
-              <a:rPr lang="en-US"/>
-              <a:t>Accuracy</a:t>
-            </a:r>
-            <a:r>
-              <a:rPr lang="en-US" baseline="0"/>
-              <a:t> with Obstacle% Doubled</a:t>
-            </a:r>
-            <a:endParaRPr lang="en-US"/>
-          </a:p>
-        </c:rich>
-      </c:tx>
-      <c:layout/>
-      <c:overlay val="0"/>
-      <c:spPr>
-        <a:noFill/>
-        <a:ln>
-          <a:noFill/>
-        </a:ln>
-        <a:effectLst/>
-      </c:spPr>
-      <c:txPr>
-        <a:bodyPr rot="0" spcFirstLastPara="1" vertOverflow="ellipsis" vert="horz" wrap="square" anchor="ctr" anchorCtr="1"/>
-        <a:lstStyle/>
-        <a:p>
-          <a:pPr>
-            <a:defRPr sz="1600" b="1" i="0" u="none" strike="noStrike" kern="1200" spc="100" baseline="0">
-              <a:solidFill>
-                <a:schemeClr val="lt1">
-                  <a:lumMod val="95000"/>
-                </a:schemeClr>
-              </a:solidFill>
-              <a:effectLst>
-                <a:outerShdw blurRad="50800" dist="38100" dir="5400000" algn="t" rotWithShape="0">
-                  <a:prstClr val="black">
-                    <a:alpha val="40000"/>
-                  </a:prstClr>
-                </a:outerShdw>
-              </a:effectLst>
-              <a:latin typeface="+mn-lt"/>
-              <a:ea typeface="+mn-ea"/>
-              <a:cs typeface="+mn-cs"/>
-            </a:defRPr>
-          </a:pPr>
-          <a:endParaRPr lang="en-US"/>
-        </a:p>
-      </c:txPr>
-    </c:title>
-    <c:autoTitleDeleted val="0"/>
-    <c:plotArea>
-      <c:layout/>
-      <c:barChart>
-        <c:barDir val="bar"/>
-        <c:grouping val="percentStacked"/>
-        <c:varyColors val="0"/>
-        <c:ser>
-          <c:idx val="0"/>
-          <c:order val="0"/>
-          <c:tx>
-            <c:v>Percent Correct</c:v>
-          </c:tx>
-          <c:spPr>
-            <a:solidFill>
-              <a:srgbClr val="1FFA00"/>
-            </a:solidFill>
-            <a:ln>
-              <a:noFill/>
-            </a:ln>
-            <a:effectLst>
-              <a:outerShdw blurRad="57150" dist="19050" dir="5400000" algn="ctr" rotWithShape="0">
-                <a:srgbClr val="000000">
-                  <a:alpha val="63000"/>
-                </a:srgbClr>
-              </a:outerShdw>
-            </a:effectLst>
-            <a:scene3d>
-              <a:camera prst="orthographicFront">
-                <a:rot lat="0" lon="0" rev="0"/>
-              </a:camera>
-              <a:lightRig rig="threePt" dir="t">
-                <a:rot lat="0" lon="0" rev="1200000"/>
-              </a:lightRig>
-            </a:scene3d>
-            <a:sp3d>
-              <a:bevelT w="63500" h="25400"/>
-            </a:sp3d>
-          </c:spPr>
-          <c:invertIfNegative val="0"/>
-          <c:cat>
-            <c:strRef>
-              <c:f>Sheet1!$B$69:$E$69</c:f>
-              <c:strCache>
-                <c:ptCount val="4"/>
-                <c:pt idx="0">
-                  <c:v>Breadth-First</c:v>
-                </c:pt>
-                <c:pt idx="1">
-                  <c:v>Best-First</c:v>
-                </c:pt>
-                <c:pt idx="2">
-                  <c:v>Dijkstra</c:v>
-                </c:pt>
-                <c:pt idx="3">
-                  <c:v>A*</c:v>
-                </c:pt>
-              </c:strCache>
-            </c:strRef>
-          </c:cat>
-          <c:val>
-            <c:numRef>
-              <c:f>Sheet1!$B$70:$E$70</c:f>
-              <c:numCache>
-                <c:formatCode>General</c:formatCode>
-                <c:ptCount val="4"/>
-                <c:pt idx="0">
-                  <c:v>66.0</c:v>
-                </c:pt>
-                <c:pt idx="1">
-                  <c:v>0.0</c:v>
-                </c:pt>
-                <c:pt idx="2">
-                  <c:v>100.0</c:v>
-                </c:pt>
-                <c:pt idx="3">
-                  <c:v>33.33</c:v>
-                </c:pt>
-              </c:numCache>
-            </c:numRef>
-          </c:val>
-        </c:ser>
-        <c:ser>
-          <c:idx val="1"/>
-          <c:order val="1"/>
-          <c:tx>
-            <c:v>Percent Incorrect</c:v>
-          </c:tx>
-          <c:spPr>
-            <a:solidFill>
-              <a:srgbClr val="FF0000"/>
-            </a:solidFill>
-            <a:ln>
-              <a:noFill/>
-            </a:ln>
-            <a:effectLst>
-              <a:outerShdw blurRad="57150" dist="19050" dir="5400000" algn="ctr" rotWithShape="0">
-                <a:srgbClr val="000000">
-                  <a:alpha val="63000"/>
-                </a:srgbClr>
-              </a:outerShdw>
-            </a:effectLst>
-            <a:scene3d>
-              <a:camera prst="orthographicFront">
-                <a:rot lat="0" lon="0" rev="0"/>
-              </a:camera>
-              <a:lightRig rig="threePt" dir="t">
-                <a:rot lat="0" lon="0" rev="1200000"/>
-              </a:lightRig>
-            </a:scene3d>
-            <a:sp3d>
-              <a:bevelT w="63500" h="25400"/>
-            </a:sp3d>
-          </c:spPr>
-          <c:invertIfNegative val="0"/>
-          <c:cat>
-            <c:strRef>
-              <c:f>Sheet1!$B$69:$E$69</c:f>
-              <c:strCache>
-                <c:ptCount val="4"/>
-                <c:pt idx="0">
-                  <c:v>Breadth-First</c:v>
-                </c:pt>
-                <c:pt idx="1">
-                  <c:v>Best-First</c:v>
-                </c:pt>
-                <c:pt idx="2">
-                  <c:v>Dijkstra</c:v>
-                </c:pt>
-                <c:pt idx="3">
-                  <c:v>A*</c:v>
-                </c:pt>
-              </c:strCache>
-            </c:strRef>
-          </c:cat>
-          <c:val>
-            <c:numRef>
-              <c:f>Sheet1!$B$71:$E$71</c:f>
-              <c:numCache>
-                <c:formatCode>General</c:formatCode>
-                <c:ptCount val="4"/>
-                <c:pt idx="0">
-                  <c:v>33.33</c:v>
-                </c:pt>
-                <c:pt idx="1">
-                  <c:v>100.0</c:v>
-                </c:pt>
-                <c:pt idx="2">
-                  <c:v>0.0</c:v>
-                </c:pt>
-                <c:pt idx="3">
-                  <c:v>66.66</c:v>
-                </c:pt>
-              </c:numCache>
-            </c:numRef>
-          </c:val>
-        </c:ser>
-        <c:dLbls>
-          <c:showLegendKey val="0"/>
-          <c:showVal val="0"/>
-          <c:showCatName val="0"/>
-          <c:showSerName val="0"/>
-          <c:showPercent val="0"/>
-          <c:showBubbleSize val="0"/>
-        </c:dLbls>
-        <c:gapWidth val="150"/>
-        <c:overlap val="100"/>
-        <c:axId val="-95345376"/>
-        <c:axId val="-514272192"/>
-      </c:barChart>
-      <c:catAx>
-        <c:axId val="-95345376"/>
-        <c:scaling>
-          <c:orientation val="minMax"/>
-        </c:scaling>
-        <c:delete val="0"/>
-        <c:axPos val="l"/>
-        <c:numFmt formatCode="General" sourceLinked="1"/>
-        <c:majorTickMark val="none"/>
-        <c:minorTickMark val="none"/>
-        <c:tickLblPos val="nextTo"/>
-        <c:spPr>
-          <a:noFill/>
-          <a:ln w="12700" cap="flat" cmpd="sng" algn="ctr">
-            <a:solidFill>
-              <a:schemeClr val="lt1">
-                <a:lumMod val="95000"/>
-                <a:alpha val="54000"/>
-              </a:schemeClr>
-            </a:solidFill>
-            <a:round/>
-          </a:ln>
-          <a:effectLst/>
-        </c:spPr>
-        <c:txPr>
-          <a:bodyPr rot="-60000000" spcFirstLastPara="1" vertOverflow="ellipsis" vert="horz" wrap="square" anchor="ctr" anchorCtr="1"/>
-          <a:lstStyle/>
-          <a:p>
-            <a:pPr>
-              <a:defRPr sz="900" b="0" i="0" u="none" strike="noStrike" kern="1200" baseline="0">
-                <a:solidFill>
-                  <a:schemeClr val="lt1">
-                    <a:lumMod val="85000"/>
-                  </a:schemeClr>
-                </a:solidFill>
-                <a:latin typeface="+mn-lt"/>
-                <a:ea typeface="+mn-ea"/>
-                <a:cs typeface="+mn-cs"/>
-              </a:defRPr>
-            </a:pPr>
-            <a:endParaRPr lang="en-US"/>
-          </a:p>
-        </c:txPr>
-        <c:crossAx val="-514272192"/>
-        <c:crosses val="autoZero"/>
-        <c:auto val="1"/>
-        <c:lblAlgn val="ctr"/>
-        <c:lblOffset val="100"/>
-        <c:noMultiLvlLbl val="0"/>
-      </c:catAx>
-      <c:valAx>
-        <c:axId val="-514272192"/>
-        <c:scaling>
-          <c:orientation val="minMax"/>
-        </c:scaling>
-        <c:delete val="0"/>
-        <c:axPos val="b"/>
-        <c:majorGridlines>
-          <c:spPr>
-            <a:ln w="9525" cap="flat" cmpd="sng" algn="ctr">
-              <a:solidFill>
-                <a:schemeClr val="lt1">
-                  <a:lumMod val="95000"/>
-                  <a:alpha val="10000"/>
-                </a:schemeClr>
-              </a:solidFill>
-              <a:round/>
-            </a:ln>
-            <a:effectLst/>
-          </c:spPr>
-        </c:majorGridlines>
-        <c:numFmt formatCode="0%" sourceLinked="1"/>
-        <c:majorTickMark val="none"/>
-        <c:minorTickMark val="none"/>
-        <c:tickLblPos val="nextTo"/>
-        <c:spPr>
-          <a:noFill/>
-          <a:ln>
-            <a:noFill/>
-          </a:ln>
-          <a:effectLst/>
-        </c:spPr>
-        <c:txPr>
-          <a:bodyPr rot="-60000000" spcFirstLastPara="1" vertOverflow="ellipsis" vert="horz" wrap="square" anchor="ctr" anchorCtr="1"/>
-          <a:lstStyle/>
-          <a:p>
-            <a:pPr>
-              <a:defRPr sz="900" b="0" i="0" u="none" strike="noStrike" kern="1200" baseline="0">
-                <a:solidFill>
-                  <a:schemeClr val="lt1">
-                    <a:lumMod val="85000"/>
-                  </a:schemeClr>
-                </a:solidFill>
-                <a:latin typeface="+mn-lt"/>
-                <a:ea typeface="+mn-ea"/>
-                <a:cs typeface="+mn-cs"/>
-              </a:defRPr>
-            </a:pPr>
-            <a:endParaRPr lang="en-US"/>
-          </a:p>
-        </c:txPr>
-        <c:crossAx val="-95345376"/>
+        <c:crossAx val="-1244278848"/>
         <c:crosses val="autoZero"/>
         <c:crossBetween val="between"/>
       </c:valAx>
@@ -4339,126 +2284,6 @@
 </file>
 
 <file path=ppt/charts/colors3.xml><?xml version="1.0" encoding="utf-8"?>
-<cs:colorStyle xmlns:cs="http://schemas.microsoft.com/office/drawing/2012/chartStyle" xmlns:a="http://schemas.openxmlformats.org/drawingml/2006/main" meth="cycle" id="10">
-  <a:schemeClr val="accent1"/>
-  <a:schemeClr val="accent2"/>
-  <a:schemeClr val="accent3"/>
-  <a:schemeClr val="accent4"/>
-  <a:schemeClr val="accent5"/>
-  <a:schemeClr val="accent6"/>
-  <cs:variation/>
-  <cs:variation>
-    <a:lumMod val="60000"/>
-  </cs:variation>
-  <cs:variation>
-    <a:lumMod val="80000"/>
-    <a:lumOff val="20000"/>
-  </cs:variation>
-  <cs:variation>
-    <a:lumMod val="80000"/>
-  </cs:variation>
-  <cs:variation>
-    <a:lumMod val="60000"/>
-    <a:lumOff val="40000"/>
-  </cs:variation>
-  <cs:variation>
-    <a:lumMod val="50000"/>
-  </cs:variation>
-  <cs:variation>
-    <a:lumMod val="70000"/>
-    <a:lumOff val="30000"/>
-  </cs:variation>
-  <cs:variation>
-    <a:lumMod val="70000"/>
-  </cs:variation>
-  <cs:variation>
-    <a:lumMod val="50000"/>
-    <a:lumOff val="50000"/>
-  </cs:variation>
-</cs:colorStyle>
-</file>
-
-<file path=ppt/charts/colors4.xml><?xml version="1.0" encoding="utf-8"?>
-<cs:colorStyle xmlns:cs="http://schemas.microsoft.com/office/drawing/2012/chartStyle" xmlns:a="http://schemas.openxmlformats.org/drawingml/2006/main" meth="cycle" id="10">
-  <a:schemeClr val="accent1"/>
-  <a:schemeClr val="accent2"/>
-  <a:schemeClr val="accent3"/>
-  <a:schemeClr val="accent4"/>
-  <a:schemeClr val="accent5"/>
-  <a:schemeClr val="accent6"/>
-  <cs:variation/>
-  <cs:variation>
-    <a:lumMod val="60000"/>
-  </cs:variation>
-  <cs:variation>
-    <a:lumMod val="80000"/>
-    <a:lumOff val="20000"/>
-  </cs:variation>
-  <cs:variation>
-    <a:lumMod val="80000"/>
-  </cs:variation>
-  <cs:variation>
-    <a:lumMod val="60000"/>
-    <a:lumOff val="40000"/>
-  </cs:variation>
-  <cs:variation>
-    <a:lumMod val="50000"/>
-  </cs:variation>
-  <cs:variation>
-    <a:lumMod val="70000"/>
-    <a:lumOff val="30000"/>
-  </cs:variation>
-  <cs:variation>
-    <a:lumMod val="70000"/>
-  </cs:variation>
-  <cs:variation>
-    <a:lumMod val="50000"/>
-    <a:lumOff val="50000"/>
-  </cs:variation>
-</cs:colorStyle>
-</file>
-
-<file path=ppt/charts/colors5.xml><?xml version="1.0" encoding="utf-8"?>
-<cs:colorStyle xmlns:cs="http://schemas.microsoft.com/office/drawing/2012/chartStyle" xmlns:a="http://schemas.openxmlformats.org/drawingml/2006/main" meth="cycle" id="10">
-  <a:schemeClr val="accent1"/>
-  <a:schemeClr val="accent2"/>
-  <a:schemeClr val="accent3"/>
-  <a:schemeClr val="accent4"/>
-  <a:schemeClr val="accent5"/>
-  <a:schemeClr val="accent6"/>
-  <cs:variation/>
-  <cs:variation>
-    <a:lumMod val="60000"/>
-  </cs:variation>
-  <cs:variation>
-    <a:lumMod val="80000"/>
-    <a:lumOff val="20000"/>
-  </cs:variation>
-  <cs:variation>
-    <a:lumMod val="80000"/>
-  </cs:variation>
-  <cs:variation>
-    <a:lumMod val="60000"/>
-    <a:lumOff val="40000"/>
-  </cs:variation>
-  <cs:variation>
-    <a:lumMod val="50000"/>
-  </cs:variation>
-  <cs:variation>
-    <a:lumMod val="70000"/>
-    <a:lumOff val="30000"/>
-  </cs:variation>
-  <cs:variation>
-    <a:lumMod val="70000"/>
-  </cs:variation>
-  <cs:variation>
-    <a:lumMod val="50000"/>
-    <a:lumOff val="50000"/>
-  </cs:variation>
-</cs:colorStyle>
-</file>
-
-<file path=ppt/charts/colors6.xml><?xml version="1.0" encoding="utf-8"?>
 <cs:colorStyle xmlns:cs="http://schemas.microsoft.com/office/drawing/2012/chartStyle" xmlns:a="http://schemas.openxmlformats.org/drawingml/2006/main" meth="cycle" id="10">
   <a:schemeClr val="accent1"/>
   <a:schemeClr val="accent2"/>
@@ -5503,1506 +3328,6 @@
 </file>
 
 <file path=ppt/charts/style3.xml><?xml version="1.0" encoding="utf-8"?>
-<cs:chartStyle xmlns:cs="http://schemas.microsoft.com/office/drawing/2012/chartStyle" xmlns:a="http://schemas.openxmlformats.org/drawingml/2006/main" id="248">
-  <cs:axisTitle>
-    <cs:lnRef idx="0"/>
-    <cs:fillRef idx="0"/>
-    <cs:effectRef idx="0"/>
-    <cs:fontRef idx="minor">
-      <a:schemeClr val="lt1">
-        <a:lumMod val="75000"/>
-      </a:schemeClr>
-    </cs:fontRef>
-    <cs:defRPr sz="900" b="1" kern="1200" cap="all"/>
-  </cs:axisTitle>
-  <cs:categoryAxis>
-    <cs:lnRef idx="0"/>
-    <cs:fillRef idx="0"/>
-    <cs:effectRef idx="0"/>
-    <cs:fontRef idx="minor">
-      <a:schemeClr val="lt1">
-        <a:lumMod val="75000"/>
-      </a:schemeClr>
-    </cs:fontRef>
-    <cs:spPr>
-      <a:ln w="9525" cap="flat" cmpd="sng" algn="ctr">
-        <a:solidFill>
-          <a:schemeClr val="lt1">
-            <a:lumMod val="50000"/>
-          </a:schemeClr>
-        </a:solidFill>
-      </a:ln>
-    </cs:spPr>
-    <cs:defRPr sz="900" kern="1200"/>
-  </cs:categoryAxis>
-  <cs:chartArea>
-    <cs:lnRef idx="0"/>
-    <cs:fillRef idx="0"/>
-    <cs:effectRef idx="0"/>
-    <cs:fontRef idx="minor">
-      <a:schemeClr val="dk1"/>
-    </cs:fontRef>
-    <cs:spPr>
-      <a:gradFill flip="none" rotWithShape="1">
-        <a:gsLst>
-          <a:gs pos="0">
-            <a:schemeClr val="dk1">
-              <a:lumMod val="65000"/>
-              <a:lumOff val="35000"/>
-            </a:schemeClr>
-          </a:gs>
-          <a:gs pos="100000">
-            <a:schemeClr val="dk1">
-              <a:lumMod val="85000"/>
-              <a:lumOff val="15000"/>
-            </a:schemeClr>
-          </a:gs>
-        </a:gsLst>
-        <a:path path="circle">
-          <a:fillToRect l="50000" t="50000" r="50000" b="50000"/>
-        </a:path>
-        <a:tileRect/>
-      </a:gradFill>
-    </cs:spPr>
-    <cs:defRPr sz="1000" kern="1200"/>
-  </cs:chartArea>
-  <cs:dataLabel>
-    <cs:lnRef idx="0"/>
-    <cs:fillRef idx="0"/>
-    <cs:effectRef idx="0"/>
-    <cs:fontRef idx="minor">
-      <a:schemeClr val="lt1">
-        <a:lumMod val="75000"/>
-      </a:schemeClr>
-    </cs:fontRef>
-    <cs:defRPr sz="900" kern="1200"/>
-  </cs:dataLabel>
-  <cs:dataLabelCallout>
-    <cs:lnRef idx="0"/>
-    <cs:fillRef idx="0"/>
-    <cs:effectRef idx="0"/>
-    <cs:fontRef idx="minor">
-      <a:schemeClr val="dk1">
-        <a:lumMod val="65000"/>
-        <a:lumOff val="35000"/>
-      </a:schemeClr>
-    </cs:fontRef>
-    <cs:spPr>
-      <a:solidFill>
-        <a:schemeClr val="lt1"/>
-      </a:solidFill>
-    </cs:spPr>
-    <cs:defRPr sz="900" kern="1200"/>
-    <cs:bodyPr rot="0" spcFirstLastPara="1" vertOverflow="clip" horzOverflow="clip" vert="horz" wrap="square" lIns="36576" tIns="18288" rIns="36576" bIns="18288" anchor="ctr" anchorCtr="1">
-      <a:spAutoFit/>
-    </cs:bodyPr>
-  </cs:dataLabelCallout>
-  <cs:dataPoint>
-    <cs:lnRef idx="0"/>
-    <cs:fillRef idx="3">
-      <cs:styleClr val="auto"/>
-    </cs:fillRef>
-    <cs:effectRef idx="3"/>
-    <cs:fontRef idx="minor">
-      <a:schemeClr val="tx1"/>
-    </cs:fontRef>
-  </cs:dataPoint>
-  <cs:dataPoint3D>
-    <cs:lnRef idx="0"/>
-    <cs:fillRef idx="3">
-      <cs:styleClr val="auto"/>
-    </cs:fillRef>
-    <cs:effectRef idx="3"/>
-    <cs:fontRef idx="minor">
-      <a:schemeClr val="tx1"/>
-    </cs:fontRef>
-  </cs:dataPoint3D>
-  <cs:dataPointLine>
-    <cs:lnRef idx="0">
-      <cs:styleClr val="auto"/>
-    </cs:lnRef>
-    <cs:fillRef idx="3"/>
-    <cs:effectRef idx="3"/>
-    <cs:fontRef idx="minor">
-      <a:schemeClr val="tx1"/>
-    </cs:fontRef>
-    <cs:spPr>
-      <a:ln w="9525" cap="rnd">
-        <a:solidFill>
-          <a:schemeClr val="phClr"/>
-        </a:solidFill>
-        <a:round/>
-      </a:ln>
-    </cs:spPr>
-  </cs:dataPointLine>
-  <cs:dataPointMarker>
-    <cs:lnRef idx="0">
-      <cs:styleClr val="auto"/>
-    </cs:lnRef>
-    <cs:fillRef idx="3">
-      <cs:styleClr val="auto"/>
-    </cs:fillRef>
-    <cs:effectRef idx="3"/>
-    <cs:fontRef idx="minor">
-      <a:schemeClr val="tx1"/>
-    </cs:fontRef>
-    <cs:spPr>
-      <a:ln w="9525" cap="rnd">
-        <a:solidFill>
-          <a:schemeClr val="phClr"/>
-        </a:solidFill>
-        <a:round/>
-      </a:ln>
-    </cs:spPr>
-  </cs:dataPointMarker>
-  <cs:dataPointMarkerLayout symbol="circle" size="6"/>
-  <cs:dataPointWireframe>
-    <cs:lnRef idx="0">
-      <cs:styleClr val="auto"/>
-    </cs:lnRef>
-    <cs:fillRef idx="3"/>
-    <cs:effectRef idx="3"/>
-    <cs:fontRef idx="minor">
-      <a:schemeClr val="tx1"/>
-    </cs:fontRef>
-    <cs:spPr>
-      <a:ln w="9525" cap="rnd">
-        <a:solidFill>
-          <a:schemeClr val="phClr"/>
-        </a:solidFill>
-        <a:round/>
-      </a:ln>
-    </cs:spPr>
-  </cs:dataPointWireframe>
-  <cs:dataTable>
-    <cs:lnRef idx="0"/>
-    <cs:fillRef idx="0"/>
-    <cs:effectRef idx="0"/>
-    <cs:fontRef idx="minor">
-      <a:schemeClr val="lt1">
-        <a:lumMod val="75000"/>
-      </a:schemeClr>
-    </cs:fontRef>
-    <cs:spPr>
-      <a:ln w="9525">
-        <a:solidFill>
-          <a:schemeClr val="lt1">
-            <a:lumMod val="95000"/>
-            <a:alpha val="54000"/>
-          </a:schemeClr>
-        </a:solidFill>
-      </a:ln>
-    </cs:spPr>
-    <cs:defRPr sz="900" kern="1200"/>
-  </cs:dataTable>
-  <cs:downBar>
-    <cs:lnRef idx="0"/>
-    <cs:fillRef idx="0"/>
-    <cs:effectRef idx="0"/>
-    <cs:fontRef idx="minor">
-      <a:schemeClr val="tx1"/>
-    </cs:fontRef>
-    <cs:spPr>
-      <a:solidFill>
-        <a:schemeClr val="dk1">
-          <a:lumMod val="75000"/>
-          <a:lumOff val="25000"/>
-        </a:schemeClr>
-      </a:solidFill>
-      <a:ln w="9525">
-        <a:solidFill>
-          <a:schemeClr val="lt1">
-            <a:lumMod val="95000"/>
-            <a:alpha val="54000"/>
-          </a:schemeClr>
-        </a:solidFill>
-      </a:ln>
-    </cs:spPr>
-  </cs:downBar>
-  <cs:dropLine>
-    <cs:lnRef idx="0"/>
-    <cs:fillRef idx="0"/>
-    <cs:effectRef idx="0"/>
-    <cs:fontRef idx="minor">
-      <a:schemeClr val="tx1"/>
-    </cs:fontRef>
-    <cs:spPr>
-      <a:ln w="9525">
-        <a:solidFill>
-          <a:schemeClr val="lt1">
-            <a:lumMod val="95000"/>
-            <a:alpha val="54000"/>
-          </a:schemeClr>
-        </a:solidFill>
-        <a:prstDash val="dash"/>
-      </a:ln>
-    </cs:spPr>
-  </cs:dropLine>
-  <cs:errorBar>
-    <cs:lnRef idx="0"/>
-    <cs:fillRef idx="0"/>
-    <cs:effectRef idx="0"/>
-    <cs:fontRef idx="minor">
-      <a:schemeClr val="tx1"/>
-    </cs:fontRef>
-    <cs:spPr>
-      <a:ln w="9525" cap="flat" cmpd="sng" algn="ctr">
-        <a:solidFill>
-          <a:schemeClr val="lt1">
-            <a:lumMod val="95000"/>
-          </a:schemeClr>
-        </a:solidFill>
-        <a:round/>
-      </a:ln>
-    </cs:spPr>
-  </cs:errorBar>
-  <cs:floor>
-    <cs:lnRef idx="0"/>
-    <cs:fillRef idx="0"/>
-    <cs:effectRef idx="0"/>
-    <cs:fontRef idx="minor">
-      <a:schemeClr val="tx1"/>
-    </cs:fontRef>
-  </cs:floor>
-  <cs:gridlineMajor>
-    <cs:lnRef idx="0"/>
-    <cs:fillRef idx="0"/>
-    <cs:effectRef idx="0"/>
-    <cs:fontRef idx="minor">
-      <a:schemeClr val="tx1"/>
-    </cs:fontRef>
-    <cs:spPr>
-      <a:ln w="9525" cap="flat" cmpd="sng" algn="ctr">
-        <a:solidFill>
-          <a:schemeClr val="lt1">
-            <a:lumMod val="95000"/>
-            <a:alpha val="10000"/>
-          </a:schemeClr>
-        </a:solidFill>
-        <a:round/>
-      </a:ln>
-    </cs:spPr>
-  </cs:gridlineMajor>
-  <cs:gridlineMinor>
-    <cs:lnRef idx="0"/>
-    <cs:fillRef idx="0"/>
-    <cs:effectRef idx="0"/>
-    <cs:fontRef idx="minor">
-      <a:schemeClr val="tx1"/>
-    </cs:fontRef>
-    <cs:spPr>
-      <a:ln>
-        <a:solidFill>
-          <a:schemeClr val="lt1">
-            <a:lumMod val="95000"/>
-            <a:alpha val="5000"/>
-          </a:schemeClr>
-        </a:solidFill>
-      </a:ln>
-    </cs:spPr>
-  </cs:gridlineMinor>
-  <cs:hiLoLine>
-    <cs:lnRef idx="0"/>
-    <cs:fillRef idx="0"/>
-    <cs:effectRef idx="0"/>
-    <cs:fontRef idx="minor">
-      <a:schemeClr val="tx1"/>
-    </cs:fontRef>
-    <cs:spPr>
-      <a:ln w="9525">
-        <a:solidFill>
-          <a:schemeClr val="lt1">
-            <a:lumMod val="95000"/>
-            <a:alpha val="54000"/>
-          </a:schemeClr>
-        </a:solidFill>
-        <a:prstDash val="dash"/>
-      </a:ln>
-    </cs:spPr>
-  </cs:hiLoLine>
-  <cs:leaderLine>
-    <cs:lnRef idx="0"/>
-    <cs:fillRef idx="0"/>
-    <cs:effectRef idx="0"/>
-    <cs:fontRef idx="minor">
-      <a:schemeClr val="tx1"/>
-    </cs:fontRef>
-    <cs:spPr>
-      <a:ln w="9525">
-        <a:solidFill>
-          <a:schemeClr val="lt1">
-            <a:lumMod val="95000"/>
-            <a:alpha val="54000"/>
-          </a:schemeClr>
-        </a:solidFill>
-      </a:ln>
-    </cs:spPr>
-  </cs:leaderLine>
-  <cs:legend>
-    <cs:lnRef idx="0"/>
-    <cs:fillRef idx="0"/>
-    <cs:effectRef idx="0"/>
-    <cs:fontRef idx="minor">
-      <a:schemeClr val="lt1">
-        <a:lumMod val="75000"/>
-      </a:schemeClr>
-    </cs:fontRef>
-    <cs:defRPr sz="900" kern="1200"/>
-  </cs:legend>
-  <cs:plotArea>
-    <cs:lnRef idx="0"/>
-    <cs:fillRef idx="0"/>
-    <cs:effectRef idx="0"/>
-    <cs:fontRef idx="minor">
-      <a:schemeClr val="tx1"/>
-    </cs:fontRef>
-  </cs:plotArea>
-  <cs:plotArea3D>
-    <cs:lnRef idx="0"/>
-    <cs:fillRef idx="0"/>
-    <cs:effectRef idx="0"/>
-    <cs:fontRef idx="minor">
-      <a:schemeClr val="tx1"/>
-    </cs:fontRef>
-  </cs:plotArea3D>
-  <cs:seriesAxis>
-    <cs:lnRef idx="0"/>
-    <cs:fillRef idx="0"/>
-    <cs:effectRef idx="0"/>
-    <cs:fontRef idx="minor">
-      <a:schemeClr val="lt1">
-        <a:lumMod val="75000"/>
-      </a:schemeClr>
-    </cs:fontRef>
-    <cs:spPr>
-      <a:ln w="9525" cap="flat" cmpd="sng" algn="ctr">
-        <a:solidFill>
-          <a:schemeClr val="lt1">
-            <a:lumMod val="50000"/>
-          </a:schemeClr>
-        </a:solidFill>
-      </a:ln>
-    </cs:spPr>
-    <cs:defRPr sz="900" kern="1200"/>
-  </cs:seriesAxis>
-  <cs:seriesLine>
-    <cs:lnRef idx="0"/>
-    <cs:fillRef idx="0"/>
-    <cs:effectRef idx="0"/>
-    <cs:fontRef idx="minor">
-      <a:schemeClr val="lt1"/>
-    </cs:fontRef>
-    <cs:spPr>
-      <a:ln w="9525" cap="flat" cmpd="sng" algn="ctr">
-        <a:solidFill>
-          <a:schemeClr val="lt1">
-            <a:lumMod val="95000"/>
-            <a:alpha val="54000"/>
-          </a:schemeClr>
-        </a:solidFill>
-        <a:round/>
-      </a:ln>
-    </cs:spPr>
-  </cs:seriesLine>
-  <cs:title>
-    <cs:lnRef idx="0"/>
-    <cs:fillRef idx="0"/>
-    <cs:effectRef idx="0"/>
-    <cs:fontRef idx="minor">
-      <a:schemeClr val="lt1">
-        <a:lumMod val="95000"/>
-      </a:schemeClr>
-    </cs:fontRef>
-    <cs:defRPr sz="1600" b="1" kern="1200" spc="100" baseline="0">
-      <a:effectLst>
-        <a:outerShdw blurRad="50800" dist="38100" dir="5400000" algn="t" rotWithShape="0">
-          <a:prstClr val="black">
-            <a:alpha val="40000"/>
-          </a:prstClr>
-        </a:outerShdw>
-      </a:effectLst>
-    </cs:defRPr>
-  </cs:title>
-  <cs:trendline>
-    <cs:lnRef idx="0">
-      <cs:styleClr val="auto"/>
-    </cs:lnRef>
-    <cs:fillRef idx="0"/>
-    <cs:effectRef idx="0"/>
-    <cs:fontRef idx="minor">
-      <a:schemeClr val="tx1"/>
-    </cs:fontRef>
-    <cs:spPr>
-      <a:ln w="19050" cap="rnd">
-        <a:solidFill>
-          <a:schemeClr val="phClr"/>
-        </a:solidFill>
-        <a:prstDash val="sysDash"/>
-      </a:ln>
-    </cs:spPr>
-  </cs:trendline>
-  <cs:trendlineLabel>
-    <cs:lnRef idx="0"/>
-    <cs:fillRef idx="0"/>
-    <cs:effectRef idx="0"/>
-    <cs:fontRef idx="minor">
-      <a:schemeClr val="lt1">
-        <a:lumMod val="75000"/>
-      </a:schemeClr>
-    </cs:fontRef>
-    <cs:defRPr sz="900" kern="1200"/>
-  </cs:trendlineLabel>
-  <cs:upBar>
-    <cs:lnRef idx="0"/>
-    <cs:fillRef idx="0"/>
-    <cs:effectRef idx="0"/>
-    <cs:fontRef idx="minor">
-      <a:schemeClr val="tx1"/>
-    </cs:fontRef>
-    <cs:spPr>
-      <a:solidFill>
-        <a:schemeClr val="lt1"/>
-      </a:solidFill>
-      <a:ln w="9525">
-        <a:solidFill>
-          <a:schemeClr val="lt1">
-            <a:lumMod val="95000"/>
-            <a:alpha val="54000"/>
-          </a:schemeClr>
-        </a:solidFill>
-      </a:ln>
-    </cs:spPr>
-  </cs:upBar>
-  <cs:valueAxis>
-    <cs:lnRef idx="0"/>
-    <cs:fillRef idx="0"/>
-    <cs:effectRef idx="0"/>
-    <cs:fontRef idx="minor">
-      <a:schemeClr val="lt1">
-        <a:lumMod val="75000"/>
-      </a:schemeClr>
-    </cs:fontRef>
-    <cs:spPr>
-      <a:ln w="9525" cap="flat" cmpd="sng" algn="ctr">
-        <a:solidFill>
-          <a:schemeClr val="lt1">
-            <a:lumMod val="50000"/>
-          </a:schemeClr>
-        </a:solidFill>
-      </a:ln>
-    </cs:spPr>
-    <cs:defRPr sz="900" kern="1200"/>
-  </cs:valueAxis>
-  <cs:wall>
-    <cs:lnRef idx="0"/>
-    <cs:fillRef idx="0"/>
-    <cs:effectRef idx="0"/>
-    <cs:fontRef idx="minor">
-      <a:schemeClr val="tx1"/>
-    </cs:fontRef>
-  </cs:wall>
-</cs:chartStyle>
-</file>
-
-<file path=ppt/charts/style4.xml><?xml version="1.0" encoding="utf-8"?>
-<cs:chartStyle xmlns:cs="http://schemas.microsoft.com/office/drawing/2012/chartStyle" xmlns:a="http://schemas.openxmlformats.org/drawingml/2006/main" id="248">
-  <cs:axisTitle>
-    <cs:lnRef idx="0"/>
-    <cs:fillRef idx="0"/>
-    <cs:effectRef idx="0"/>
-    <cs:fontRef idx="minor">
-      <a:schemeClr val="lt1">
-        <a:lumMod val="75000"/>
-      </a:schemeClr>
-    </cs:fontRef>
-    <cs:defRPr sz="900" b="1" kern="1200" cap="all"/>
-  </cs:axisTitle>
-  <cs:categoryAxis>
-    <cs:lnRef idx="0"/>
-    <cs:fillRef idx="0"/>
-    <cs:effectRef idx="0"/>
-    <cs:fontRef idx="minor">
-      <a:schemeClr val="lt1">
-        <a:lumMod val="75000"/>
-      </a:schemeClr>
-    </cs:fontRef>
-    <cs:spPr>
-      <a:ln w="9525" cap="flat" cmpd="sng" algn="ctr">
-        <a:solidFill>
-          <a:schemeClr val="lt1">
-            <a:lumMod val="50000"/>
-          </a:schemeClr>
-        </a:solidFill>
-      </a:ln>
-    </cs:spPr>
-    <cs:defRPr sz="900" kern="1200"/>
-  </cs:categoryAxis>
-  <cs:chartArea>
-    <cs:lnRef idx="0"/>
-    <cs:fillRef idx="0"/>
-    <cs:effectRef idx="0"/>
-    <cs:fontRef idx="minor">
-      <a:schemeClr val="dk1"/>
-    </cs:fontRef>
-    <cs:spPr>
-      <a:gradFill flip="none" rotWithShape="1">
-        <a:gsLst>
-          <a:gs pos="0">
-            <a:schemeClr val="dk1">
-              <a:lumMod val="65000"/>
-              <a:lumOff val="35000"/>
-            </a:schemeClr>
-          </a:gs>
-          <a:gs pos="100000">
-            <a:schemeClr val="dk1">
-              <a:lumMod val="85000"/>
-              <a:lumOff val="15000"/>
-            </a:schemeClr>
-          </a:gs>
-        </a:gsLst>
-        <a:path path="circle">
-          <a:fillToRect l="50000" t="50000" r="50000" b="50000"/>
-        </a:path>
-        <a:tileRect/>
-      </a:gradFill>
-    </cs:spPr>
-    <cs:defRPr sz="1000" kern="1200"/>
-  </cs:chartArea>
-  <cs:dataLabel>
-    <cs:lnRef idx="0"/>
-    <cs:fillRef idx="0"/>
-    <cs:effectRef idx="0"/>
-    <cs:fontRef idx="minor">
-      <a:schemeClr val="lt1">
-        <a:lumMod val="75000"/>
-      </a:schemeClr>
-    </cs:fontRef>
-    <cs:defRPr sz="900" kern="1200"/>
-  </cs:dataLabel>
-  <cs:dataLabelCallout>
-    <cs:lnRef idx="0"/>
-    <cs:fillRef idx="0"/>
-    <cs:effectRef idx="0"/>
-    <cs:fontRef idx="minor">
-      <a:schemeClr val="dk1">
-        <a:lumMod val="65000"/>
-        <a:lumOff val="35000"/>
-      </a:schemeClr>
-    </cs:fontRef>
-    <cs:spPr>
-      <a:solidFill>
-        <a:schemeClr val="lt1"/>
-      </a:solidFill>
-    </cs:spPr>
-    <cs:defRPr sz="900" kern="1200"/>
-    <cs:bodyPr rot="0" spcFirstLastPara="1" vertOverflow="clip" horzOverflow="clip" vert="horz" wrap="square" lIns="36576" tIns="18288" rIns="36576" bIns="18288" anchor="ctr" anchorCtr="1">
-      <a:spAutoFit/>
-    </cs:bodyPr>
-  </cs:dataLabelCallout>
-  <cs:dataPoint>
-    <cs:lnRef idx="0"/>
-    <cs:fillRef idx="3">
-      <cs:styleClr val="auto"/>
-    </cs:fillRef>
-    <cs:effectRef idx="3"/>
-    <cs:fontRef idx="minor">
-      <a:schemeClr val="tx1"/>
-    </cs:fontRef>
-  </cs:dataPoint>
-  <cs:dataPoint3D>
-    <cs:lnRef idx="0"/>
-    <cs:fillRef idx="3">
-      <cs:styleClr val="auto"/>
-    </cs:fillRef>
-    <cs:effectRef idx="3"/>
-    <cs:fontRef idx="minor">
-      <a:schemeClr val="tx1"/>
-    </cs:fontRef>
-  </cs:dataPoint3D>
-  <cs:dataPointLine>
-    <cs:lnRef idx="0">
-      <cs:styleClr val="auto"/>
-    </cs:lnRef>
-    <cs:fillRef idx="3"/>
-    <cs:effectRef idx="3"/>
-    <cs:fontRef idx="minor">
-      <a:schemeClr val="tx1"/>
-    </cs:fontRef>
-    <cs:spPr>
-      <a:ln w="9525" cap="rnd">
-        <a:solidFill>
-          <a:schemeClr val="phClr"/>
-        </a:solidFill>
-        <a:round/>
-      </a:ln>
-    </cs:spPr>
-  </cs:dataPointLine>
-  <cs:dataPointMarker>
-    <cs:lnRef idx="0">
-      <cs:styleClr val="auto"/>
-    </cs:lnRef>
-    <cs:fillRef idx="3">
-      <cs:styleClr val="auto"/>
-    </cs:fillRef>
-    <cs:effectRef idx="3"/>
-    <cs:fontRef idx="minor">
-      <a:schemeClr val="tx1"/>
-    </cs:fontRef>
-    <cs:spPr>
-      <a:ln w="9525" cap="rnd">
-        <a:solidFill>
-          <a:schemeClr val="phClr"/>
-        </a:solidFill>
-        <a:round/>
-      </a:ln>
-    </cs:spPr>
-  </cs:dataPointMarker>
-  <cs:dataPointMarkerLayout symbol="circle" size="6"/>
-  <cs:dataPointWireframe>
-    <cs:lnRef idx="0">
-      <cs:styleClr val="auto"/>
-    </cs:lnRef>
-    <cs:fillRef idx="3"/>
-    <cs:effectRef idx="3"/>
-    <cs:fontRef idx="minor">
-      <a:schemeClr val="tx1"/>
-    </cs:fontRef>
-    <cs:spPr>
-      <a:ln w="9525" cap="rnd">
-        <a:solidFill>
-          <a:schemeClr val="phClr"/>
-        </a:solidFill>
-        <a:round/>
-      </a:ln>
-    </cs:spPr>
-  </cs:dataPointWireframe>
-  <cs:dataTable>
-    <cs:lnRef idx="0"/>
-    <cs:fillRef idx="0"/>
-    <cs:effectRef idx="0"/>
-    <cs:fontRef idx="minor">
-      <a:schemeClr val="lt1">
-        <a:lumMod val="75000"/>
-      </a:schemeClr>
-    </cs:fontRef>
-    <cs:spPr>
-      <a:ln w="9525">
-        <a:solidFill>
-          <a:schemeClr val="lt1">
-            <a:lumMod val="95000"/>
-            <a:alpha val="54000"/>
-          </a:schemeClr>
-        </a:solidFill>
-      </a:ln>
-    </cs:spPr>
-    <cs:defRPr sz="900" kern="1200"/>
-  </cs:dataTable>
-  <cs:downBar>
-    <cs:lnRef idx="0"/>
-    <cs:fillRef idx="0"/>
-    <cs:effectRef idx="0"/>
-    <cs:fontRef idx="minor">
-      <a:schemeClr val="tx1"/>
-    </cs:fontRef>
-    <cs:spPr>
-      <a:solidFill>
-        <a:schemeClr val="dk1">
-          <a:lumMod val="75000"/>
-          <a:lumOff val="25000"/>
-        </a:schemeClr>
-      </a:solidFill>
-      <a:ln w="9525">
-        <a:solidFill>
-          <a:schemeClr val="lt1">
-            <a:lumMod val="95000"/>
-            <a:alpha val="54000"/>
-          </a:schemeClr>
-        </a:solidFill>
-      </a:ln>
-    </cs:spPr>
-  </cs:downBar>
-  <cs:dropLine>
-    <cs:lnRef idx="0"/>
-    <cs:fillRef idx="0"/>
-    <cs:effectRef idx="0"/>
-    <cs:fontRef idx="minor">
-      <a:schemeClr val="tx1"/>
-    </cs:fontRef>
-    <cs:spPr>
-      <a:ln w="9525">
-        <a:solidFill>
-          <a:schemeClr val="lt1">
-            <a:lumMod val="95000"/>
-            <a:alpha val="54000"/>
-          </a:schemeClr>
-        </a:solidFill>
-        <a:prstDash val="dash"/>
-      </a:ln>
-    </cs:spPr>
-  </cs:dropLine>
-  <cs:errorBar>
-    <cs:lnRef idx="0"/>
-    <cs:fillRef idx="0"/>
-    <cs:effectRef idx="0"/>
-    <cs:fontRef idx="minor">
-      <a:schemeClr val="tx1"/>
-    </cs:fontRef>
-    <cs:spPr>
-      <a:ln w="9525" cap="flat" cmpd="sng" algn="ctr">
-        <a:solidFill>
-          <a:schemeClr val="lt1">
-            <a:lumMod val="95000"/>
-          </a:schemeClr>
-        </a:solidFill>
-        <a:round/>
-      </a:ln>
-    </cs:spPr>
-  </cs:errorBar>
-  <cs:floor>
-    <cs:lnRef idx="0"/>
-    <cs:fillRef idx="0"/>
-    <cs:effectRef idx="0"/>
-    <cs:fontRef idx="minor">
-      <a:schemeClr val="tx1"/>
-    </cs:fontRef>
-  </cs:floor>
-  <cs:gridlineMajor>
-    <cs:lnRef idx="0"/>
-    <cs:fillRef idx="0"/>
-    <cs:effectRef idx="0"/>
-    <cs:fontRef idx="minor">
-      <a:schemeClr val="tx1"/>
-    </cs:fontRef>
-    <cs:spPr>
-      <a:ln w="9525" cap="flat" cmpd="sng" algn="ctr">
-        <a:solidFill>
-          <a:schemeClr val="lt1">
-            <a:lumMod val="95000"/>
-            <a:alpha val="10000"/>
-          </a:schemeClr>
-        </a:solidFill>
-        <a:round/>
-      </a:ln>
-    </cs:spPr>
-  </cs:gridlineMajor>
-  <cs:gridlineMinor>
-    <cs:lnRef idx="0"/>
-    <cs:fillRef idx="0"/>
-    <cs:effectRef idx="0"/>
-    <cs:fontRef idx="minor">
-      <a:schemeClr val="tx1"/>
-    </cs:fontRef>
-    <cs:spPr>
-      <a:ln>
-        <a:solidFill>
-          <a:schemeClr val="lt1">
-            <a:lumMod val="95000"/>
-            <a:alpha val="5000"/>
-          </a:schemeClr>
-        </a:solidFill>
-      </a:ln>
-    </cs:spPr>
-  </cs:gridlineMinor>
-  <cs:hiLoLine>
-    <cs:lnRef idx="0"/>
-    <cs:fillRef idx="0"/>
-    <cs:effectRef idx="0"/>
-    <cs:fontRef idx="minor">
-      <a:schemeClr val="tx1"/>
-    </cs:fontRef>
-    <cs:spPr>
-      <a:ln w="9525">
-        <a:solidFill>
-          <a:schemeClr val="lt1">
-            <a:lumMod val="95000"/>
-            <a:alpha val="54000"/>
-          </a:schemeClr>
-        </a:solidFill>
-        <a:prstDash val="dash"/>
-      </a:ln>
-    </cs:spPr>
-  </cs:hiLoLine>
-  <cs:leaderLine>
-    <cs:lnRef idx="0"/>
-    <cs:fillRef idx="0"/>
-    <cs:effectRef idx="0"/>
-    <cs:fontRef idx="minor">
-      <a:schemeClr val="tx1"/>
-    </cs:fontRef>
-    <cs:spPr>
-      <a:ln w="9525">
-        <a:solidFill>
-          <a:schemeClr val="lt1">
-            <a:lumMod val="95000"/>
-            <a:alpha val="54000"/>
-          </a:schemeClr>
-        </a:solidFill>
-      </a:ln>
-    </cs:spPr>
-  </cs:leaderLine>
-  <cs:legend>
-    <cs:lnRef idx="0"/>
-    <cs:fillRef idx="0"/>
-    <cs:effectRef idx="0"/>
-    <cs:fontRef idx="minor">
-      <a:schemeClr val="lt1">
-        <a:lumMod val="75000"/>
-      </a:schemeClr>
-    </cs:fontRef>
-    <cs:defRPr sz="900" kern="1200"/>
-  </cs:legend>
-  <cs:plotArea>
-    <cs:lnRef idx="0"/>
-    <cs:fillRef idx="0"/>
-    <cs:effectRef idx="0"/>
-    <cs:fontRef idx="minor">
-      <a:schemeClr val="tx1"/>
-    </cs:fontRef>
-  </cs:plotArea>
-  <cs:plotArea3D>
-    <cs:lnRef idx="0"/>
-    <cs:fillRef idx="0"/>
-    <cs:effectRef idx="0"/>
-    <cs:fontRef idx="minor">
-      <a:schemeClr val="tx1"/>
-    </cs:fontRef>
-  </cs:plotArea3D>
-  <cs:seriesAxis>
-    <cs:lnRef idx="0"/>
-    <cs:fillRef idx="0"/>
-    <cs:effectRef idx="0"/>
-    <cs:fontRef idx="minor">
-      <a:schemeClr val="lt1">
-        <a:lumMod val="75000"/>
-      </a:schemeClr>
-    </cs:fontRef>
-    <cs:spPr>
-      <a:ln w="9525" cap="flat" cmpd="sng" algn="ctr">
-        <a:solidFill>
-          <a:schemeClr val="lt1">
-            <a:lumMod val="50000"/>
-          </a:schemeClr>
-        </a:solidFill>
-      </a:ln>
-    </cs:spPr>
-    <cs:defRPr sz="900" kern="1200"/>
-  </cs:seriesAxis>
-  <cs:seriesLine>
-    <cs:lnRef idx="0"/>
-    <cs:fillRef idx="0"/>
-    <cs:effectRef idx="0"/>
-    <cs:fontRef idx="minor">
-      <a:schemeClr val="lt1"/>
-    </cs:fontRef>
-    <cs:spPr>
-      <a:ln w="9525" cap="flat" cmpd="sng" algn="ctr">
-        <a:solidFill>
-          <a:schemeClr val="lt1">
-            <a:lumMod val="95000"/>
-            <a:alpha val="54000"/>
-          </a:schemeClr>
-        </a:solidFill>
-        <a:round/>
-      </a:ln>
-    </cs:spPr>
-  </cs:seriesLine>
-  <cs:title>
-    <cs:lnRef idx="0"/>
-    <cs:fillRef idx="0"/>
-    <cs:effectRef idx="0"/>
-    <cs:fontRef idx="minor">
-      <a:schemeClr val="lt1">
-        <a:lumMod val="95000"/>
-      </a:schemeClr>
-    </cs:fontRef>
-    <cs:defRPr sz="1600" b="1" kern="1200" spc="100" baseline="0">
-      <a:effectLst>
-        <a:outerShdw blurRad="50800" dist="38100" dir="5400000" algn="t" rotWithShape="0">
-          <a:prstClr val="black">
-            <a:alpha val="40000"/>
-          </a:prstClr>
-        </a:outerShdw>
-      </a:effectLst>
-    </cs:defRPr>
-  </cs:title>
-  <cs:trendline>
-    <cs:lnRef idx="0">
-      <cs:styleClr val="auto"/>
-    </cs:lnRef>
-    <cs:fillRef idx="0"/>
-    <cs:effectRef idx="0"/>
-    <cs:fontRef idx="minor">
-      <a:schemeClr val="tx1"/>
-    </cs:fontRef>
-    <cs:spPr>
-      <a:ln w="19050" cap="rnd">
-        <a:solidFill>
-          <a:schemeClr val="phClr"/>
-        </a:solidFill>
-        <a:prstDash val="sysDash"/>
-      </a:ln>
-    </cs:spPr>
-  </cs:trendline>
-  <cs:trendlineLabel>
-    <cs:lnRef idx="0"/>
-    <cs:fillRef idx="0"/>
-    <cs:effectRef idx="0"/>
-    <cs:fontRef idx="minor">
-      <a:schemeClr val="lt1">
-        <a:lumMod val="75000"/>
-      </a:schemeClr>
-    </cs:fontRef>
-    <cs:defRPr sz="900" kern="1200"/>
-  </cs:trendlineLabel>
-  <cs:upBar>
-    <cs:lnRef idx="0"/>
-    <cs:fillRef idx="0"/>
-    <cs:effectRef idx="0"/>
-    <cs:fontRef idx="minor">
-      <a:schemeClr val="tx1"/>
-    </cs:fontRef>
-    <cs:spPr>
-      <a:solidFill>
-        <a:schemeClr val="lt1"/>
-      </a:solidFill>
-      <a:ln w="9525">
-        <a:solidFill>
-          <a:schemeClr val="lt1">
-            <a:lumMod val="95000"/>
-            <a:alpha val="54000"/>
-          </a:schemeClr>
-        </a:solidFill>
-      </a:ln>
-    </cs:spPr>
-  </cs:upBar>
-  <cs:valueAxis>
-    <cs:lnRef idx="0"/>
-    <cs:fillRef idx="0"/>
-    <cs:effectRef idx="0"/>
-    <cs:fontRef idx="minor">
-      <a:schemeClr val="lt1">
-        <a:lumMod val="75000"/>
-      </a:schemeClr>
-    </cs:fontRef>
-    <cs:spPr>
-      <a:ln w="9525" cap="flat" cmpd="sng" algn="ctr">
-        <a:solidFill>
-          <a:schemeClr val="lt1">
-            <a:lumMod val="50000"/>
-          </a:schemeClr>
-        </a:solidFill>
-      </a:ln>
-    </cs:spPr>
-    <cs:defRPr sz="900" kern="1200"/>
-  </cs:valueAxis>
-  <cs:wall>
-    <cs:lnRef idx="0"/>
-    <cs:fillRef idx="0"/>
-    <cs:effectRef idx="0"/>
-    <cs:fontRef idx="minor">
-      <a:schemeClr val="tx1"/>
-    </cs:fontRef>
-  </cs:wall>
-</cs:chartStyle>
-</file>
-
-<file path=ppt/charts/style5.xml><?xml version="1.0" encoding="utf-8"?>
-<cs:chartStyle xmlns:cs="http://schemas.microsoft.com/office/drawing/2012/chartStyle" xmlns:a="http://schemas.openxmlformats.org/drawingml/2006/main" id="304">
-  <cs:axisTitle>
-    <cs:lnRef idx="0"/>
-    <cs:fillRef idx="0"/>
-    <cs:effectRef idx="0"/>
-    <cs:fontRef idx="minor">
-      <a:schemeClr val="lt1">
-        <a:lumMod val="85000"/>
-      </a:schemeClr>
-    </cs:fontRef>
-    <cs:defRPr sz="900" b="1" kern="1200" cap="all"/>
-  </cs:axisTitle>
-  <cs:categoryAxis>
-    <cs:lnRef idx="0"/>
-    <cs:fillRef idx="0"/>
-    <cs:effectRef idx="0"/>
-    <cs:fontRef idx="minor">
-      <a:schemeClr val="lt1">
-        <a:lumMod val="85000"/>
-      </a:schemeClr>
-    </cs:fontRef>
-    <cs:spPr>
-      <a:ln w="12700" cap="flat" cmpd="sng" algn="ctr">
-        <a:solidFill>
-          <a:schemeClr val="lt1">
-            <a:lumMod val="95000"/>
-            <a:alpha val="54000"/>
-          </a:schemeClr>
-        </a:solidFill>
-        <a:round/>
-      </a:ln>
-    </cs:spPr>
-    <cs:defRPr sz="900" kern="1200"/>
-  </cs:categoryAxis>
-  <cs:chartArea>
-    <cs:lnRef idx="0"/>
-    <cs:fillRef idx="0"/>
-    <cs:effectRef idx="0"/>
-    <cs:fontRef idx="minor">
-      <a:schemeClr val="dk1"/>
-    </cs:fontRef>
-    <cs:spPr>
-      <a:gradFill flip="none" rotWithShape="1">
-        <a:gsLst>
-          <a:gs pos="0">
-            <a:schemeClr val="dk1">
-              <a:lumMod val="65000"/>
-              <a:lumOff val="35000"/>
-            </a:schemeClr>
-          </a:gs>
-          <a:gs pos="100000">
-            <a:schemeClr val="dk1">
-              <a:lumMod val="85000"/>
-              <a:lumOff val="15000"/>
-            </a:schemeClr>
-          </a:gs>
-        </a:gsLst>
-        <a:path path="circle">
-          <a:fillToRect l="50000" t="50000" r="50000" b="50000"/>
-        </a:path>
-        <a:tileRect/>
-      </a:gradFill>
-    </cs:spPr>
-    <cs:defRPr sz="1000" kern="1200"/>
-  </cs:chartArea>
-  <cs:dataLabel>
-    <cs:lnRef idx="0"/>
-    <cs:fillRef idx="0"/>
-    <cs:effectRef idx="0"/>
-    <cs:fontRef idx="minor">
-      <a:schemeClr val="lt1">
-        <a:lumMod val="85000"/>
-      </a:schemeClr>
-    </cs:fontRef>
-    <cs:defRPr sz="900" kern="1200"/>
-  </cs:dataLabel>
-  <cs:dataLabelCallout>
-    <cs:lnRef idx="0"/>
-    <cs:fillRef idx="0"/>
-    <cs:effectRef idx="0"/>
-    <cs:fontRef idx="minor">
-      <a:schemeClr val="dk1">
-        <a:lumMod val="65000"/>
-        <a:lumOff val="35000"/>
-      </a:schemeClr>
-    </cs:fontRef>
-    <cs:spPr>
-      <a:solidFill>
-        <a:schemeClr val="lt1"/>
-      </a:solidFill>
-    </cs:spPr>
-    <cs:defRPr sz="900" kern="1200"/>
-    <cs:bodyPr rot="0" spcFirstLastPara="1" vertOverflow="clip" horzOverflow="clip" vert="horz" wrap="square" lIns="36576" tIns="18288" rIns="36576" bIns="18288" anchor="ctr" anchorCtr="1">
-      <a:spAutoFit/>
-    </cs:bodyPr>
-  </cs:dataLabelCallout>
-  <cs:dataPoint>
-    <cs:lnRef idx="0"/>
-    <cs:fillRef idx="3">
-      <cs:styleClr val="auto"/>
-    </cs:fillRef>
-    <cs:effectRef idx="3"/>
-    <cs:fontRef idx="minor">
-      <a:schemeClr val="tx1"/>
-    </cs:fontRef>
-  </cs:dataPoint>
-  <cs:dataPoint3D>
-    <cs:lnRef idx="0"/>
-    <cs:fillRef idx="3">
-      <cs:styleClr val="auto"/>
-    </cs:fillRef>
-    <cs:effectRef idx="3"/>
-    <cs:fontRef idx="minor">
-      <a:schemeClr val="tx1"/>
-    </cs:fontRef>
-  </cs:dataPoint3D>
-  <cs:dataPointLine>
-    <cs:lnRef idx="0">
-      <cs:styleClr val="auto"/>
-    </cs:lnRef>
-    <cs:fillRef idx="3"/>
-    <cs:effectRef idx="3"/>
-    <cs:fontRef idx="minor">
-      <a:schemeClr val="tx1"/>
-    </cs:fontRef>
-    <cs:spPr>
-      <a:ln w="34925" cap="rnd">
-        <a:solidFill>
-          <a:schemeClr val="phClr"/>
-        </a:solidFill>
-        <a:round/>
-      </a:ln>
-    </cs:spPr>
-  </cs:dataPointLine>
-  <cs:dataPointMarker>
-    <cs:lnRef idx="0">
-      <cs:styleClr val="auto"/>
-    </cs:lnRef>
-    <cs:fillRef idx="3">
-      <cs:styleClr val="auto"/>
-    </cs:fillRef>
-    <cs:effectRef idx="3"/>
-    <cs:fontRef idx="minor">
-      <a:schemeClr val="tx1"/>
-    </cs:fontRef>
-    <cs:spPr>
-      <a:ln w="9525">
-        <a:solidFill>
-          <a:schemeClr val="phClr"/>
-        </a:solidFill>
-        <a:round/>
-      </a:ln>
-    </cs:spPr>
-  </cs:dataPointMarker>
-  <cs:dataPointMarkerLayout symbol="circle" size="6"/>
-  <cs:dataPointWireframe>
-    <cs:lnRef idx="0">
-      <cs:styleClr val="auto"/>
-    </cs:lnRef>
-    <cs:fillRef idx="3"/>
-    <cs:effectRef idx="3"/>
-    <cs:fontRef idx="minor">
-      <a:schemeClr val="tx1"/>
-    </cs:fontRef>
-    <cs:spPr>
-      <a:ln w="9525" cap="rnd">
-        <a:solidFill>
-          <a:schemeClr val="phClr"/>
-        </a:solidFill>
-        <a:round/>
-      </a:ln>
-    </cs:spPr>
-  </cs:dataPointWireframe>
-  <cs:dataTable>
-    <cs:lnRef idx="0"/>
-    <cs:fillRef idx="0"/>
-    <cs:effectRef idx="0"/>
-    <cs:fontRef idx="minor">
-      <a:schemeClr val="lt1">
-        <a:lumMod val="85000"/>
-      </a:schemeClr>
-    </cs:fontRef>
-    <cs:spPr>
-      <a:ln w="9525">
-        <a:solidFill>
-          <a:schemeClr val="lt1">
-            <a:lumMod val="95000"/>
-            <a:alpha val="54000"/>
-          </a:schemeClr>
-        </a:solidFill>
-      </a:ln>
-    </cs:spPr>
-    <cs:defRPr sz="900" kern="1200"/>
-  </cs:dataTable>
-  <cs:downBar>
-    <cs:lnRef idx="0"/>
-    <cs:fillRef idx="0"/>
-    <cs:effectRef idx="0"/>
-    <cs:fontRef idx="minor">
-      <a:schemeClr val="tx1"/>
-    </cs:fontRef>
-    <cs:spPr>
-      <a:solidFill>
-        <a:schemeClr val="dk1">
-          <a:lumMod val="75000"/>
-          <a:lumOff val="25000"/>
-        </a:schemeClr>
-      </a:solidFill>
-      <a:ln w="9525">
-        <a:solidFill>
-          <a:schemeClr val="lt1">
-            <a:lumMod val="95000"/>
-            <a:alpha val="54000"/>
-          </a:schemeClr>
-        </a:solidFill>
-      </a:ln>
-    </cs:spPr>
-  </cs:downBar>
-  <cs:dropLine>
-    <cs:lnRef idx="0"/>
-    <cs:fillRef idx="0"/>
-    <cs:effectRef idx="0"/>
-    <cs:fontRef idx="minor">
-      <a:schemeClr val="tx1"/>
-    </cs:fontRef>
-    <cs:spPr>
-      <a:ln w="9525">
-        <a:solidFill>
-          <a:schemeClr val="lt1">
-            <a:lumMod val="95000"/>
-            <a:alpha val="54000"/>
-          </a:schemeClr>
-        </a:solidFill>
-        <a:prstDash val="dash"/>
-      </a:ln>
-    </cs:spPr>
-  </cs:dropLine>
-  <cs:errorBar>
-    <cs:lnRef idx="0"/>
-    <cs:fillRef idx="0"/>
-    <cs:effectRef idx="0"/>
-    <cs:fontRef idx="minor">
-      <a:schemeClr val="tx1"/>
-    </cs:fontRef>
-    <cs:spPr>
-      <a:ln w="9525" cap="flat" cmpd="sng" algn="ctr">
-        <a:solidFill>
-          <a:schemeClr val="lt1">
-            <a:lumMod val="95000"/>
-          </a:schemeClr>
-        </a:solidFill>
-        <a:round/>
-      </a:ln>
-    </cs:spPr>
-  </cs:errorBar>
-  <cs:floor>
-    <cs:lnRef idx="0"/>
-    <cs:fillRef idx="0"/>
-    <cs:effectRef idx="0"/>
-    <cs:fontRef idx="minor">
-      <a:schemeClr val="tx1"/>
-    </cs:fontRef>
-  </cs:floor>
-  <cs:gridlineMajor>
-    <cs:lnRef idx="0"/>
-    <cs:fillRef idx="0"/>
-    <cs:effectRef idx="0"/>
-    <cs:fontRef idx="minor">
-      <a:schemeClr val="tx1"/>
-    </cs:fontRef>
-    <cs:spPr>
-      <a:ln w="9525" cap="flat" cmpd="sng" algn="ctr">
-        <a:solidFill>
-          <a:schemeClr val="lt1">
-            <a:lumMod val="95000"/>
-            <a:alpha val="10000"/>
-          </a:schemeClr>
-        </a:solidFill>
-        <a:round/>
-      </a:ln>
-    </cs:spPr>
-  </cs:gridlineMajor>
-  <cs:gridlineMinor>
-    <cs:lnRef idx="0"/>
-    <cs:fillRef idx="0"/>
-    <cs:effectRef idx="0"/>
-    <cs:fontRef idx="minor">
-      <a:schemeClr val="tx1"/>
-    </cs:fontRef>
-    <cs:spPr>
-      <a:ln>
-        <a:solidFill>
-          <a:schemeClr val="lt1">
-            <a:lumMod val="95000"/>
-            <a:alpha val="5000"/>
-          </a:schemeClr>
-        </a:solidFill>
-      </a:ln>
-    </cs:spPr>
-  </cs:gridlineMinor>
-  <cs:hiLoLine>
-    <cs:lnRef idx="0"/>
-    <cs:fillRef idx="0"/>
-    <cs:effectRef idx="0"/>
-    <cs:fontRef idx="minor">
-      <a:schemeClr val="tx1"/>
-    </cs:fontRef>
-    <cs:spPr>
-      <a:ln w="9525">
-        <a:solidFill>
-          <a:schemeClr val="lt1">
-            <a:lumMod val="95000"/>
-            <a:alpha val="54000"/>
-          </a:schemeClr>
-        </a:solidFill>
-        <a:prstDash val="dash"/>
-      </a:ln>
-    </cs:spPr>
-  </cs:hiLoLine>
-  <cs:leaderLine>
-    <cs:lnRef idx="0"/>
-    <cs:fillRef idx="0"/>
-    <cs:effectRef idx="0"/>
-    <cs:fontRef idx="minor">
-      <a:schemeClr val="tx1"/>
-    </cs:fontRef>
-    <cs:spPr>
-      <a:ln w="9525">
-        <a:solidFill>
-          <a:schemeClr val="lt1">
-            <a:lumMod val="95000"/>
-            <a:alpha val="54000"/>
-          </a:schemeClr>
-        </a:solidFill>
-      </a:ln>
-    </cs:spPr>
-  </cs:leaderLine>
-  <cs:legend>
-    <cs:lnRef idx="0"/>
-    <cs:fillRef idx="0"/>
-    <cs:effectRef idx="0"/>
-    <cs:fontRef idx="minor">
-      <a:schemeClr val="lt1">
-        <a:lumMod val="85000"/>
-      </a:schemeClr>
-    </cs:fontRef>
-    <cs:defRPr sz="900" kern="1200"/>
-  </cs:legend>
-  <cs:plotArea>
-    <cs:lnRef idx="0"/>
-    <cs:fillRef idx="0"/>
-    <cs:effectRef idx="0"/>
-    <cs:fontRef idx="minor">
-      <a:schemeClr val="tx1"/>
-    </cs:fontRef>
-  </cs:plotArea>
-  <cs:plotArea3D>
-    <cs:lnRef idx="0"/>
-    <cs:fillRef idx="0"/>
-    <cs:effectRef idx="0"/>
-    <cs:fontRef idx="minor">
-      <a:schemeClr val="tx1"/>
-    </cs:fontRef>
-  </cs:plotArea3D>
-  <cs:seriesAxis>
-    <cs:lnRef idx="0"/>
-    <cs:fillRef idx="0"/>
-    <cs:effectRef idx="0"/>
-    <cs:fontRef idx="minor">
-      <a:schemeClr val="lt1">
-        <a:lumMod val="85000"/>
-      </a:schemeClr>
-    </cs:fontRef>
-    <cs:spPr>
-      <a:ln w="12700" cap="flat" cmpd="sng" algn="ctr">
-        <a:solidFill>
-          <a:schemeClr val="lt1">
-            <a:lumMod val="95000"/>
-            <a:alpha val="54000"/>
-          </a:schemeClr>
-        </a:solidFill>
-        <a:round/>
-      </a:ln>
-    </cs:spPr>
-    <cs:defRPr sz="900" kern="1200"/>
-  </cs:seriesAxis>
-  <cs:seriesLine>
-    <cs:lnRef idx="0"/>
-    <cs:fillRef idx="0"/>
-    <cs:effectRef idx="0"/>
-    <cs:fontRef idx="minor">
-      <a:schemeClr val="lt1"/>
-    </cs:fontRef>
-    <cs:spPr>
-      <a:ln w="9525" cap="flat" cmpd="sng" algn="ctr">
-        <a:solidFill>
-          <a:schemeClr val="lt1">
-            <a:lumMod val="95000"/>
-            <a:alpha val="54000"/>
-          </a:schemeClr>
-        </a:solidFill>
-        <a:round/>
-      </a:ln>
-    </cs:spPr>
-  </cs:seriesLine>
-  <cs:title>
-    <cs:lnRef idx="0"/>
-    <cs:fillRef idx="0"/>
-    <cs:effectRef idx="0"/>
-    <cs:fontRef idx="minor">
-      <a:schemeClr val="lt1">
-        <a:lumMod val="95000"/>
-      </a:schemeClr>
-    </cs:fontRef>
-    <cs:defRPr sz="1600" b="1" kern="1200" spc="100" baseline="0">
-      <a:effectLst>
-        <a:outerShdw blurRad="50800" dist="38100" dir="5400000" algn="t" rotWithShape="0">
-          <a:prstClr val="black">
-            <a:alpha val="40000"/>
-          </a:prstClr>
-        </a:outerShdw>
-      </a:effectLst>
-    </cs:defRPr>
-  </cs:title>
-  <cs:trendline>
-    <cs:lnRef idx="0">
-      <cs:styleClr val="auto"/>
-    </cs:lnRef>
-    <cs:fillRef idx="0"/>
-    <cs:effectRef idx="0"/>
-    <cs:fontRef idx="minor">
-      <a:schemeClr val="tx1"/>
-    </cs:fontRef>
-    <cs:spPr>
-      <a:ln w="19050" cap="rnd">
-        <a:solidFill>
-          <a:schemeClr val="phClr"/>
-        </a:solidFill>
-      </a:ln>
-    </cs:spPr>
-  </cs:trendline>
-  <cs:trendlineLabel>
-    <cs:lnRef idx="0"/>
-    <cs:fillRef idx="0"/>
-    <cs:effectRef idx="0"/>
-    <cs:fontRef idx="minor">
-      <a:schemeClr val="lt1">
-        <a:lumMod val="85000"/>
-      </a:schemeClr>
-    </cs:fontRef>
-    <cs:defRPr sz="900" kern="1200"/>
-  </cs:trendlineLabel>
-  <cs:upBar>
-    <cs:lnRef idx="0"/>
-    <cs:fillRef idx="0"/>
-    <cs:effectRef idx="0"/>
-    <cs:fontRef idx="minor">
-      <a:schemeClr val="tx1"/>
-    </cs:fontRef>
-    <cs:spPr>
-      <a:solidFill>
-        <a:schemeClr val="lt1"/>
-      </a:solidFill>
-      <a:ln w="9525">
-        <a:solidFill>
-          <a:schemeClr val="lt1">
-            <a:lumMod val="95000"/>
-            <a:alpha val="54000"/>
-          </a:schemeClr>
-        </a:solidFill>
-      </a:ln>
-    </cs:spPr>
-  </cs:upBar>
-  <cs:valueAxis>
-    <cs:lnRef idx="0"/>
-    <cs:fillRef idx="0"/>
-    <cs:effectRef idx="0"/>
-    <cs:fontRef idx="minor">
-      <a:schemeClr val="lt1">
-        <a:lumMod val="85000"/>
-      </a:schemeClr>
-    </cs:fontRef>
-    <cs:defRPr sz="900" kern="1200"/>
-  </cs:valueAxis>
-  <cs:wall>
-    <cs:lnRef idx="0"/>
-    <cs:fillRef idx="0"/>
-    <cs:effectRef idx="0"/>
-    <cs:fontRef idx="minor">
-      <a:schemeClr val="tx1"/>
-    </cs:fontRef>
-  </cs:wall>
-</cs:chartStyle>
-</file>
-
-<file path=ppt/charts/style6.xml><?xml version="1.0" encoding="utf-8"?>
 <cs:chartStyle xmlns:cs="http://schemas.microsoft.com/office/drawing/2012/chartStyle" xmlns:a="http://schemas.openxmlformats.org/drawingml/2006/main" id="304">
   <cs:axisTitle>
     <cs:lnRef idx="0"/>
@@ -7580,7 +3905,7 @@
           <a:p>
             <a:fld id="{C774A270-9CA5-4E17-9448-1389142F63AE}" type="datetimeFigureOut">
               <a:rPr lang="en-US" smtClean="0"/>
-              <a:t>1/20/18</a:t>
+              <a:t>1/21/18</a:t>
             </a:fld>
             <a:endParaRPr lang="en-US"/>
           </a:p>
@@ -8370,7 +4695,7 @@
           <a:p>
             <a:fld id="{48A87A34-81AB-432B-8DAE-1953F412C126}" type="datetimeFigureOut">
               <a:rPr lang="en-US" smtClean="0"/>
-              <a:t>1/20/18</a:t>
+              <a:t>1/21/18</a:t>
             </a:fld>
             <a:endParaRPr lang="en-US" dirty="0"/>
           </a:p>
@@ -8585,7 +4910,7 @@
             <a:fld id="{48A87A34-81AB-432B-8DAE-1953F412C126}" type="datetimeFigureOut">
               <a:rPr lang="en-US" smtClean="0"/>
               <a:pPr/>
-              <a:t>1/20/18</a:t>
+              <a:t>1/21/18</a:t>
             </a:fld>
             <a:endParaRPr lang="en-US" dirty="0"/>
           </a:p>
@@ -8939,9 +5264,15 @@
   <p:cSld>
     <p:bg>
       <p:bgPr>
-        <a:blipFill>
-          <a:blip r:embed="rId3"/>
-          <a:tile tx="0" ty="0" sx="100000" sy="100000" flip="none" algn="tl"/>
+        <a:blipFill dpi="0" rotWithShape="1">
+          <a:blip r:embed="rId3">
+            <a:alphaModFix amt="41000"/>
+            <a:lum/>
+          </a:blip>
+          <a:srcRect/>
+          <a:stretch>
+            <a:fillRect/>
+          </a:stretch>
         </a:blipFill>
         <a:effectLst/>
       </p:bgPr>
@@ -8975,6 +5306,13 @@
             <a:off x="9196575" y="-847710"/>
             <a:ext cx="16152060" cy="5227230"/>
           </a:xfrm>
+          <a:effectLst>
+            <a:glow rad="1333500">
+              <a:schemeClr val="bg1">
+                <a:alpha val="81000"/>
+              </a:schemeClr>
+            </a:glow>
+          </a:effectLst>
         </p:spPr>
         <p:txBody>
           <a:bodyPr>
@@ -8985,14 +5323,16 @@
             <a:pPr algn="ctr"/>
             <a:r>
               <a:rPr lang="en-US" sz="9600" dirty="0" smtClean="0">
-                <a:latin typeface="Andale Mono" charset="0"/>
+                <a:ln w="0"/>
+                <a:effectLst/>
                 <a:ea typeface="Andale Mono" charset="0"/>
                 <a:cs typeface="Andale Mono" charset="0"/>
               </a:rPr>
               <a:t>Which Pathfinding Algorithm is Best?</a:t>
             </a:r>
             <a:endParaRPr lang="en-US" sz="9600" dirty="0">
-              <a:latin typeface="Andale Mono" charset="0"/>
+              <a:ln w="0"/>
+              <a:effectLst/>
               <a:ea typeface="Andale Mono" charset="0"/>
               <a:cs typeface="Andale Mono" charset="0"/>
             </a:endParaRPr>
@@ -9384,294 +5724,72 @@
           </a:p>
         </p:txBody>
       </p:sp>
-      <p:grpSp>
-        <p:nvGrpSpPr>
-          <p:cNvPr id="26" name="Group 25"/>
-          <p:cNvGrpSpPr/>
+      <p:sp>
+        <p:nvSpPr>
+          <p:cNvPr id="12" name="Rounded Rectangle 11"/>
+          <p:cNvSpPr/>
           <p:nvPr/>
-        </p:nvGrpSpPr>
-        <p:grpSpPr>
+        </p:nvSpPr>
+        <p:spPr>
           <a:xfrm>
-            <a:off x="9450455" y="7747001"/>
-            <a:ext cx="15644299" cy="13727718"/>
-            <a:chOff x="9378757" y="2679816"/>
-            <a:chExt cx="16457678" cy="8008640"/>
+            <a:off x="9547435" y="3372120"/>
+            <a:ext cx="15644300" cy="18147319"/>
           </a:xfrm>
-        </p:grpSpPr>
-        <p:sp>
-          <p:nvSpPr>
-            <p:cNvPr id="12" name="Rounded Rectangle 11"/>
-            <p:cNvSpPr/>
-            <p:nvPr/>
-          </p:nvSpPr>
-          <p:spPr>
-            <a:xfrm>
-              <a:off x="9378757" y="2679816"/>
-              <a:ext cx="16457678" cy="8008640"/>
-            </a:xfrm>
-            <a:prstGeom prst="roundRect">
-              <a:avLst/>
-            </a:prstGeom>
+          <a:prstGeom prst="roundRect">
+            <a:avLst/>
+          </a:prstGeom>
+          <a:solidFill>
+            <a:schemeClr val="bg1">
+              <a:lumMod val="75000"/>
+              <a:lumOff val="25000"/>
+            </a:schemeClr>
+          </a:solidFill>
+          <a:ln>
             <a:solidFill>
               <a:schemeClr val="bg1">
-                <a:lumMod val="75000"/>
-                <a:lumOff val="25000"/>
+                <a:lumMod val="85000"/>
+                <a:lumOff val="15000"/>
               </a:schemeClr>
             </a:solidFill>
-            <a:ln>
+          </a:ln>
+        </p:spPr>
+        <p:style>
+          <a:lnRef idx="1">
+            <a:schemeClr val="accent1"/>
+          </a:lnRef>
+          <a:fillRef idx="3">
+            <a:schemeClr val="accent1"/>
+          </a:fillRef>
+          <a:effectRef idx="2">
+            <a:schemeClr val="accent1"/>
+          </a:effectRef>
+          <a:fontRef idx="minor">
+            <a:schemeClr val="lt1"/>
+          </a:fontRef>
+        </p:style>
+        <p:txBody>
+          <a:bodyPr rtlCol="0" anchor="ctr"/>
+          <a:lstStyle/>
+          <a:p>
+            <a:pPr lvl="0"/>
+            <a:r>
+              <a:rPr lang="en-US" dirty="0" smtClean="0">
+                <a:solidFill>
+                  <a:prstClr val="black"/>
+                </a:solidFill>
+                <a:cs typeface="Century Gothic"/>
+              </a:rPr>
+              <a:t>c</a:t>
+            </a:r>
+            <a:endParaRPr lang="en-US" dirty="0">
               <a:solidFill>
-                <a:schemeClr val="bg1">
-                  <a:lumMod val="85000"/>
-                  <a:lumOff val="15000"/>
-                </a:schemeClr>
+                <a:prstClr val="black"/>
               </a:solidFill>
-            </a:ln>
-          </p:spPr>
-          <p:style>
-            <a:lnRef idx="1">
-              <a:schemeClr val="accent1"/>
-            </a:lnRef>
-            <a:fillRef idx="3">
-              <a:schemeClr val="accent1"/>
-            </a:fillRef>
-            <a:effectRef idx="2">
-              <a:schemeClr val="accent1"/>
-            </a:effectRef>
-            <a:fontRef idx="minor">
-              <a:schemeClr val="lt1"/>
-            </a:fontRef>
-          </p:style>
-          <p:txBody>
-            <a:bodyPr rtlCol="0" anchor="ctr"/>
-            <a:lstStyle/>
-            <a:p>
-              <a:pPr algn="ctr"/>
-              <a:endParaRPr lang="en-US"/>
-            </a:p>
-          </p:txBody>
-        </p:sp>
-        <p:sp>
-          <p:nvSpPr>
-            <p:cNvPr id="8" name="Subtitle 2"/>
-            <p:cNvSpPr txBox="1">
-              <a:spLocks/>
-            </p:cNvSpPr>
-            <p:nvPr/>
-          </p:nvSpPr>
-          <p:spPr>
-            <a:xfrm>
-              <a:off x="9586552" y="2871818"/>
-              <a:ext cx="16157867" cy="7425273"/>
-            </a:xfrm>
-            <a:prstGeom prst="rect">
-              <a:avLst/>
-            </a:prstGeom>
-          </p:spPr>
-          <p:txBody>
-            <a:bodyPr vert="horz" lIns="75675" tIns="37837" rIns="75675" bIns="37837" rtlCol="0">
-              <a:noAutofit/>
-            </a:bodyPr>
-            <a:lstStyle>
-              <a:lvl1pPr marL="0" indent="0" algn="l" defTabSz="3535710" rtl="0" eaLnBrk="1" latinLnBrk="0" hangingPunct="1">
-                <a:lnSpc>
-                  <a:spcPct val="90000"/>
-                </a:lnSpc>
-                <a:spcBef>
-                  <a:spcPts val="3867"/>
-                </a:spcBef>
-                <a:buFont typeface="Arial" panose="020B0604020202020204" pitchFamily="34" charset="0"/>
-                <a:buNone/>
-                <a:defRPr sz="7733" kern="1200">
-                  <a:solidFill>
-                    <a:schemeClr val="tx1"/>
-                  </a:solidFill>
-                  <a:latin typeface="+mn-lt"/>
-                  <a:ea typeface="+mn-ea"/>
-                  <a:cs typeface="+mn-cs"/>
-                </a:defRPr>
-              </a:lvl1pPr>
-              <a:lvl2pPr marL="1767855" indent="0" algn="ctr" defTabSz="3535710" rtl="0" eaLnBrk="1" latinLnBrk="0" hangingPunct="1">
-                <a:lnSpc>
-                  <a:spcPct val="90000"/>
-                </a:lnSpc>
-                <a:spcBef>
-                  <a:spcPts val="1933"/>
-                </a:spcBef>
-                <a:buFont typeface="Arial" panose="020B0604020202020204" pitchFamily="34" charset="0"/>
-                <a:buNone/>
-                <a:defRPr sz="7733" kern="1200">
-                  <a:solidFill>
-                    <a:schemeClr val="tx1"/>
-                  </a:solidFill>
-                  <a:latin typeface="+mn-lt"/>
-                  <a:ea typeface="+mn-ea"/>
-                  <a:cs typeface="+mn-cs"/>
-                </a:defRPr>
-              </a:lvl2pPr>
-              <a:lvl3pPr marL="3535710" indent="0" algn="ctr" defTabSz="3535710" rtl="0" eaLnBrk="1" latinLnBrk="0" hangingPunct="1">
-                <a:lnSpc>
-                  <a:spcPct val="90000"/>
-                </a:lnSpc>
-                <a:spcBef>
-                  <a:spcPts val="1933"/>
-                </a:spcBef>
-                <a:buFont typeface="Arial" panose="020B0604020202020204" pitchFamily="34" charset="0"/>
-                <a:buNone/>
-                <a:defRPr sz="6960" kern="1200">
-                  <a:solidFill>
-                    <a:schemeClr val="tx1"/>
-                  </a:solidFill>
-                  <a:latin typeface="+mn-lt"/>
-                  <a:ea typeface="+mn-ea"/>
-                  <a:cs typeface="+mn-cs"/>
-                </a:defRPr>
-              </a:lvl3pPr>
-              <a:lvl4pPr marL="5303566" indent="0" algn="ctr" defTabSz="3535710" rtl="0" eaLnBrk="1" latinLnBrk="0" hangingPunct="1">
-                <a:lnSpc>
-                  <a:spcPct val="90000"/>
-                </a:lnSpc>
-                <a:spcBef>
-                  <a:spcPts val="1933"/>
-                </a:spcBef>
-                <a:buFont typeface="Arial" panose="020B0604020202020204" pitchFamily="34" charset="0"/>
-                <a:buNone/>
-                <a:defRPr sz="6187" kern="1200">
-                  <a:solidFill>
-                    <a:schemeClr val="tx1"/>
-                  </a:solidFill>
-                  <a:latin typeface="+mn-lt"/>
-                  <a:ea typeface="+mn-ea"/>
-                  <a:cs typeface="+mn-cs"/>
-                </a:defRPr>
-              </a:lvl4pPr>
-              <a:lvl5pPr marL="7071421" indent="0" algn="ctr" defTabSz="3535710" rtl="0" eaLnBrk="1" latinLnBrk="0" hangingPunct="1">
-                <a:lnSpc>
-                  <a:spcPct val="90000"/>
-                </a:lnSpc>
-                <a:spcBef>
-                  <a:spcPts val="1933"/>
-                </a:spcBef>
-                <a:buFont typeface="Arial" panose="020B0604020202020204" pitchFamily="34" charset="0"/>
-                <a:buNone/>
-                <a:defRPr sz="6187" kern="1200">
-                  <a:solidFill>
-                    <a:schemeClr val="tx1"/>
-                  </a:solidFill>
-                  <a:latin typeface="+mn-lt"/>
-                  <a:ea typeface="+mn-ea"/>
-                  <a:cs typeface="+mn-cs"/>
-                </a:defRPr>
-              </a:lvl5pPr>
-              <a:lvl6pPr marL="8839276" indent="0" algn="ctr" defTabSz="3535710" rtl="0" eaLnBrk="1" latinLnBrk="0" hangingPunct="1">
-                <a:lnSpc>
-                  <a:spcPct val="90000"/>
-                </a:lnSpc>
-                <a:spcBef>
-                  <a:spcPts val="1933"/>
-                </a:spcBef>
-                <a:buFont typeface="Arial" panose="020B0604020202020204" pitchFamily="34" charset="0"/>
-                <a:buNone/>
-                <a:defRPr sz="6187" kern="1200">
-                  <a:solidFill>
-                    <a:schemeClr val="tx1"/>
-                  </a:solidFill>
-                  <a:latin typeface="+mn-lt"/>
-                  <a:ea typeface="+mn-ea"/>
-                  <a:cs typeface="+mn-cs"/>
-                </a:defRPr>
-              </a:lvl6pPr>
-              <a:lvl7pPr marL="10607131" indent="0" algn="ctr" defTabSz="3535710" rtl="0" eaLnBrk="1" latinLnBrk="0" hangingPunct="1">
-                <a:lnSpc>
-                  <a:spcPct val="90000"/>
-                </a:lnSpc>
-                <a:spcBef>
-                  <a:spcPts val="1933"/>
-                </a:spcBef>
-                <a:buFont typeface="Arial" panose="020B0604020202020204" pitchFamily="34" charset="0"/>
-                <a:buNone/>
-                <a:defRPr sz="6187" kern="1200">
-                  <a:solidFill>
-                    <a:schemeClr val="tx1"/>
-                  </a:solidFill>
-                  <a:latin typeface="+mn-lt"/>
-                  <a:ea typeface="+mn-ea"/>
-                  <a:cs typeface="+mn-cs"/>
-                </a:defRPr>
-              </a:lvl7pPr>
-              <a:lvl8pPr marL="12374987" indent="0" algn="ctr" defTabSz="3535710" rtl="0" eaLnBrk="1" latinLnBrk="0" hangingPunct="1">
-                <a:lnSpc>
-                  <a:spcPct val="90000"/>
-                </a:lnSpc>
-                <a:spcBef>
-                  <a:spcPts val="1933"/>
-                </a:spcBef>
-                <a:buFont typeface="Arial" panose="020B0604020202020204" pitchFamily="34" charset="0"/>
-                <a:buNone/>
-                <a:defRPr sz="6187" kern="1200">
-                  <a:solidFill>
-                    <a:schemeClr val="tx1"/>
-                  </a:solidFill>
-                  <a:latin typeface="+mn-lt"/>
-                  <a:ea typeface="+mn-ea"/>
-                  <a:cs typeface="+mn-cs"/>
-                </a:defRPr>
-              </a:lvl8pPr>
-              <a:lvl9pPr marL="14142842" indent="0" algn="ctr" defTabSz="3535710" rtl="0" eaLnBrk="1" latinLnBrk="0" hangingPunct="1">
-                <a:lnSpc>
-                  <a:spcPct val="90000"/>
-                </a:lnSpc>
-                <a:spcBef>
-                  <a:spcPts val="1933"/>
-                </a:spcBef>
-                <a:buFont typeface="Arial" panose="020B0604020202020204" pitchFamily="34" charset="0"/>
-                <a:buNone/>
-                <a:defRPr sz="6187" kern="1200">
-                  <a:solidFill>
-                    <a:schemeClr val="tx1"/>
-                  </a:solidFill>
-                  <a:latin typeface="+mn-lt"/>
-                  <a:ea typeface="+mn-ea"/>
-                  <a:cs typeface="+mn-cs"/>
-                </a:defRPr>
-              </a:lvl9pPr>
-            </a:lstStyle>
-            <a:p>
-              <a:endParaRPr lang="en-US" sz="2000" dirty="0">
-                <a:latin typeface="Century Gothic"/>
-                <a:cs typeface="Century Gothic"/>
-              </a:endParaRPr>
-            </a:p>
-            <a:p>
-              <a:pPr algn="ctr"/>
-              <a:endParaRPr lang="en-US" sz="2648" dirty="0" smtClean="0">
-                <a:latin typeface="Century Gothic"/>
-                <a:cs typeface="Century Gothic"/>
-              </a:endParaRPr>
-            </a:p>
-            <a:p>
-              <a:pPr algn="ctr"/>
-              <a:endParaRPr lang="en-US" sz="2648" dirty="0" smtClean="0">
-                <a:latin typeface="Century Gothic"/>
-                <a:cs typeface="Century Gothic"/>
-              </a:endParaRPr>
-            </a:p>
-            <a:p>
-              <a:pPr algn="ctr"/>
-              <a:endParaRPr lang="en-US" sz="2648" dirty="0" smtClean="0">
-                <a:latin typeface="Century Gothic"/>
-                <a:cs typeface="Century Gothic"/>
-              </a:endParaRPr>
-            </a:p>
-            <a:p>
-              <a:pPr algn="ctr"/>
-              <a:endParaRPr lang="en-US" sz="2648" dirty="0">
-                <a:latin typeface="Century Gothic"/>
-                <a:cs typeface="Century Gothic"/>
-              </a:endParaRPr>
-            </a:p>
-          </p:txBody>
-        </p:sp>
-      </p:grpSp>
+              <a:cs typeface="Century Gothic"/>
+            </a:endParaRPr>
+          </a:p>
+        </p:txBody>
+      </p:sp>
       <p:sp>
         <p:nvSpPr>
           <p:cNvPr id="9" name="Subtitle 2"/>
@@ -10554,262 +6672,6 @@
       </p:sp>
       <p:sp>
         <p:nvSpPr>
-          <p:cNvPr id="11" name="Rounded Rectangle 10"/>
-          <p:cNvSpPr/>
-          <p:nvPr/>
-        </p:nvSpPr>
-        <p:spPr>
-          <a:xfrm>
-            <a:off x="25495856" y="3781890"/>
-            <a:ext cx="6867919" cy="6998903"/>
-          </a:xfrm>
-          <a:prstGeom prst="roundRect">
-            <a:avLst/>
-          </a:prstGeom>
-          <a:solidFill>
-            <a:schemeClr val="bg1"/>
-          </a:solidFill>
-          <a:ln>
-            <a:solidFill>
-              <a:schemeClr val="bg1"/>
-            </a:solidFill>
-          </a:ln>
-          <a:effectLst>
-            <a:outerShdw blurRad="50800" dist="38100" dir="2700000" algn="tl" rotWithShape="0">
-              <a:prstClr val="black">
-                <a:alpha val="40000"/>
-              </a:prstClr>
-            </a:outerShdw>
-            <a:reflection endPos="0" dist="50800" dir="5400000" sy="-100000" algn="bl" rotWithShape="0"/>
-          </a:effectLst>
-        </p:spPr>
-        <p:style>
-          <a:lnRef idx="2">
-            <a:schemeClr val="accent1">
-              <a:shade val="50000"/>
-            </a:schemeClr>
-          </a:lnRef>
-          <a:fillRef idx="1">
-            <a:schemeClr val="accent1"/>
-          </a:fillRef>
-          <a:effectRef idx="0">
-            <a:schemeClr val="accent1"/>
-          </a:effectRef>
-          <a:fontRef idx="minor">
-            <a:schemeClr val="lt1"/>
-          </a:fontRef>
-        </p:style>
-        <p:txBody>
-          <a:bodyPr rtlCol="0" anchor="ctr"/>
-          <a:lstStyle/>
-          <a:p>
-            <a:pPr algn="ctr"/>
-            <a:endParaRPr lang="en-US"/>
-          </a:p>
-        </p:txBody>
-      </p:sp>
-      <p:grpSp>
-        <p:nvGrpSpPr>
-          <p:cNvPr id="51" name="Group 50"/>
-          <p:cNvGrpSpPr/>
-          <p:nvPr/>
-        </p:nvGrpSpPr>
-        <p:grpSpPr>
-          <a:xfrm>
-            <a:off x="9517446" y="3706776"/>
-            <a:ext cx="15489839" cy="3838915"/>
-            <a:chOff x="9620714" y="11431863"/>
-            <a:chExt cx="15678314" cy="6047457"/>
-          </a:xfrm>
-          <a:effectLst>
-            <a:outerShdw blurRad="50800" dist="38100" dir="2700000" algn="tl" rotWithShape="0">
-              <a:prstClr val="black">
-                <a:alpha val="40000"/>
-              </a:prstClr>
-            </a:outerShdw>
-          </a:effectLst>
-        </p:grpSpPr>
-        <p:sp>
-          <p:nvSpPr>
-            <p:cNvPr id="33" name="Rounded Rectangle 32"/>
-            <p:cNvSpPr/>
-            <p:nvPr/>
-          </p:nvSpPr>
-          <p:spPr>
-            <a:xfrm>
-              <a:off x="9620714" y="11431863"/>
-              <a:ext cx="15678314" cy="6047457"/>
-            </a:xfrm>
-            <a:prstGeom prst="roundRect">
-              <a:avLst/>
-            </a:prstGeom>
-            <a:solidFill>
-              <a:schemeClr val="bg1"/>
-            </a:solidFill>
-            <a:ln>
-              <a:solidFill>
-                <a:schemeClr val="bg1">
-                  <a:lumMod val="95000"/>
-                </a:schemeClr>
-              </a:solidFill>
-            </a:ln>
-          </p:spPr>
-          <p:style>
-            <a:lnRef idx="2">
-              <a:schemeClr val="accent1">
-                <a:shade val="50000"/>
-              </a:schemeClr>
-            </a:lnRef>
-            <a:fillRef idx="1">
-              <a:schemeClr val="accent1"/>
-            </a:fillRef>
-            <a:effectRef idx="0">
-              <a:schemeClr val="accent1"/>
-            </a:effectRef>
-            <a:fontRef idx="minor">
-              <a:schemeClr val="lt1"/>
-            </a:fontRef>
-          </p:style>
-          <p:txBody>
-            <a:bodyPr rtlCol="0" anchor="ctr"/>
-            <a:lstStyle/>
-            <a:p>
-              <a:pPr algn="ctr"/>
-              <a:endParaRPr lang="en-US"/>
-            </a:p>
-          </p:txBody>
-        </p:sp>
-        <p:sp>
-          <p:nvSpPr>
-            <p:cNvPr id="6" name="TextBox 5"/>
-            <p:cNvSpPr txBox="1"/>
-            <p:nvPr/>
-          </p:nvSpPr>
-          <p:spPr>
-            <a:xfrm>
-              <a:off x="15477534" y="13703229"/>
-              <a:ext cx="3394304" cy="461665"/>
-            </a:xfrm>
-            <a:prstGeom prst="rect">
-              <a:avLst/>
-            </a:prstGeom>
-            <a:noFill/>
-          </p:spPr>
-          <p:txBody>
-            <a:bodyPr wrap="square" rtlCol="0">
-              <a:spAutoFit/>
-            </a:bodyPr>
-            <a:lstStyle/>
-            <a:p>
-              <a:endParaRPr lang="en-US" sz="2400" dirty="0">
-                <a:cs typeface="Century Gothic"/>
-              </a:endParaRPr>
-            </a:p>
-          </p:txBody>
-        </p:sp>
-      </p:grpSp>
-      <p:grpSp>
-        <p:nvGrpSpPr>
-          <p:cNvPr id="24" name="Group 23"/>
-          <p:cNvGrpSpPr/>
-          <p:nvPr/>
-        </p:nvGrpSpPr>
-        <p:grpSpPr>
-          <a:xfrm>
-            <a:off x="25522603" y="16505469"/>
-            <a:ext cx="6852415" cy="4803706"/>
-            <a:chOff x="26092576" y="9038646"/>
-            <a:chExt cx="6490112" cy="12336825"/>
-          </a:xfrm>
-        </p:grpSpPr>
-        <p:sp>
-          <p:nvSpPr>
-            <p:cNvPr id="34" name="Rounded Rectangle 33"/>
-            <p:cNvSpPr/>
-            <p:nvPr/>
-          </p:nvSpPr>
-          <p:spPr>
-            <a:xfrm>
-              <a:off x="26092576" y="9038646"/>
-              <a:ext cx="6490112" cy="12336825"/>
-            </a:xfrm>
-            <a:prstGeom prst="roundRect">
-              <a:avLst/>
-            </a:prstGeom>
-            <a:solidFill>
-              <a:schemeClr val="bg1"/>
-            </a:solidFill>
-            <a:ln>
-              <a:solidFill>
-                <a:schemeClr val="bg1"/>
-              </a:solidFill>
-            </a:ln>
-            <a:effectLst>
-              <a:outerShdw blurRad="50800" dist="38100" dir="2700000" algn="tl" rotWithShape="0">
-                <a:prstClr val="black">
-                  <a:alpha val="40000"/>
-                </a:prstClr>
-              </a:outerShdw>
-            </a:effectLst>
-          </p:spPr>
-          <p:style>
-            <a:lnRef idx="2">
-              <a:schemeClr val="accent1">
-                <a:shade val="50000"/>
-              </a:schemeClr>
-            </a:lnRef>
-            <a:fillRef idx="1">
-              <a:schemeClr val="accent1"/>
-            </a:fillRef>
-            <a:effectRef idx="0">
-              <a:schemeClr val="accent1"/>
-            </a:effectRef>
-            <a:fontRef idx="minor">
-              <a:schemeClr val="lt1"/>
-            </a:fontRef>
-          </p:style>
-          <p:txBody>
-            <a:bodyPr rtlCol="0" anchor="ctr"/>
-            <a:lstStyle/>
-            <a:p>
-              <a:pPr algn="ctr"/>
-              <a:endParaRPr lang="en-US"/>
-            </a:p>
-          </p:txBody>
-        </p:sp>
-        <p:sp>
-          <p:nvSpPr>
-            <p:cNvPr id="15" name="TextBox 14"/>
-            <p:cNvSpPr txBox="1"/>
-            <p:nvPr/>
-          </p:nvSpPr>
-          <p:spPr>
-            <a:xfrm>
-              <a:off x="26424915" y="9213308"/>
-              <a:ext cx="6146800" cy="461665"/>
-            </a:xfrm>
-            <a:prstGeom prst="rect">
-              <a:avLst/>
-            </a:prstGeom>
-            <a:noFill/>
-          </p:spPr>
-          <p:txBody>
-            <a:bodyPr wrap="square" rtlCol="0">
-              <a:spAutoFit/>
-            </a:bodyPr>
-            <a:lstStyle/>
-            <a:p>
-              <a:pPr algn="ctr"/>
-              <a:endParaRPr lang="en-US" sz="2400" dirty="0">
-                <a:ea typeface="Century Gothic" charset="0"/>
-                <a:cs typeface="Century Gothic" charset="0"/>
-              </a:endParaRPr>
-            </a:p>
-          </p:txBody>
-        </p:sp>
-      </p:grpSp>
-      <p:sp>
-        <p:nvSpPr>
           <p:cNvPr id="55" name="TextBox 54"/>
           <p:cNvSpPr txBox="1"/>
           <p:nvPr/>
@@ -10918,8 +6780,8 @@
         </p:nvSpPr>
         <p:spPr>
           <a:xfrm>
-            <a:off x="269468" y="423853"/>
-            <a:ext cx="8812922" cy="3757183"/>
+            <a:off x="383653" y="116532"/>
+            <a:ext cx="8812922" cy="4278094"/>
           </a:xfrm>
           <a:prstGeom prst="roundRect">
             <a:avLst/>
@@ -10965,62 +6827,6 @@
           </a:p>
         </p:txBody>
       </p:sp>
-      <p:sp>
-        <p:nvSpPr>
-          <p:cNvPr id="53" name="Rounded Rectangle 52"/>
-          <p:cNvSpPr/>
-          <p:nvPr/>
-        </p:nvSpPr>
-        <p:spPr>
-          <a:xfrm>
-            <a:off x="25485948" y="11431863"/>
-            <a:ext cx="6852415" cy="3515254"/>
-          </a:xfrm>
-          <a:prstGeom prst="roundRect">
-            <a:avLst/>
-          </a:prstGeom>
-          <a:solidFill>
-            <a:schemeClr val="bg1"/>
-          </a:solidFill>
-          <a:ln>
-            <a:solidFill>
-              <a:schemeClr val="bg1"/>
-            </a:solidFill>
-          </a:ln>
-          <a:effectLst>
-            <a:outerShdw blurRad="50800" dist="38100" dir="2700000" algn="tl" rotWithShape="0">
-              <a:prstClr val="black">
-                <a:alpha val="40000"/>
-              </a:prstClr>
-            </a:outerShdw>
-            <a:reflection endPos="0" dist="50800" dir="5400000" sy="-100000" algn="bl" rotWithShape="0"/>
-          </a:effectLst>
-        </p:spPr>
-        <p:style>
-          <a:lnRef idx="2">
-            <a:schemeClr val="accent1">
-              <a:shade val="50000"/>
-            </a:schemeClr>
-          </a:lnRef>
-          <a:fillRef idx="1">
-            <a:schemeClr val="accent1"/>
-          </a:fillRef>
-          <a:effectRef idx="0">
-            <a:schemeClr val="accent1"/>
-          </a:effectRef>
-          <a:fontRef idx="minor">
-            <a:schemeClr val="lt1"/>
-          </a:fontRef>
-        </p:style>
-        <p:txBody>
-          <a:bodyPr rtlCol="0" anchor="ctr"/>
-          <a:lstStyle/>
-          <a:p>
-            <a:pPr algn="ctr"/>
-            <a:endParaRPr lang="en-US"/>
-          </a:p>
-        </p:txBody>
-      </p:sp>
       <p:grpSp>
         <p:nvGrpSpPr>
           <p:cNvPr id="27" name="Group 26"/>
@@ -11029,10 +6835,10 @@
         </p:nvGrpSpPr>
         <p:grpSpPr>
           <a:xfrm>
-            <a:off x="338718" y="4337719"/>
-            <a:ext cx="8743672" cy="9602629"/>
-            <a:chOff x="338718" y="5112203"/>
-            <a:chExt cx="8743672" cy="9104059"/>
+            <a:off x="339620" y="4574116"/>
+            <a:ext cx="8743672" cy="9297713"/>
+            <a:chOff x="338718" y="5161102"/>
+            <a:chExt cx="8743672" cy="8521584"/>
           </a:xfrm>
         </p:grpSpPr>
         <p:grpSp>
@@ -11300,8 +7106,8 @@
           </p:nvSpPr>
           <p:spPr>
             <a:xfrm>
-              <a:off x="956579" y="5112203"/>
-              <a:ext cx="7809796" cy="9104059"/>
+              <a:off x="846851" y="5179247"/>
+              <a:ext cx="7809796" cy="8265086"/>
             </a:xfrm>
             <a:prstGeom prst="rect">
               <a:avLst/>
@@ -11326,116 +7132,160 @@
             </a:p>
             <a:p>
               <a:r>
-                <a:rPr lang="en-US" sz="2000" dirty="0"/>
-                <a:t>	</a:t>
+                <a:rPr lang="en-US" sz="2400" dirty="0" smtClean="0"/>
+                <a:t>Sometimes</a:t>
               </a:r>
               <a:r>
-                <a:rPr lang="en-US" sz="2000" dirty="0" smtClean="0"/>
-                <a:t>Sometimes, you need an algorithm to compute a path from one place to another, like in a videogame. These experiments, called path-finding algorithms, help compute a where a videogame enemy needs to go, or even helping a robot navigate a maze. </a:t>
+                <a:rPr lang="en-US" sz="2400" dirty="0" smtClean="0"/>
+                <a:t>, </a:t>
               </a:r>
               <a:r>
-                <a:rPr lang="en-US" sz="2200" dirty="0" smtClean="0"/>
-                <a:t>Since there are many kinds of path-finding algorithms, his </a:t>
+                <a:rPr lang="en-US" sz="2400" dirty="0" smtClean="0"/>
+                <a:t>we</a:t>
               </a:r>
               <a:r>
-                <a:rPr lang="en-US" sz="2200" dirty="0"/>
-                <a:t>experiment is meant to find which path-finding algorithm is on average the best. </a:t>
+                <a:rPr lang="en-US" sz="2400" dirty="0" smtClean="0"/>
+                <a:t> </a:t>
               </a:r>
-              <a:endParaRPr lang="en-US" sz="2200" dirty="0" smtClean="0"/>
+              <a:r>
+                <a:rPr lang="en-US" sz="2400" dirty="0" smtClean="0"/>
+                <a:t>need an algorithm to </a:t>
+              </a:r>
+              <a:r>
+                <a:rPr lang="en-US" sz="2400" dirty="0" smtClean="0"/>
+                <a:t>go from </a:t>
+              </a:r>
+              <a:r>
+                <a:rPr lang="en-US" sz="2400" dirty="0" smtClean="0"/>
+                <a:t>one place to </a:t>
+              </a:r>
+              <a:r>
+                <a:rPr lang="en-US" sz="2400" dirty="0" smtClean="0"/>
+                <a:t>another, like with Google maps, moving characters in a game, </a:t>
+              </a:r>
+              <a:r>
+                <a:rPr lang="en-US" sz="2400" dirty="0" smtClean="0"/>
+                <a:t>or even helping a robot navigate a maze. </a:t>
+              </a:r>
+              <a:r>
+                <a:rPr lang="en-US" sz="2400" dirty="0" smtClean="0"/>
+                <a:t>These algorithms are called path-finding algorithms.</a:t>
+              </a:r>
             </a:p>
             <a:p>
-              <a:endParaRPr lang="en-US" sz="2200" dirty="0"/>
+              <a:endParaRPr lang="en-US" sz="2400" dirty="0"/>
             </a:p>
             <a:p>
               <a:r>
-                <a:rPr lang="en-US" sz="2200" b="1" dirty="0"/>
+                <a:rPr lang="en-US" sz="2400" b="1" dirty="0"/>
                 <a:t>What is a Pathfinding algorithm? </a:t>
               </a:r>
-              <a:endParaRPr lang="en-US" sz="2200" dirty="0"/>
+              <a:endParaRPr lang="en-US" sz="2400" dirty="0"/>
             </a:p>
             <a:p>
               <a:r>
-                <a:rPr lang="en-US" sz="2200" dirty="0" smtClean="0"/>
-                <a:t>	A </a:t>
+                <a:rPr lang="en-US" sz="2400" dirty="0" smtClean="0"/>
+                <a:t>A </a:t>
               </a:r>
               <a:r>
-                <a:rPr lang="en-US" sz="2200" dirty="0"/>
+                <a:rPr lang="en-US" sz="2400" dirty="0"/>
                 <a:t>pathfinding algorithm is an algorithm which computes a path between point a and point b on a </a:t>
               </a:r>
               <a:r>
-                <a:rPr lang="en-US" sz="2200" dirty="0" smtClean="0"/>
+                <a:rPr lang="en-US" sz="2400" dirty="0" smtClean="0"/>
                 <a:t>grid. </a:t>
               </a:r>
               <a:r>
-                <a:rPr lang="en-US" sz="2200" dirty="0"/>
+                <a:rPr lang="en-US" sz="2400" dirty="0"/>
                 <a:t>These </a:t>
               </a:r>
               <a:r>
-                <a:rPr lang="en-US" sz="2200" dirty="0" smtClean="0"/>
+                <a:rPr lang="en-US" sz="2400" dirty="0" smtClean="0"/>
                 <a:t>grids </a:t>
               </a:r>
               <a:r>
-                <a:rPr lang="en-US" sz="2200" dirty="0"/>
-                <a:t>also include obstacles which the path cannot pass through. Also, some algorithms aim to find the shortest path, but do not always succeed. This experiment uses four algorithms: Dijkstra, A*, Breadth-First Search, and Best-First Search</a:t>
+                <a:rPr lang="en-US" sz="2400" dirty="0"/>
+                <a:t>also include obstacles which the path cannot pass through. </a:t>
               </a:r>
               <a:r>
-                <a:rPr lang="en-US" sz="2200" dirty="0" smtClean="0"/>
+                <a:rPr lang="en-US" sz="2400" dirty="0" smtClean="0"/>
+                <a:t>The algorithm should run quickly and find a short(</a:t>
+              </a:r>
+              <a:r>
+                <a:rPr lang="en-US" sz="2400" dirty="0" err="1" smtClean="0"/>
+                <a:t>est</a:t>
+              </a:r>
+              <a:r>
+                <a:rPr lang="en-US" sz="2400" dirty="0" smtClean="0"/>
+                <a:t>) path. In this project, I studied four well-known algorithms</a:t>
+              </a:r>
+              <a:r>
+                <a:rPr lang="en-US" sz="2400" dirty="0"/>
+                <a:t>: Dijkstra, A*, Breadth-First Search, and Best-First Search</a:t>
+              </a:r>
+              <a:r>
+                <a:rPr lang="en-US" sz="2400" dirty="0" smtClean="0"/>
                 <a:t>.</a:t>
               </a:r>
             </a:p>
             <a:p>
-              <a:endParaRPr lang="en-US" sz="2200" dirty="0"/>
+              <a:endParaRPr lang="en-US" sz="2400" b="1" dirty="0" smtClean="0"/>
             </a:p>
             <a:p>
               <a:r>
-                <a:rPr lang="en-US" sz="2200" b="1" dirty="0"/>
-                <a:t>Why did I choose this topic?</a:t>
+                <a:rPr lang="en-US" sz="2400" b="1" dirty="0" smtClean="0"/>
+                <a:t>Judging </a:t>
               </a:r>
-              <a:endParaRPr lang="en-US" sz="2200" dirty="0"/>
+              <a:r>
+                <a:rPr lang="en-US" sz="2400" b="1" dirty="0"/>
+                <a:t>the Best Algorithm</a:t>
+              </a:r>
             </a:p>
             <a:p>
               <a:r>
-                <a:rPr lang="en-US" sz="2200" dirty="0" smtClean="0"/>
-                <a:t>	Computer </a:t>
+                <a:rPr lang="en-US" sz="2400" dirty="0" smtClean="0"/>
+                <a:t>The </a:t>
               </a:r>
               <a:r>
-                <a:rPr lang="en-US" sz="2200" dirty="0"/>
-                <a:t>Science is one of my deep passions, ever since I got my hands on programming. Before I started the experiment, I already was skilled at programming in multiple languages and I knew how to write simulations like this </a:t>
+                <a:rPr lang="en-US" sz="2400" dirty="0"/>
+                <a:t>best pathfinding algorithm will be decided based on accuracy, time, and the amount of cells on the grid explored.</a:t>
+              </a:r>
+              <a:endParaRPr lang="en-US" sz="2400" b="1" dirty="0"/>
+            </a:p>
+            <a:p>
+              <a:endParaRPr lang="en-US" sz="2400" dirty="0"/>
+            </a:p>
+            <a:p>
+              <a:r>
+                <a:rPr lang="en-US" sz="2400" b="1" dirty="0"/>
+                <a:t>Why did I choose this topic?</a:t>
+              </a:r>
+              <a:endParaRPr lang="en-US" sz="2400" dirty="0"/>
+            </a:p>
+            <a:p>
+              <a:r>
+                <a:rPr lang="en-US" sz="2400" dirty="0" smtClean="0"/>
+                <a:t>Computer </a:t>
               </a:r>
               <a:r>
-                <a:rPr lang="en-US" sz="2200" dirty="0" smtClean="0"/>
+                <a:rPr lang="en-US" sz="2400" dirty="0"/>
+                <a:t>Science is one of </a:t>
+              </a:r>
+              <a:r>
+                <a:rPr lang="en-US" sz="2400" dirty="0" smtClean="0"/>
+                <a:t>my passions. </a:t>
+              </a:r>
+              <a:r>
+                <a:rPr lang="en-US" sz="2400" dirty="0"/>
+                <a:t>Before I started the experiment, I already was skilled at programming in multiple languages and I knew how to write simulations like this </a:t>
+              </a:r>
+              <a:r>
+                <a:rPr lang="en-US" sz="2400" dirty="0" smtClean="0"/>
                 <a:t>one. </a:t>
               </a:r>
             </a:p>
             <a:p>
-              <a:endParaRPr lang="en-US" sz="2200" dirty="0" smtClean="0"/>
-            </a:p>
-            <a:p>
-              <a:r>
-                <a:rPr lang="en-US" sz="2200" b="1" dirty="0" smtClean="0"/>
-                <a:t>Judging the Best Algorithm</a:t>
-              </a:r>
-            </a:p>
-            <a:p>
-              <a:r>
-                <a:rPr lang="en-US" sz="2200" b="1" dirty="0"/>
-                <a:t>	</a:t>
-              </a:r>
-              <a:r>
-                <a:rPr lang="en-US" sz="2200" dirty="0" smtClean="0"/>
-                <a:t>The best pathfinding algorithm will be decided based on accuracy, time, and the amount of cells on the grid explored.</a:t>
-              </a:r>
-              <a:endParaRPr lang="en-US" sz="2200" b="1" dirty="0"/>
-            </a:p>
-            <a:p>
-              <a:r>
-                <a:rPr lang="en-US" sz="2200" dirty="0"/>
-                <a:t/>
-              </a:r>
-              <a:br>
-                <a:rPr lang="en-US" sz="2200" dirty="0"/>
-              </a:br>
-              <a:endParaRPr lang="en-US" sz="2200" dirty="0"/>
+              <a:endParaRPr lang="en-US" sz="2400" dirty="0" smtClean="0"/>
             </a:p>
           </p:txBody>
         </p:sp>
@@ -11448,9 +7298,9 @@
         </p:nvGrpSpPr>
         <p:grpSpPr>
           <a:xfrm>
-            <a:off x="269468" y="15866434"/>
-            <a:ext cx="8766763" cy="5653005"/>
-            <a:chOff x="269468" y="16166026"/>
+            <a:off x="329865" y="16587252"/>
+            <a:ext cx="8766763" cy="4987318"/>
+            <a:chOff x="329865" y="16764989"/>
             <a:chExt cx="8766763" cy="5434249"/>
           </a:xfrm>
         </p:grpSpPr>
@@ -11462,7 +7312,7 @@
           </p:nvSpPr>
           <p:spPr>
             <a:xfrm>
-              <a:off x="269468" y="16166026"/>
+              <a:off x="329865" y="16764989"/>
               <a:ext cx="8766763" cy="5434249"/>
             </a:xfrm>
             <a:prstGeom prst="roundRect">
@@ -11517,8 +7367,8 @@
           </p:nvSpPr>
           <p:spPr>
             <a:xfrm>
-              <a:off x="769753" y="16280682"/>
-              <a:ext cx="7881602" cy="4940970"/>
+              <a:off x="849313" y="16974758"/>
+              <a:ext cx="7881602" cy="4896220"/>
             </a:xfrm>
             <a:prstGeom prst="rect">
               <a:avLst/>
@@ -11545,55 +7395,111 @@
               </a:r>
             </a:p>
             <a:p>
+              <a:pPr marL="457200" indent="-457200">
+                <a:buFont typeface="+mj-lt"/>
+                <a:buAutoNum type="arabicPeriod"/>
+              </a:pPr>
               <a:r>
-                <a:rPr lang="en-US" sz="2000" dirty="0"/>
-                <a:t>	</a:t>
+                <a:rPr lang="en-US" sz="2400" dirty="0" smtClean="0"/>
+                <a:t>G</a:t>
               </a:r>
               <a:r>
-                <a:rPr lang="en-US" sz="2000" dirty="0" smtClean="0"/>
-                <a:t>First, I generated a grid with a certain size. (10 by 10, etc. ). Next, I tested each algorithm on the grid and wrote down the results. Finally, I took the average of each run and used those for the charts. </a:t>
+                <a:rPr lang="en-US" sz="2400" dirty="0" smtClean="0"/>
+                <a:t>enerate </a:t>
+              </a:r>
+              <a:r>
+                <a:rPr lang="en-US" sz="2400" dirty="0" smtClean="0"/>
+                <a:t>a grid with a certain size. (10 by 10, etc. ). </a:t>
+              </a:r>
+              <a:endParaRPr lang="en-US" sz="2400" dirty="0" smtClean="0"/>
+            </a:p>
+            <a:p>
+              <a:pPr marL="457200" indent="-457200">
+                <a:buFont typeface="+mj-lt"/>
+                <a:buAutoNum type="arabicPeriod"/>
+              </a:pPr>
+              <a:r>
+                <a:rPr lang="en-US" sz="2400" dirty="0" smtClean="0"/>
+                <a:t>Test each </a:t>
+              </a:r>
+              <a:r>
+                <a:rPr lang="en-US" sz="2400" dirty="0" smtClean="0"/>
+                <a:t>algorithm on the grid 5 </a:t>
+              </a:r>
+              <a:r>
+                <a:rPr lang="en-US" sz="2400" dirty="0" smtClean="0"/>
+                <a:t>times.</a:t>
               </a:r>
             </a:p>
             <a:p>
-              <a:endParaRPr lang="en-US" sz="2000" dirty="0"/>
+              <a:pPr marL="457200" indent="-457200">
+                <a:buFont typeface="+mj-lt"/>
+                <a:buAutoNum type="arabicPeriod"/>
+              </a:pPr>
+              <a:r>
+                <a:rPr lang="en-US" sz="2400" dirty="0" smtClean="0"/>
+                <a:t>Take the </a:t>
+              </a:r>
+              <a:r>
+                <a:rPr lang="en-US" sz="2400" dirty="0" smtClean="0"/>
+                <a:t>average of each </a:t>
+              </a:r>
+              <a:r>
+                <a:rPr lang="en-US" sz="2400" dirty="0" smtClean="0"/>
+                <a:t>run. </a:t>
+              </a:r>
+            </a:p>
+            <a:p>
+              <a:pPr marL="457200" indent="-457200">
+                <a:buFont typeface="+mj-lt"/>
+                <a:buAutoNum type="arabicPeriod"/>
+              </a:pPr>
+              <a:endParaRPr lang="en-US" sz="2400" dirty="0"/>
             </a:p>
             <a:p>
               <a:r>
-                <a:rPr lang="en-US" sz="2000" b="1" dirty="0"/>
+                <a:rPr lang="en-US" sz="2400" b="1" dirty="0"/>
                 <a:t>Control and Variables</a:t>
               </a:r>
-              <a:endParaRPr lang="en-US" sz="2000" dirty="0"/>
+              <a:endParaRPr lang="en-US" sz="2400" dirty="0"/>
             </a:p>
             <a:p>
+              <a:pPr marL="342900" indent="-342900">
+                <a:buFont typeface="Arial" charset="0"/>
+                <a:buChar char="•"/>
+              </a:pPr>
               <a:r>
-                <a:rPr lang="en-US" sz="2000" dirty="0"/>
-                <a:t>-The Breadth-First Search was the control because it is the oldest and simplest. </a:t>
+                <a:rPr lang="en-US" sz="2400" dirty="0" smtClean="0"/>
+                <a:t>Breadth-First </a:t>
               </a:r>
-              <a:endParaRPr lang="en-US" sz="2000" dirty="0"/>
+              <a:r>
+                <a:rPr lang="en-US" sz="2400" dirty="0"/>
+                <a:t>Search </a:t>
+              </a:r>
+              <a:r>
+                <a:rPr lang="en-US" sz="2400" dirty="0" smtClean="0"/>
+                <a:t>is the baseline for speed because of its simplicity</a:t>
+              </a:r>
             </a:p>
             <a:p>
+              <a:pPr marL="342900" indent="-342900">
+                <a:buFont typeface="Arial" charset="0"/>
+                <a:buChar char="•"/>
+              </a:pPr>
               <a:r>
-                <a:rPr lang="en-US" sz="2000" dirty="0"/>
-                <a:t>-To tell whether an algorithm is accurately finding the shortest path, we compare the algorithm’s run against Dijkstra, because Dijkstra is always correct. </a:t>
+                <a:rPr lang="en-US" sz="2400" dirty="0" smtClean="0"/>
+                <a:t>Dijkstra is the baseline for accuracy.</a:t>
               </a:r>
-              <a:endParaRPr lang="en-US" sz="2000" dirty="0"/>
             </a:p>
             <a:p>
+              <a:pPr marL="342900" indent="-342900">
+                <a:buFont typeface="Arial" charset="0"/>
+                <a:buChar char="•"/>
+              </a:pPr>
               <a:r>
-                <a:rPr lang="en-US" sz="2000" dirty="0"/>
-                <a:t>-In the experiment, you can change the size of the grid(independent), and you </a:t>
+                <a:rPr lang="en-US" sz="2400" dirty="0" smtClean="0"/>
+                <a:t>Variables include grid size, number and type of obstacles.</a:t>
               </a:r>
-              <a:r>
-                <a:rPr lang="en-US" sz="2000" dirty="0" smtClean="0"/>
-                <a:t>can create </a:t>
-              </a:r>
-              <a:r>
-                <a:rPr lang="en-US" sz="2000" dirty="0"/>
-                <a:t>obstacles. </a:t>
-              </a:r>
-              <a:endParaRPr lang="en-US" sz="2000" dirty="0"/>
-            </a:p>
-            <a:p>
               <a:r>
                 <a:rPr lang="en-US" dirty="0"/>
                 <a:t/>
@@ -11614,10 +7520,10 @@
         </p:nvGrpSpPr>
         <p:grpSpPr>
           <a:xfrm>
-            <a:off x="338718" y="13241924"/>
-            <a:ext cx="8744787" cy="2658520"/>
-            <a:chOff x="291444" y="13239103"/>
-            <a:chExt cx="8744787" cy="2658520"/>
+            <a:off x="333028" y="13777562"/>
+            <a:ext cx="8744787" cy="2602365"/>
+            <a:chOff x="343065" y="13233702"/>
+            <a:chExt cx="8744787" cy="2602365"/>
           </a:xfrm>
         </p:grpSpPr>
         <p:sp>
@@ -11628,7 +7534,7 @@
           </p:nvSpPr>
           <p:spPr>
             <a:xfrm>
-              <a:off x="291444" y="13518672"/>
+              <a:off x="343065" y="13520519"/>
               <a:ext cx="8744787" cy="2214935"/>
             </a:xfrm>
             <a:prstGeom prst="roundRect">
@@ -11683,7 +7589,7 @@
           </p:nvSpPr>
           <p:spPr>
             <a:xfrm>
-              <a:off x="651799" y="13239103"/>
+              <a:off x="853758" y="13233702"/>
               <a:ext cx="7787647" cy="2123658"/>
             </a:xfrm>
             <a:prstGeom prst="rect">
@@ -11732,7 +7638,7 @@
           <p:spPr>
             <a:xfrm>
               <a:off x="906956" y="14420295"/>
-              <a:ext cx="7491092" cy="1477328"/>
+              <a:ext cx="7491092" cy="1415772"/>
             </a:xfrm>
             <a:prstGeom prst="rect">
               <a:avLst/>
@@ -11747,18 +7653,22 @@
             <a:p>
               <a:r>
                 <a:rPr lang="en-US" sz="2400" dirty="0" smtClean="0"/>
-                <a:t>	I </a:t>
+                <a:t>	</a:t>
               </a:r>
               <a:r>
-                <a:rPr lang="en-US" sz="2400" dirty="0"/>
+                <a:rPr lang="en-US" sz="2200" dirty="0" smtClean="0"/>
+                <a:t>I </a:t>
+              </a:r>
+              <a:r>
+                <a:rPr lang="en-US" sz="2200" dirty="0"/>
                 <a:t>believe that Best-First will </a:t>
               </a:r>
               <a:r>
-                <a:rPr lang="en-US" sz="2400" dirty="0" smtClean="0"/>
+                <a:rPr lang="en-US" sz="2200" dirty="0" smtClean="0"/>
                 <a:t>be better than </a:t>
               </a:r>
               <a:r>
-                <a:rPr lang="en-US" sz="2400" dirty="0"/>
+                <a:rPr lang="en-US" sz="2200" dirty="0"/>
                 <a:t>all others because it is a lot faster, and, even though it is not 100%, I believe it will win with speed and efficiency. </a:t>
               </a:r>
             </a:p>
@@ -11768,16 +7678,473 @@
           </p:txBody>
         </p:sp>
       </p:grpSp>
+      <p:grpSp>
+        <p:nvGrpSpPr>
+          <p:cNvPr id="6" name="Group 5"/>
+          <p:cNvGrpSpPr/>
+          <p:nvPr/>
+        </p:nvGrpSpPr>
+        <p:grpSpPr>
+          <a:xfrm>
+            <a:off x="25924302" y="16866000"/>
+            <a:ext cx="6697764" cy="4803706"/>
+            <a:chOff x="25810395" y="4586438"/>
+            <a:chExt cx="6697764" cy="4803706"/>
+          </a:xfrm>
+        </p:grpSpPr>
+        <p:grpSp>
+          <p:nvGrpSpPr>
+            <p:cNvPr id="24" name="Group 23"/>
+            <p:cNvGrpSpPr/>
+            <p:nvPr/>
+          </p:nvGrpSpPr>
+          <p:grpSpPr>
+            <a:xfrm>
+              <a:off x="25810395" y="4586438"/>
+              <a:ext cx="6697764" cy="4803706"/>
+              <a:chOff x="26092576" y="9038646"/>
+              <a:chExt cx="6490112" cy="12336825"/>
+            </a:xfrm>
+          </p:grpSpPr>
+          <p:sp>
+            <p:nvSpPr>
+              <p:cNvPr id="34" name="Rounded Rectangle 33"/>
+              <p:cNvSpPr/>
+              <p:nvPr/>
+            </p:nvSpPr>
+            <p:spPr>
+              <a:xfrm>
+                <a:off x="26092576" y="9038646"/>
+                <a:ext cx="6490112" cy="12336825"/>
+              </a:xfrm>
+              <a:prstGeom prst="roundRect">
+                <a:avLst/>
+              </a:prstGeom>
+              <a:solidFill>
+                <a:schemeClr val="bg1"/>
+              </a:solidFill>
+              <a:ln>
+                <a:solidFill>
+                  <a:schemeClr val="bg1"/>
+                </a:solidFill>
+              </a:ln>
+              <a:effectLst>
+                <a:outerShdw blurRad="50800" dist="38100" dir="2700000" algn="tl" rotWithShape="0">
+                  <a:prstClr val="black">
+                    <a:alpha val="40000"/>
+                  </a:prstClr>
+                </a:outerShdw>
+              </a:effectLst>
+            </p:spPr>
+            <p:style>
+              <a:lnRef idx="2">
+                <a:schemeClr val="accent1">
+                  <a:shade val="50000"/>
+                </a:schemeClr>
+              </a:lnRef>
+              <a:fillRef idx="1">
+                <a:schemeClr val="accent1"/>
+              </a:fillRef>
+              <a:effectRef idx="0">
+                <a:schemeClr val="accent1"/>
+              </a:effectRef>
+              <a:fontRef idx="minor">
+                <a:schemeClr val="lt1"/>
+              </a:fontRef>
+            </p:style>
+            <p:txBody>
+              <a:bodyPr rtlCol="0" anchor="ctr"/>
+              <a:lstStyle/>
+              <a:p>
+                <a:pPr algn="ctr"/>
+                <a:endParaRPr lang="en-US"/>
+              </a:p>
+            </p:txBody>
+          </p:sp>
+          <p:sp>
+            <p:nvSpPr>
+              <p:cNvPr id="15" name="TextBox 14"/>
+              <p:cNvSpPr txBox="1"/>
+              <p:nvPr/>
+            </p:nvSpPr>
+            <p:spPr>
+              <a:xfrm>
+                <a:off x="26424915" y="9213308"/>
+                <a:ext cx="6146800" cy="461665"/>
+              </a:xfrm>
+              <a:prstGeom prst="rect">
+                <a:avLst/>
+              </a:prstGeom>
+              <a:noFill/>
+            </p:spPr>
+            <p:txBody>
+              <a:bodyPr wrap="square" rtlCol="0">
+                <a:spAutoFit/>
+              </a:bodyPr>
+              <a:lstStyle/>
+              <a:p>
+                <a:pPr algn="ctr"/>
+                <a:endParaRPr lang="en-US" sz="2400" dirty="0">
+                  <a:ea typeface="Century Gothic" charset="0"/>
+                  <a:cs typeface="Century Gothic" charset="0"/>
+                </a:endParaRPr>
+              </a:p>
+            </p:txBody>
+          </p:sp>
+        </p:grpSp>
+        <p:sp>
+          <p:nvSpPr>
+            <p:cNvPr id="38" name="TextBox 37"/>
+            <p:cNvSpPr txBox="1"/>
+            <p:nvPr/>
+          </p:nvSpPr>
+          <p:spPr>
+            <a:xfrm>
+              <a:off x="26287045" y="4968113"/>
+              <a:ext cx="6089002" cy="4216539"/>
+            </a:xfrm>
+            <a:prstGeom prst="rect">
+              <a:avLst/>
+            </a:prstGeom>
+            <a:noFill/>
+          </p:spPr>
+          <p:txBody>
+            <a:bodyPr wrap="square" rtlCol="0">
+              <a:spAutoFit/>
+            </a:bodyPr>
+            <a:lstStyle/>
+            <a:p>
+              <a:pPr algn="ctr"/>
+              <a:r>
+                <a:rPr lang="en-US" sz="3200" b="1" dirty="0" smtClean="0"/>
+                <a:t>Bibliography</a:t>
+              </a:r>
+            </a:p>
+            <a:p>
+              <a:pPr algn="ctr"/>
+              <a:endParaRPr lang="en-US" sz="3200" dirty="0"/>
+            </a:p>
+            <a:p>
+              <a:r>
+                <a:rPr lang="en-US" sz="2400" b="1" u="sng" dirty="0">
+                  <a:hlinkClick r:id="rId4"/>
+                </a:rPr>
+                <a:t>www.wikipedia.org</a:t>
+              </a:r>
+              <a:endParaRPr lang="en-US" sz="2400" dirty="0"/>
+            </a:p>
+            <a:p>
+              <a:r>
+                <a:rPr lang="en-US" sz="2400" b="1" u="sng" dirty="0">
+                  <a:hlinkClick r:id="rId5"/>
+                </a:rPr>
+                <a:t>www.theory.stanford.edu</a:t>
+              </a:r>
+              <a:endParaRPr lang="en-US" sz="2400" dirty="0"/>
+            </a:p>
+            <a:p>
+              <a:r>
+                <a:rPr lang="en-US" sz="2400" b="1" u="sng" dirty="0">
+                  <a:hlinkClick r:id="rId6"/>
+                </a:rPr>
+                <a:t>www.gamedev.stackexchange.com</a:t>
+              </a:r>
+              <a:endParaRPr lang="en-US" sz="2400" dirty="0"/>
+            </a:p>
+            <a:p>
+              <a:r>
+                <a:rPr lang="en-US" sz="2400" b="1" u="sng" dirty="0">
+                  <a:hlinkClick r:id="rId7"/>
+                </a:rPr>
+                <a:t>www.redblobgames.com/pathfinding/</a:t>
+              </a:r>
+              <a:endParaRPr lang="en-US" sz="2400" dirty="0"/>
+            </a:p>
+            <a:p>
+              <a:r>
+                <a:rPr lang="en-US" sz="2400" b="1" dirty="0" smtClean="0">
+                  <a:hlinkClick r:id="rId8"/>
+                </a:rPr>
+                <a:t>stackoverflow.com/questions/1937690/c-sharp-priority-queue</a:t>
+              </a:r>
+              <a:endParaRPr lang="en-US" sz="2400" dirty="0"/>
+            </a:p>
+            <a:p>
+              <a:r>
+                <a:rPr lang="en-US" sz="2400" b="1" u="sng" dirty="0">
+                  <a:hlinkClick r:id="rId9"/>
+                </a:rPr>
+                <a:t>www.ai-depot.com/Tutorial/PathFinding.html</a:t>
+              </a:r>
+              <a:endParaRPr lang="en-US" sz="2400" dirty="0"/>
+            </a:p>
+            <a:p>
+              <a:r>
+                <a:rPr lang="en-US" dirty="0"/>
+                <a:t/>
+              </a:r>
+              <a:br>
+                <a:rPr lang="en-US" dirty="0"/>
+              </a:br>
+              <a:endParaRPr lang="en-US" dirty="0"/>
+            </a:p>
+          </p:txBody>
+        </p:sp>
+      </p:grpSp>
+      <p:graphicFrame>
+        <p:nvGraphicFramePr>
+          <p:cNvPr id="65" name="Chart 64"/>
+          <p:cNvGraphicFramePr>
+            <a:graphicFrameLocks/>
+          </p:cNvGraphicFramePr>
+          <p:nvPr>
+            <p:extLst>
+              <p:ext uri="{D42A27DB-BD31-4B8C-83A1-F6EECF244321}">
+                <p14:modId xmlns:p14="http://schemas.microsoft.com/office/powerpoint/2010/main" val="1203172778"/>
+              </p:ext>
+            </p:extLst>
+          </p:nvPr>
+        </p:nvGraphicFramePr>
+        <p:xfrm>
+          <a:off x="10493392" y="11002976"/>
+          <a:ext cx="4552113" cy="4373027"/>
+        </p:xfrm>
+        <a:graphic>
+          <a:graphicData uri="http://schemas.openxmlformats.org/drawingml/2006/chart">
+            <c:chart xmlns:c="http://schemas.openxmlformats.org/drawingml/2006/chart" xmlns:r="http://schemas.openxmlformats.org/officeDocument/2006/relationships" r:id="rId10"/>
+          </a:graphicData>
+        </a:graphic>
+      </p:graphicFrame>
+      <p:graphicFrame>
+        <p:nvGraphicFramePr>
+          <p:cNvPr id="67" name="Chart 66"/>
+          <p:cNvGraphicFramePr>
+            <a:graphicFrameLocks/>
+          </p:cNvGraphicFramePr>
+          <p:nvPr>
+            <p:extLst>
+              <p:ext uri="{D42A27DB-BD31-4B8C-83A1-F6EECF244321}">
+                <p14:modId xmlns:p14="http://schemas.microsoft.com/office/powerpoint/2010/main" val="648458587"/>
+              </p:ext>
+            </p:extLst>
+          </p:nvPr>
+        </p:nvGraphicFramePr>
+        <p:xfrm>
+          <a:off x="15175698" y="11002976"/>
+          <a:ext cx="4377266" cy="4373027"/>
+        </p:xfrm>
+        <a:graphic>
+          <a:graphicData uri="http://schemas.openxmlformats.org/drawingml/2006/chart">
+            <c:chart xmlns:c="http://schemas.openxmlformats.org/drawingml/2006/chart" xmlns:r="http://schemas.openxmlformats.org/officeDocument/2006/relationships" r:id="rId11"/>
+          </a:graphicData>
+        </a:graphic>
+      </p:graphicFrame>
+      <p:graphicFrame>
+        <p:nvGraphicFramePr>
+          <p:cNvPr id="69" name="Chart 68"/>
+          <p:cNvGraphicFramePr>
+            <a:graphicFrameLocks/>
+          </p:cNvGraphicFramePr>
+          <p:nvPr>
+            <p:extLst>
+              <p:ext uri="{D42A27DB-BD31-4B8C-83A1-F6EECF244321}">
+                <p14:modId xmlns:p14="http://schemas.microsoft.com/office/powerpoint/2010/main" val="163963184"/>
+              </p:ext>
+            </p:extLst>
+          </p:nvPr>
+        </p:nvGraphicFramePr>
+        <p:xfrm>
+          <a:off x="19683157" y="10985303"/>
+          <a:ext cx="4666117" cy="4373027"/>
+        </p:xfrm>
+        <a:graphic>
+          <a:graphicData uri="http://schemas.openxmlformats.org/drawingml/2006/chart">
+            <c:chart xmlns:c="http://schemas.openxmlformats.org/drawingml/2006/chart" xmlns:r="http://schemas.openxmlformats.org/officeDocument/2006/relationships" r:id="rId12"/>
+          </a:graphicData>
+        </a:graphic>
+      </p:graphicFrame>
       <p:sp>
         <p:nvSpPr>
-          <p:cNvPr id="38" name="TextBox 37"/>
+          <p:cNvPr id="45" name="Rounded Rectangle 44"/>
+          <p:cNvSpPr/>
+          <p:nvPr/>
+        </p:nvSpPr>
+        <p:spPr>
+          <a:xfrm>
+            <a:off x="10228558" y="4533514"/>
+            <a:ext cx="5787640" cy="4762886"/>
+          </a:xfrm>
+          <a:prstGeom prst="roundRect">
+            <a:avLst/>
+          </a:prstGeom>
+          <a:ln>
+            <a:noFill/>
+          </a:ln>
+        </p:spPr>
+        <p:style>
+          <a:lnRef idx="2">
+            <a:schemeClr val="accent1">
+              <a:shade val="50000"/>
+            </a:schemeClr>
+          </a:lnRef>
+          <a:fillRef idx="1">
+            <a:schemeClr val="accent1"/>
+          </a:fillRef>
+          <a:effectRef idx="0">
+            <a:schemeClr val="accent1"/>
+          </a:effectRef>
+          <a:fontRef idx="minor">
+            <a:schemeClr val="lt1"/>
+          </a:fontRef>
+        </p:style>
+        <p:txBody>
+          <a:bodyPr rtlCol="0" anchor="ctr"/>
+          <a:lstStyle/>
+          <a:p>
+            <a:pPr algn="ctr"/>
+            <a:endParaRPr lang="en-US"/>
+          </a:p>
+        </p:txBody>
+      </p:sp>
+      <p:pic>
+        <p:nvPicPr>
+          <p:cNvPr id="79" name="Picture 78"/>
+          <p:cNvPicPr>
+            <a:picLocks noChangeAspect="1"/>
+          </p:cNvPicPr>
+          <p:nvPr/>
+        </p:nvPicPr>
+        <p:blipFill rotWithShape="1">
+          <a:blip r:embed="rId13">
+            <a:extLst>
+              <a:ext uri="{28A0092B-C50C-407E-A947-70E740481C1C}">
+                <a14:useLocalDpi xmlns:a14="http://schemas.microsoft.com/office/drawing/2010/main" val="0"/>
+              </a:ext>
+            </a:extLst>
+          </a:blip>
+          <a:srcRect l="5029" t="1932" r="26652" b="21669"/>
+          <a:stretch/>
+        </p:blipFill>
+        <p:spPr>
+          <a:xfrm>
+            <a:off x="11375580" y="6388255"/>
+            <a:ext cx="3557678" cy="3397865"/>
+          </a:xfrm>
+          <a:prstGeom prst="roundRect">
+            <a:avLst>
+              <a:gd name="adj" fmla="val 8594"/>
+            </a:avLst>
+          </a:prstGeom>
+          <a:solidFill>
+            <a:srgbClr val="FFFFFF">
+              <a:shade val="85000"/>
+            </a:srgbClr>
+          </a:solidFill>
+          <a:ln>
+            <a:noFill/>
+          </a:ln>
+          <a:effectLst>
+            <a:reflection blurRad="12700" stA="38000" endPos="28000" dist="5000" dir="5400000" sy="-100000" algn="bl" rotWithShape="0"/>
+          </a:effectLst>
+        </p:spPr>
+      </p:pic>
+      <p:sp>
+        <p:nvSpPr>
+          <p:cNvPr id="23" name="TextBox 22"/>
           <p:cNvSpPr txBox="1"/>
           <p:nvPr/>
         </p:nvSpPr>
         <p:spPr>
           <a:xfrm>
-            <a:off x="25999254" y="16807830"/>
-            <a:ext cx="6238418" cy="4216539"/>
+            <a:off x="10570020" y="4918288"/>
+            <a:ext cx="5247851" cy="1107996"/>
+          </a:xfrm>
+          <a:prstGeom prst="rect">
+            <a:avLst/>
+          </a:prstGeom>
+          <a:noFill/>
+        </p:spPr>
+        <p:txBody>
+          <a:bodyPr wrap="square" rtlCol="0">
+            <a:spAutoFit/>
+          </a:bodyPr>
+          <a:lstStyle/>
+          <a:p>
+            <a:pPr lvl="0"/>
+            <a:r>
+              <a:rPr lang="en-US" sz="2200" dirty="0">
+                <a:solidFill>
+                  <a:prstClr val="black"/>
+                </a:solidFill>
+                <a:cs typeface="Century Gothic"/>
+              </a:rPr>
+              <a:t>I made an interface in Unity to generate </a:t>
+            </a:r>
+            <a:r>
+              <a:rPr lang="en-US" sz="2200" dirty="0" smtClean="0">
+                <a:solidFill>
+                  <a:prstClr val="black"/>
+                </a:solidFill>
+                <a:cs typeface="Century Gothic"/>
+              </a:rPr>
+              <a:t>a random  </a:t>
+            </a:r>
+            <a:r>
+              <a:rPr lang="en-US" sz="2200" dirty="0">
+                <a:solidFill>
+                  <a:prstClr val="black"/>
+                </a:solidFill>
+                <a:cs typeface="Century Gothic"/>
+              </a:rPr>
+              <a:t>grid with obstacles. </a:t>
+            </a:r>
+            <a:r>
+              <a:rPr lang="en-US" sz="2200" dirty="0" smtClean="0">
+                <a:solidFill>
+                  <a:prstClr val="black"/>
+                </a:solidFill>
+                <a:cs typeface="Century Gothic"/>
+              </a:rPr>
+              <a:t>This allowed me to test </a:t>
+            </a:r>
+            <a:r>
+              <a:rPr lang="en-US" sz="2200" dirty="0">
+                <a:solidFill>
+                  <a:prstClr val="black"/>
+                </a:solidFill>
+                <a:cs typeface="Century Gothic"/>
+              </a:rPr>
+              <a:t>each algorithm on the same </a:t>
+            </a:r>
+            <a:r>
+              <a:rPr lang="en-US" sz="2200" dirty="0" smtClean="0">
+                <a:solidFill>
+                  <a:prstClr val="black"/>
+                </a:solidFill>
+                <a:cs typeface="Century Gothic"/>
+              </a:rPr>
+              <a:t>grid.</a:t>
+            </a:r>
+            <a:endParaRPr lang="en-US" sz="2648" dirty="0" smtClean="0">
+              <a:solidFill>
+                <a:prstClr val="black"/>
+              </a:solidFill>
+              <a:latin typeface="Century Gothic"/>
+              <a:cs typeface="Century Gothic"/>
+            </a:endParaRPr>
+          </a:p>
+        </p:txBody>
+      </p:sp>
+      <p:sp>
+        <p:nvSpPr>
+          <p:cNvPr id="39" name="TextBox 38"/>
+          <p:cNvSpPr txBox="1"/>
+          <p:nvPr/>
+        </p:nvSpPr>
+        <p:spPr>
+          <a:xfrm>
+            <a:off x="15130502" y="3630688"/>
+            <a:ext cx="4512884" cy="584775"/>
           </a:xfrm>
           <a:prstGeom prst="rect">
             <a:avLst/>
@@ -11793,339 +8160,2524 @@
             <a:pPr algn="ctr"/>
             <a:r>
               <a:rPr lang="en-US" sz="3200" b="1" dirty="0" smtClean="0"/>
-              <a:t>Bibliography</a:t>
+              <a:t>Data And Analysis</a:t>
             </a:r>
+            <a:endParaRPr lang="en-US" sz="3200" b="1" dirty="0"/>
           </a:p>
+        </p:txBody>
+      </p:sp>
+      <p:grpSp>
+        <p:nvGrpSpPr>
+          <p:cNvPr id="46" name="Group 45"/>
+          <p:cNvGrpSpPr/>
+          <p:nvPr/>
+        </p:nvGrpSpPr>
+        <p:grpSpPr>
+          <a:xfrm>
+            <a:off x="16386904" y="4552908"/>
+            <a:ext cx="8280414" cy="4485738"/>
+            <a:chOff x="16485257" y="4638088"/>
+            <a:chExt cx="8280414" cy="4130702"/>
+          </a:xfrm>
+        </p:grpSpPr>
+        <p:sp>
+          <p:nvSpPr>
+            <p:cNvPr id="44" name="Rounded Rectangle 43"/>
+            <p:cNvSpPr/>
+            <p:nvPr/>
+          </p:nvSpPr>
+          <p:spPr>
+            <a:xfrm>
+              <a:off x="16485257" y="4638088"/>
+              <a:ext cx="8235799" cy="4130702"/>
+            </a:xfrm>
+            <a:prstGeom prst="roundRect">
+              <a:avLst/>
+            </a:prstGeom>
+            <a:ln>
+              <a:noFill/>
+            </a:ln>
+          </p:spPr>
+          <p:style>
+            <a:lnRef idx="2">
+              <a:schemeClr val="accent2">
+                <a:shade val="50000"/>
+              </a:schemeClr>
+            </a:lnRef>
+            <a:fillRef idx="1">
+              <a:schemeClr val="accent2"/>
+            </a:fillRef>
+            <a:effectRef idx="0">
+              <a:schemeClr val="accent2"/>
+            </a:effectRef>
+            <a:fontRef idx="minor">
+              <a:schemeClr val="lt1"/>
+            </a:fontRef>
+          </p:style>
+          <p:txBody>
+            <a:bodyPr rtlCol="0" anchor="ctr"/>
+            <a:lstStyle/>
+            <a:p>
+              <a:pPr algn="ctr"/>
+              <a:endParaRPr lang="en-US"/>
+            </a:p>
+          </p:txBody>
+        </p:sp>
+        <p:grpSp>
+          <p:nvGrpSpPr>
+            <p:cNvPr id="16" name="Group 15"/>
+            <p:cNvGrpSpPr/>
+            <p:nvPr/>
+          </p:nvGrpSpPr>
+          <p:grpSpPr>
+            <a:xfrm>
+              <a:off x="16854291" y="6087388"/>
+              <a:ext cx="2506242" cy="2650099"/>
+              <a:chOff x="9987753" y="3898229"/>
+              <a:chExt cx="3357635" cy="3550361"/>
+            </a:xfrm>
+          </p:grpSpPr>
+          <p:pic>
+            <p:nvPicPr>
+              <p:cNvPr id="42" name="Picture 41"/>
+              <p:cNvPicPr>
+                <a:picLocks noChangeAspect="1"/>
+              </p:cNvPicPr>
+              <p:nvPr/>
+            </p:nvPicPr>
+            <p:blipFill rotWithShape="1">
+              <a:blip r:embed="rId14">
+                <a:extLst>
+                  <a:ext uri="{28A0092B-C50C-407E-A947-70E740481C1C}">
+                    <a14:useLocalDpi xmlns:a14="http://schemas.microsoft.com/office/drawing/2010/main" val="0"/>
+                  </a:ext>
+                </a:extLst>
+              </a:blip>
+              <a:srcRect l="29316" t="21262" r="32878" b="27550"/>
+              <a:stretch/>
+            </p:blipFill>
+            <p:spPr>
+              <a:xfrm>
+                <a:off x="9987753" y="3898229"/>
+                <a:ext cx="2966256" cy="3001360"/>
+              </a:xfrm>
+              <a:prstGeom prst="roundRect">
+                <a:avLst>
+                  <a:gd name="adj" fmla="val 8594"/>
+                </a:avLst>
+              </a:prstGeom>
+              <a:solidFill>
+                <a:srgbClr val="FFFFFF">
+                  <a:shade val="85000"/>
+                </a:srgbClr>
+              </a:solidFill>
+              <a:ln>
+                <a:noFill/>
+              </a:ln>
+              <a:effectLst>
+                <a:reflection blurRad="12700" stA="38000" endPos="28000" dist="5000" dir="5400000" sy="-100000" algn="bl" rotWithShape="0"/>
+              </a:effectLst>
+            </p:spPr>
+          </p:pic>
+          <p:sp>
+            <p:nvSpPr>
+              <p:cNvPr id="3" name="TextBox 2"/>
+              <p:cNvSpPr txBox="1"/>
+              <p:nvPr/>
+            </p:nvSpPr>
+            <p:spPr>
+              <a:xfrm>
+                <a:off x="10780692" y="6747628"/>
+                <a:ext cx="2564696" cy="700962"/>
+              </a:xfrm>
+              <a:prstGeom prst="rect">
+                <a:avLst/>
+              </a:prstGeom>
+              <a:noFill/>
+            </p:spPr>
+            <p:txBody>
+              <a:bodyPr wrap="square" rtlCol="0">
+                <a:spAutoFit/>
+              </a:bodyPr>
+              <a:lstStyle/>
+              <a:p>
+                <a:r>
+                  <a:rPr lang="en-US" sz="2000" dirty="0" smtClean="0"/>
+                  <a:t>U-Hole</a:t>
+                </a:r>
+                <a:r>
+                  <a:rPr lang="en-US" sz="2800" dirty="0" smtClean="0"/>
+                  <a:t> </a:t>
+                </a:r>
+                <a:endParaRPr lang="en-US" sz="2800" dirty="0"/>
+              </a:p>
+            </p:txBody>
+          </p:sp>
+        </p:grpSp>
+        <p:grpSp>
+          <p:nvGrpSpPr>
+            <p:cNvPr id="18" name="Group 17"/>
+            <p:cNvGrpSpPr/>
+            <p:nvPr/>
+          </p:nvGrpSpPr>
+          <p:grpSpPr>
+            <a:xfrm>
+              <a:off x="22222092" y="6058227"/>
+              <a:ext cx="2543579" cy="2499855"/>
+              <a:chOff x="13126961" y="3904434"/>
+              <a:chExt cx="3364805" cy="3369639"/>
+            </a:xfrm>
+          </p:grpSpPr>
+          <p:pic>
+            <p:nvPicPr>
+              <p:cNvPr id="41" name="Picture 40"/>
+              <p:cNvPicPr>
+                <a:picLocks noChangeAspect="1"/>
+              </p:cNvPicPr>
+              <p:nvPr/>
+            </p:nvPicPr>
+            <p:blipFill rotWithShape="1">
+              <a:blip r:embed="rId15">
+                <a:extLst>
+                  <a:ext uri="{28A0092B-C50C-407E-A947-70E740481C1C}">
+                    <a14:useLocalDpi xmlns:a14="http://schemas.microsoft.com/office/drawing/2010/main" val="0"/>
+                  </a:ext>
+                </a:extLst>
+              </a:blip>
+              <a:srcRect l="24764" t="14357" r="28978" b="22824"/>
+              <a:stretch/>
+            </p:blipFill>
+            <p:spPr>
+              <a:xfrm>
+                <a:off x="13126961" y="3904434"/>
+                <a:ext cx="2935551" cy="2988949"/>
+              </a:xfrm>
+              <a:prstGeom prst="roundRect">
+                <a:avLst>
+                  <a:gd name="adj" fmla="val 8594"/>
+                </a:avLst>
+              </a:prstGeom>
+              <a:solidFill>
+                <a:srgbClr val="FFFFFF">
+                  <a:shade val="85000"/>
+                </a:srgbClr>
+              </a:solidFill>
+              <a:ln>
+                <a:noFill/>
+              </a:ln>
+              <a:effectLst>
+                <a:reflection blurRad="12700" stA="38000" endPos="28000" dist="5000" dir="5400000" sy="-100000" algn="bl" rotWithShape="0"/>
+              </a:effectLst>
+            </p:spPr>
+          </p:pic>
+          <p:sp>
+            <p:nvSpPr>
+              <p:cNvPr id="54" name="TextBox 53"/>
+              <p:cNvSpPr txBox="1"/>
+              <p:nvPr/>
+            </p:nvSpPr>
+            <p:spPr>
+              <a:xfrm>
+                <a:off x="13927070" y="6873963"/>
+                <a:ext cx="2564696" cy="400110"/>
+              </a:xfrm>
+              <a:prstGeom prst="rect">
+                <a:avLst/>
+              </a:prstGeom>
+              <a:noFill/>
+            </p:spPr>
+            <p:txBody>
+              <a:bodyPr wrap="square" rtlCol="0">
+                <a:spAutoFit/>
+              </a:bodyPr>
+              <a:lstStyle/>
+              <a:p>
+                <a:r>
+                  <a:rPr lang="en-US" sz="2000" dirty="0" smtClean="0"/>
+                  <a:t>Maze</a:t>
+                </a:r>
+                <a:endParaRPr lang="en-US" sz="2000" dirty="0"/>
+              </a:p>
+            </p:txBody>
+          </p:sp>
+        </p:grpSp>
+        <p:grpSp>
+          <p:nvGrpSpPr>
+            <p:cNvPr id="21" name="Group 20"/>
+            <p:cNvGrpSpPr/>
+            <p:nvPr/>
+          </p:nvGrpSpPr>
+          <p:grpSpPr>
+            <a:xfrm>
+              <a:off x="19507754" y="6097560"/>
+              <a:ext cx="2752082" cy="2620740"/>
+              <a:chOff x="16203049" y="3907792"/>
+              <a:chExt cx="3592968" cy="3478247"/>
+            </a:xfrm>
+          </p:grpSpPr>
+          <p:pic>
+            <p:nvPicPr>
+              <p:cNvPr id="77" name="Picture 76"/>
+              <p:cNvPicPr>
+                <a:picLocks noChangeAspect="1"/>
+              </p:cNvPicPr>
+              <p:nvPr/>
+            </p:nvPicPr>
+            <p:blipFill rotWithShape="1">
+              <a:blip r:embed="rId16">
+                <a:extLst>
+                  <a:ext uri="{28A0092B-C50C-407E-A947-70E740481C1C}">
+                    <a14:useLocalDpi xmlns:a14="http://schemas.microsoft.com/office/drawing/2010/main" val="0"/>
+                  </a:ext>
+                </a:extLst>
+              </a:blip>
+              <a:srcRect l="28959" t="22446" r="33563" b="29132"/>
+              <a:stretch/>
+            </p:blipFill>
+            <p:spPr>
+              <a:xfrm>
+                <a:off x="16203049" y="3907792"/>
+                <a:ext cx="3061475" cy="2961924"/>
+              </a:xfrm>
+              <a:prstGeom prst="roundRect">
+                <a:avLst>
+                  <a:gd name="adj" fmla="val 8594"/>
+                </a:avLst>
+              </a:prstGeom>
+              <a:solidFill>
+                <a:srgbClr val="FFFFFF">
+                  <a:shade val="85000"/>
+                </a:srgbClr>
+              </a:solidFill>
+              <a:ln>
+                <a:noFill/>
+              </a:ln>
+              <a:effectLst>
+                <a:reflection blurRad="12700" stA="38000" endPos="28000" dist="5000" dir="5400000" sy="-100000" algn="bl" rotWithShape="0"/>
+              </a:effectLst>
+            </p:spPr>
+          </p:pic>
+          <p:sp>
+            <p:nvSpPr>
+              <p:cNvPr id="59" name="TextBox 58"/>
+              <p:cNvSpPr txBox="1"/>
+              <p:nvPr/>
+            </p:nvSpPr>
+            <p:spPr>
+              <a:xfrm>
+                <a:off x="17231320" y="6840108"/>
+                <a:ext cx="2564697" cy="545931"/>
+              </a:xfrm>
+              <a:prstGeom prst="rect">
+                <a:avLst/>
+              </a:prstGeom>
+              <a:noFill/>
+            </p:spPr>
+            <p:txBody>
+              <a:bodyPr wrap="square" rtlCol="0">
+                <a:spAutoFit/>
+              </a:bodyPr>
+              <a:lstStyle/>
+              <a:p>
+                <a:r>
+                  <a:rPr lang="en-US" sz="2000" dirty="0" smtClean="0"/>
+                  <a:t>Wall</a:t>
+                </a:r>
+                <a:endParaRPr lang="en-US" sz="2000" dirty="0"/>
+              </a:p>
+            </p:txBody>
+          </p:sp>
+        </p:grpSp>
+        <p:sp>
+          <p:nvSpPr>
+            <p:cNvPr id="40" name="TextBox 39"/>
+            <p:cNvSpPr txBox="1"/>
+            <p:nvPr/>
+          </p:nvSpPr>
+          <p:spPr>
+            <a:xfrm>
+              <a:off x="17340103" y="4952934"/>
+              <a:ext cx="6654135" cy="1046440"/>
+            </a:xfrm>
+            <a:prstGeom prst="rect">
+              <a:avLst/>
+            </a:prstGeom>
+            <a:noFill/>
+          </p:spPr>
+          <p:txBody>
+            <a:bodyPr wrap="square" rtlCol="0">
+              <a:spAutoFit/>
+            </a:bodyPr>
+            <a:lstStyle/>
+            <a:p>
+              <a:pPr lvl="0"/>
+              <a:r>
+                <a:rPr lang="en-US" sz="2200" dirty="0">
+                  <a:solidFill>
+                    <a:prstClr val="black"/>
+                  </a:solidFill>
+                  <a:cs typeface="Century Gothic"/>
+                </a:rPr>
+                <a:t>I also tested the algorithms with custom-designed grids to further investigate how different algorithms behaved. </a:t>
+              </a:r>
+            </a:p>
+            <a:p>
+              <a:endParaRPr lang="en-US" dirty="0"/>
+            </a:p>
+          </p:txBody>
+        </p:sp>
+      </p:grpSp>
+      <p:sp>
+        <p:nvSpPr>
+          <p:cNvPr id="61" name="TextBox 60"/>
+          <p:cNvSpPr txBox="1"/>
+          <p:nvPr/>
+        </p:nvSpPr>
+        <p:spPr>
+          <a:xfrm>
+            <a:off x="13496168" y="10231324"/>
+            <a:ext cx="7552873" cy="584775"/>
+          </a:xfrm>
+          <a:prstGeom prst="rect">
+            <a:avLst/>
+          </a:prstGeom>
+          <a:noFill/>
+        </p:spPr>
+        <p:txBody>
+          <a:bodyPr wrap="square" rtlCol="0">
+            <a:spAutoFit/>
+          </a:bodyPr>
+          <a:lstStyle/>
           <a:p>
             <a:pPr algn="ctr"/>
-            <a:endParaRPr lang="en-US" sz="3200" dirty="0"/>
+            <a:r>
+              <a:rPr lang="en-US" sz="3200" b="1" dirty="0" smtClean="0"/>
+              <a:t>Results for Randomly-Generated Obstacles</a:t>
+            </a:r>
+            <a:endParaRPr lang="en-US" sz="3200" b="1" dirty="0"/>
           </a:p>
+        </p:txBody>
+      </p:sp>
+      <p:sp>
+        <p:nvSpPr>
+          <p:cNvPr id="63" name="TextBox 62"/>
+          <p:cNvSpPr txBox="1"/>
+          <p:nvPr/>
+        </p:nvSpPr>
+        <p:spPr>
+          <a:xfrm>
+            <a:off x="14626143" y="15749301"/>
+            <a:ext cx="5180095" cy="584775"/>
+          </a:xfrm>
+          <a:prstGeom prst="rect">
+            <a:avLst/>
+          </a:prstGeom>
+          <a:noFill/>
+        </p:spPr>
+        <p:txBody>
+          <a:bodyPr wrap="square" rtlCol="0">
+            <a:spAutoFit/>
+          </a:bodyPr>
+          <a:lstStyle/>
           <a:p>
+            <a:pPr algn="ctr"/>
             <a:r>
-              <a:rPr lang="en-US" sz="2400" b="1" u="sng" dirty="0">
-                <a:hlinkClick r:id="rId4"/>
-              </a:rPr>
-              <a:t>www.wikipedia.org</a:t>
+              <a:rPr lang="en-US" sz="3200" b="1" dirty="0" smtClean="0"/>
+              <a:t>Results for Custom Obstacles</a:t>
             </a:r>
-            <a:endParaRPr lang="en-US" sz="2400" dirty="0"/>
-          </a:p>
-          <a:p>
-            <a:r>
-              <a:rPr lang="en-US" sz="2400" b="1" u="sng" dirty="0">
-                <a:hlinkClick r:id="rId5"/>
-              </a:rPr>
-              <a:t>www.theory.stanford.edu</a:t>
-            </a:r>
-            <a:endParaRPr lang="en-US" sz="2400" dirty="0"/>
-          </a:p>
-          <a:p>
-            <a:r>
-              <a:rPr lang="en-US" sz="2400" b="1" u="sng" dirty="0">
-                <a:hlinkClick r:id="rId6"/>
-              </a:rPr>
-              <a:t>www.gamedev.stackexchange.com</a:t>
-            </a:r>
-            <a:endParaRPr lang="en-US" sz="2400" dirty="0"/>
-          </a:p>
-          <a:p>
-            <a:r>
-              <a:rPr lang="en-US" sz="2400" b="1" u="sng" dirty="0">
-                <a:hlinkClick r:id="rId7"/>
-              </a:rPr>
-              <a:t>www.redblobgames.com/pathfinding/</a:t>
-            </a:r>
-            <a:endParaRPr lang="en-US" sz="2400" dirty="0"/>
-          </a:p>
-          <a:p>
-            <a:r>
-              <a:rPr lang="en-US" sz="2400" b="1" dirty="0" smtClean="0">
-                <a:hlinkClick r:id="rId8"/>
-              </a:rPr>
-              <a:t>stackoverflow.com/questions/1937690/c-sharp-priority-queue</a:t>
-            </a:r>
-            <a:endParaRPr lang="en-US" sz="2400" dirty="0"/>
-          </a:p>
-          <a:p>
-            <a:r>
-              <a:rPr lang="en-US" sz="2400" b="1" u="sng" dirty="0">
-                <a:hlinkClick r:id="rId9"/>
-              </a:rPr>
-              <a:t>www.ai-depot.com/Tutorial/PathFinding.html</a:t>
-            </a:r>
-            <a:endParaRPr lang="en-US" sz="2400" dirty="0"/>
-          </a:p>
-          <a:p>
-            <a:r>
-              <a:rPr lang="en-US" dirty="0"/>
-              <a:t/>
-            </a:r>
-            <a:br>
-              <a:rPr lang="en-US" dirty="0"/>
-            </a:br>
-            <a:endParaRPr lang="en-US" dirty="0"/>
+            <a:endParaRPr lang="en-US" sz="3200" b="1" dirty="0"/>
           </a:p>
         </p:txBody>
       </p:sp>
       <p:graphicFrame>
         <p:nvGraphicFramePr>
-          <p:cNvPr id="65" name="Chart 64"/>
+          <p:cNvPr id="60" name="Table 59"/>
           <p:cNvGraphicFramePr>
-            <a:graphicFrameLocks/>
+            <a:graphicFrameLocks noGrp="1"/>
           </p:cNvGraphicFramePr>
           <p:nvPr>
             <p:extLst>
               <p:ext uri="{D42A27DB-BD31-4B8C-83A1-F6EECF244321}">
-                <p14:modId xmlns:p14="http://schemas.microsoft.com/office/powerpoint/2010/main" val="1408251507"/>
+                <p14:modId xmlns:p14="http://schemas.microsoft.com/office/powerpoint/2010/main" val="1538314990"/>
               </p:ext>
             </p:extLst>
           </p:nvPr>
         </p:nvGraphicFramePr>
         <p:xfrm>
-          <a:off x="10751746" y="9004523"/>
-          <a:ext cx="4552113" cy="4373027"/>
+          <a:off x="10132695" y="16563702"/>
+          <a:ext cx="6949440" cy="1960980"/>
         </p:xfrm>
         <a:graphic>
-          <a:graphicData uri="http://schemas.openxmlformats.org/drawingml/2006/chart">
-            <c:chart xmlns:c="http://schemas.openxmlformats.org/drawingml/2006/chart" xmlns:r="http://schemas.openxmlformats.org/officeDocument/2006/relationships" r:id="rId10"/>
+          <a:graphicData uri="http://schemas.openxmlformats.org/drawingml/2006/table">
+            <a:tbl>
+              <a:tblPr firstRow="1" bandRow="1">
+                <a:tableStyleId>{5C22544A-7EE6-4342-B048-85BDC9FD1C3A}</a:tableStyleId>
+              </a:tblPr>
+              <a:tblGrid>
+                <a:gridCol w="1192062"/>
+                <a:gridCol w="1192062"/>
+                <a:gridCol w="1822329"/>
+                <a:gridCol w="1464277"/>
+                <a:gridCol w="1278710"/>
+              </a:tblGrid>
+              <a:tr h="334670">
+                <a:tc>
+                  <a:txBody>
+                    <a:bodyPr/>
+                    <a:lstStyle/>
+                    <a:p>
+                      <a:r>
+                        <a:rPr lang="en-US" sz="2000" dirty="0" smtClean="0"/>
+                        <a:t>Name</a:t>
+                      </a:r>
+                      <a:endParaRPr lang="en-US" sz="2000" dirty="0"/>
+                    </a:p>
+                  </a:txBody>
+                  <a:tcPr marL="29078" marR="29078" marT="14539" marB="14539"/>
+                </a:tc>
+                <a:tc>
+                  <a:txBody>
+                    <a:bodyPr/>
+                    <a:lstStyle/>
+                    <a:p>
+                      <a:r>
+                        <a:rPr lang="en-US" sz="2000" dirty="0" smtClean="0"/>
+                        <a:t>Time</a:t>
+                      </a:r>
+                      <a:endParaRPr lang="en-US" sz="2000" dirty="0"/>
+                    </a:p>
+                  </a:txBody>
+                  <a:tcPr marL="29078" marR="29078" marT="14539" marB="14539"/>
+                </a:tc>
+                <a:tc>
+                  <a:txBody>
+                    <a:bodyPr/>
+                    <a:lstStyle/>
+                    <a:p>
+                      <a:r>
+                        <a:rPr lang="en-US" sz="2000" dirty="0" smtClean="0"/>
+                        <a:t>Total Explored</a:t>
+                      </a:r>
+                      <a:endParaRPr lang="en-US" sz="2000" dirty="0"/>
+                    </a:p>
+                  </a:txBody>
+                  <a:tcPr marL="29078" marR="29078" marT="14539" marB="14539"/>
+                </a:tc>
+                <a:tc>
+                  <a:txBody>
+                    <a:bodyPr/>
+                    <a:lstStyle/>
+                    <a:p>
+                      <a:r>
+                        <a:rPr lang="en-US" sz="2000" dirty="0" smtClean="0"/>
+                        <a:t>Path Found</a:t>
+                      </a:r>
+                      <a:endParaRPr lang="en-US" sz="2000" dirty="0"/>
+                    </a:p>
+                  </a:txBody>
+                  <a:tcPr marL="29078" marR="29078" marT="14539" marB="14539"/>
+                </a:tc>
+                <a:tc>
+                  <a:txBody>
+                    <a:bodyPr/>
+                    <a:lstStyle/>
+                    <a:p>
+                      <a:r>
+                        <a:rPr lang="en-US" sz="2000" dirty="0" smtClean="0"/>
+                        <a:t>Accurate?</a:t>
+                      </a:r>
+                      <a:endParaRPr lang="en-US" sz="2000" dirty="0"/>
+                    </a:p>
+                  </a:txBody>
+                  <a:tcPr marL="29078" marR="29078" marT="14539" marB="14539"/>
+                </a:tc>
+              </a:tr>
+              <a:tr h="334670">
+                <a:tc>
+                  <a:txBody>
+                    <a:bodyPr/>
+                    <a:lstStyle/>
+                    <a:p>
+                      <a:pPr algn="l" fontAlgn="b"/>
+                      <a:r>
+                        <a:rPr lang="en-US" sz="2000" b="0" i="0" u="none" strike="noStrike" dirty="0">
+                          <a:solidFill>
+                            <a:srgbClr val="000000"/>
+                          </a:solidFill>
+                          <a:effectLst/>
+                          <a:latin typeface="Calibri" charset="0"/>
+                        </a:rPr>
+                        <a:t>Breadth-First</a:t>
+                      </a:r>
+                    </a:p>
+                  </a:txBody>
+                  <a:tcPr marL="12700" marR="12700" marT="12700" marB="0" anchor="b"/>
+                </a:tc>
+                <a:tc>
+                  <a:txBody>
+                    <a:bodyPr/>
+                    <a:lstStyle/>
+                    <a:p>
+                      <a:pPr algn="l" fontAlgn="b"/>
+                      <a:r>
+                        <a:rPr lang="nb-NO" sz="2000" b="0" i="0" u="none" strike="noStrike" dirty="0">
+                          <a:solidFill>
+                            <a:srgbClr val="000000"/>
+                          </a:solidFill>
+                          <a:effectLst/>
+                          <a:latin typeface="Calibri" charset="0"/>
+                        </a:rPr>
+                        <a:t>15.5</a:t>
+                      </a:r>
+                    </a:p>
+                  </a:txBody>
+                  <a:tcPr marL="12700" marR="12700" marT="12700" marB="0" anchor="b"/>
+                </a:tc>
+                <a:tc>
+                  <a:txBody>
+                    <a:bodyPr/>
+                    <a:lstStyle/>
+                    <a:p>
+                      <a:pPr algn="l" fontAlgn="b"/>
+                      <a:r>
+                        <a:rPr lang="is-IS" sz="2000" b="0" i="0" u="none" strike="noStrike" dirty="0">
+                          <a:solidFill>
+                            <a:srgbClr val="000000"/>
+                          </a:solidFill>
+                          <a:effectLst/>
+                          <a:latin typeface="Calibri" charset="0"/>
+                        </a:rPr>
+                        <a:t>605</a:t>
+                      </a:r>
+                    </a:p>
+                  </a:txBody>
+                  <a:tcPr marL="12700" marR="12700" marT="12700" marB="0" anchor="b"/>
+                </a:tc>
+                <a:tc>
+                  <a:txBody>
+                    <a:bodyPr/>
+                    <a:lstStyle/>
+                    <a:p>
+                      <a:pPr algn="l" fontAlgn="b"/>
+                      <a:r>
+                        <a:rPr lang="is-IS" sz="2000" b="0" i="0" u="none" strike="noStrike" dirty="0">
+                          <a:solidFill>
+                            <a:srgbClr val="000000"/>
+                          </a:solidFill>
+                          <a:effectLst/>
+                          <a:latin typeface="Calibri" charset="0"/>
+                        </a:rPr>
+                        <a:t>42</a:t>
+                      </a:r>
+                    </a:p>
+                  </a:txBody>
+                  <a:tcPr marL="12700" marR="12700" marT="12700" marB="0" anchor="b"/>
+                </a:tc>
+                <a:tc>
+                  <a:txBody>
+                    <a:bodyPr/>
+                    <a:lstStyle/>
+                    <a:p>
+                      <a:pPr algn="l" fontAlgn="b"/>
+                      <a:r>
+                        <a:rPr lang="tr-TR" sz="2000" b="0" i="0" u="none" strike="noStrike" dirty="0">
+                          <a:solidFill>
+                            <a:srgbClr val="006100"/>
+                          </a:solidFill>
+                          <a:effectLst/>
+                          <a:latin typeface="Calibri" charset="0"/>
+                        </a:rPr>
+                        <a:t>Y</a:t>
+                      </a:r>
+                    </a:p>
+                  </a:txBody>
+                  <a:tcPr marL="12700" marR="12700" marT="12700" marB="0" anchor="b"/>
+                </a:tc>
+              </a:tr>
+              <a:tr h="334670">
+                <a:tc>
+                  <a:txBody>
+                    <a:bodyPr/>
+                    <a:lstStyle/>
+                    <a:p>
+                      <a:pPr algn="l" fontAlgn="b"/>
+                      <a:r>
+                        <a:rPr lang="en-US" sz="2000" b="0" i="0" u="none" strike="noStrike" dirty="0">
+                          <a:solidFill>
+                            <a:srgbClr val="000000"/>
+                          </a:solidFill>
+                          <a:effectLst/>
+                          <a:latin typeface="Calibri" charset="0"/>
+                        </a:rPr>
+                        <a:t>Best-First</a:t>
+                      </a:r>
+                    </a:p>
+                  </a:txBody>
+                  <a:tcPr marL="12700" marR="12700" marT="12700" marB="0" anchor="b"/>
+                </a:tc>
+                <a:tc>
+                  <a:txBody>
+                    <a:bodyPr/>
+                    <a:lstStyle/>
+                    <a:p>
+                      <a:pPr algn="l" fontAlgn="b"/>
+                      <a:r>
+                        <a:rPr lang="hr-HR" sz="2000" b="0" i="0" u="none" strike="noStrike">
+                          <a:solidFill>
+                            <a:srgbClr val="000000"/>
+                          </a:solidFill>
+                          <a:effectLst/>
+                          <a:latin typeface="Calibri" charset="0"/>
+                        </a:rPr>
+                        <a:t>6.3</a:t>
+                      </a:r>
+                    </a:p>
+                  </a:txBody>
+                  <a:tcPr marL="12700" marR="12700" marT="12700" marB="0" anchor="b"/>
+                </a:tc>
+                <a:tc>
+                  <a:txBody>
+                    <a:bodyPr/>
+                    <a:lstStyle/>
+                    <a:p>
+                      <a:pPr algn="l" fontAlgn="b"/>
+                      <a:r>
+                        <a:rPr lang="is-IS" sz="2000" b="0" i="0" u="none" strike="noStrike">
+                          <a:solidFill>
+                            <a:srgbClr val="000000"/>
+                          </a:solidFill>
+                          <a:effectLst/>
+                          <a:latin typeface="Calibri" charset="0"/>
+                        </a:rPr>
+                        <a:t>239</a:t>
+                      </a:r>
+                    </a:p>
+                  </a:txBody>
+                  <a:tcPr marL="12700" marR="12700" marT="12700" marB="0" anchor="b"/>
+                </a:tc>
+                <a:tc>
+                  <a:txBody>
+                    <a:bodyPr/>
+                    <a:lstStyle/>
+                    <a:p>
+                      <a:pPr algn="l" fontAlgn="b"/>
+                      <a:r>
+                        <a:rPr lang="is-IS" sz="2000" b="0" i="0" u="none" strike="noStrike">
+                          <a:solidFill>
+                            <a:srgbClr val="000000"/>
+                          </a:solidFill>
+                          <a:effectLst/>
+                          <a:latin typeface="Calibri" charset="0"/>
+                        </a:rPr>
+                        <a:t>72</a:t>
+                      </a:r>
+                    </a:p>
+                  </a:txBody>
+                  <a:tcPr marL="12700" marR="12700" marT="12700" marB="0" anchor="b"/>
+                </a:tc>
+                <a:tc>
+                  <a:txBody>
+                    <a:bodyPr/>
+                    <a:lstStyle/>
+                    <a:p>
+                      <a:pPr algn="l" fontAlgn="b"/>
+                      <a:r>
+                        <a:rPr lang="en-US" sz="2000" b="0" i="0" u="none" strike="noStrike" dirty="0">
+                          <a:solidFill>
+                            <a:srgbClr val="9C0006"/>
+                          </a:solidFill>
+                          <a:effectLst/>
+                          <a:latin typeface="Calibri" charset="0"/>
+                        </a:rPr>
+                        <a:t>N</a:t>
+                      </a:r>
+                    </a:p>
+                  </a:txBody>
+                  <a:tcPr marL="12700" marR="12700" marT="12700" marB="0" anchor="b"/>
+                </a:tc>
+              </a:tr>
+              <a:tr h="334670">
+                <a:tc>
+                  <a:txBody>
+                    <a:bodyPr/>
+                    <a:lstStyle/>
+                    <a:p>
+                      <a:pPr algn="l" fontAlgn="b"/>
+                      <a:r>
+                        <a:rPr lang="en-US" sz="2000" b="0" i="0" u="none" strike="noStrike">
+                          <a:solidFill>
+                            <a:srgbClr val="000000"/>
+                          </a:solidFill>
+                          <a:effectLst/>
+                          <a:latin typeface="Calibri" charset="0"/>
+                        </a:rPr>
+                        <a:t>Dijkstra</a:t>
+                      </a:r>
+                    </a:p>
+                  </a:txBody>
+                  <a:tcPr marL="12700" marR="12700" marT="12700" marB="0" anchor="b"/>
+                </a:tc>
+                <a:tc>
+                  <a:txBody>
+                    <a:bodyPr/>
+                    <a:lstStyle/>
+                    <a:p>
+                      <a:pPr algn="l" fontAlgn="b"/>
+                      <a:r>
+                        <a:rPr lang="hr-HR" sz="2000" b="0" i="0" u="none" strike="noStrike">
+                          <a:solidFill>
+                            <a:srgbClr val="000000"/>
+                          </a:solidFill>
+                          <a:effectLst/>
+                          <a:latin typeface="Calibri" charset="0"/>
+                        </a:rPr>
+                        <a:t>16.4</a:t>
+                      </a:r>
+                    </a:p>
+                  </a:txBody>
+                  <a:tcPr marL="12700" marR="12700" marT="12700" marB="0" anchor="b"/>
+                </a:tc>
+                <a:tc>
+                  <a:txBody>
+                    <a:bodyPr/>
+                    <a:lstStyle/>
+                    <a:p>
+                      <a:pPr algn="l" fontAlgn="b"/>
+                      <a:r>
+                        <a:rPr lang="is-IS" sz="2000" b="0" i="0" u="none" strike="noStrike">
+                          <a:solidFill>
+                            <a:srgbClr val="000000"/>
+                          </a:solidFill>
+                          <a:effectLst/>
+                          <a:latin typeface="Calibri" charset="0"/>
+                        </a:rPr>
+                        <a:t>593</a:t>
+                      </a:r>
+                    </a:p>
+                  </a:txBody>
+                  <a:tcPr marL="12700" marR="12700" marT="12700" marB="0" anchor="b"/>
+                </a:tc>
+                <a:tc>
+                  <a:txBody>
+                    <a:bodyPr/>
+                    <a:lstStyle/>
+                    <a:p>
+                      <a:pPr algn="l" fontAlgn="b"/>
+                      <a:r>
+                        <a:rPr lang="is-IS" sz="2000" b="0" i="0" u="none" strike="noStrike">
+                          <a:solidFill>
+                            <a:srgbClr val="000000"/>
+                          </a:solidFill>
+                          <a:effectLst/>
+                          <a:latin typeface="Calibri" charset="0"/>
+                        </a:rPr>
+                        <a:t>42</a:t>
+                      </a:r>
+                    </a:p>
+                  </a:txBody>
+                  <a:tcPr marL="12700" marR="12700" marT="12700" marB="0" anchor="b"/>
+                </a:tc>
+                <a:tc>
+                  <a:txBody>
+                    <a:bodyPr/>
+                    <a:lstStyle/>
+                    <a:p>
+                      <a:pPr algn="l" fontAlgn="b"/>
+                      <a:r>
+                        <a:rPr lang="tr-TR" sz="2000" b="0" i="0" u="none" strike="noStrike" dirty="0">
+                          <a:solidFill>
+                            <a:srgbClr val="006100"/>
+                          </a:solidFill>
+                          <a:effectLst/>
+                          <a:latin typeface="Calibri" charset="0"/>
+                        </a:rPr>
+                        <a:t>Y</a:t>
+                      </a:r>
+                    </a:p>
+                  </a:txBody>
+                  <a:tcPr marL="12700" marR="12700" marT="12700" marB="0" anchor="b"/>
+                </a:tc>
+              </a:tr>
+              <a:tr h="334670">
+                <a:tc>
+                  <a:txBody>
+                    <a:bodyPr/>
+                    <a:lstStyle/>
+                    <a:p>
+                      <a:pPr algn="l" fontAlgn="b"/>
+                      <a:r>
+                        <a:rPr lang="en-US" sz="2000" b="0" i="0" u="none" strike="noStrike">
+                          <a:solidFill>
+                            <a:srgbClr val="000000"/>
+                          </a:solidFill>
+                          <a:effectLst/>
+                          <a:latin typeface="Calibri" charset="0"/>
+                        </a:rPr>
+                        <a:t>A*</a:t>
+                      </a:r>
+                    </a:p>
+                  </a:txBody>
+                  <a:tcPr marL="12700" marR="12700" marT="12700" marB="0" anchor="b"/>
+                </a:tc>
+                <a:tc>
+                  <a:txBody>
+                    <a:bodyPr/>
+                    <a:lstStyle/>
+                    <a:p>
+                      <a:pPr algn="l" fontAlgn="b"/>
+                      <a:r>
+                        <a:rPr lang="nb-NO" sz="2000" b="0" i="0" u="none" strike="noStrike" dirty="0">
+                          <a:solidFill>
+                            <a:srgbClr val="000000"/>
+                          </a:solidFill>
+                          <a:effectLst/>
+                          <a:latin typeface="Calibri" charset="0"/>
+                        </a:rPr>
+                        <a:t>11.3</a:t>
+                      </a:r>
+                    </a:p>
+                  </a:txBody>
+                  <a:tcPr marL="12700" marR="12700" marT="12700" marB="0" anchor="b"/>
+                </a:tc>
+                <a:tc>
+                  <a:txBody>
+                    <a:bodyPr/>
+                    <a:lstStyle/>
+                    <a:p>
+                      <a:pPr algn="l" fontAlgn="b"/>
+                      <a:r>
+                        <a:rPr lang="is-IS" sz="2000" b="0" i="0" u="none" strike="noStrike" dirty="0">
+                          <a:solidFill>
+                            <a:srgbClr val="000000"/>
+                          </a:solidFill>
+                          <a:effectLst/>
+                          <a:latin typeface="Calibri" charset="0"/>
+                        </a:rPr>
+                        <a:t>424</a:t>
+                      </a:r>
+                    </a:p>
+                  </a:txBody>
+                  <a:tcPr marL="12700" marR="12700" marT="12700" marB="0" anchor="b"/>
+                </a:tc>
+                <a:tc>
+                  <a:txBody>
+                    <a:bodyPr/>
+                    <a:lstStyle/>
+                    <a:p>
+                      <a:pPr algn="l" fontAlgn="b"/>
+                      <a:r>
+                        <a:rPr lang="is-IS" sz="2000" b="0" i="0" u="none" strike="noStrike" dirty="0">
+                          <a:solidFill>
+                            <a:srgbClr val="000000"/>
+                          </a:solidFill>
+                          <a:effectLst/>
+                          <a:latin typeface="Calibri" charset="0"/>
+                        </a:rPr>
+                        <a:t>42</a:t>
+                      </a:r>
+                    </a:p>
+                  </a:txBody>
+                  <a:tcPr marL="12700" marR="12700" marT="12700" marB="0" anchor="b"/>
+                </a:tc>
+                <a:tc>
+                  <a:txBody>
+                    <a:bodyPr/>
+                    <a:lstStyle/>
+                    <a:p>
+                      <a:pPr algn="l" fontAlgn="b"/>
+                      <a:r>
+                        <a:rPr lang="tr-TR" sz="2000" b="0" i="0" u="none" strike="noStrike" dirty="0">
+                          <a:solidFill>
+                            <a:srgbClr val="006100"/>
+                          </a:solidFill>
+                          <a:effectLst/>
+                          <a:latin typeface="Calibri" charset="0"/>
+                        </a:rPr>
+                        <a:t>Y</a:t>
+                      </a:r>
+                    </a:p>
+                  </a:txBody>
+                  <a:tcPr marL="12700" marR="12700" marT="12700" marB="0" anchor="b"/>
+                </a:tc>
+              </a:tr>
+            </a:tbl>
           </a:graphicData>
         </a:graphic>
       </p:graphicFrame>
       <p:graphicFrame>
         <p:nvGraphicFramePr>
-          <p:cNvPr id="66" name="Chart 65"/>
+          <p:cNvPr id="72" name="Table 71"/>
           <p:cNvGraphicFramePr>
-            <a:graphicFrameLocks/>
+            <a:graphicFrameLocks noGrp="1"/>
           </p:cNvGraphicFramePr>
           <p:nvPr>
             <p:extLst>
               <p:ext uri="{D42A27DB-BD31-4B8C-83A1-F6EECF244321}">
-                <p14:modId xmlns:p14="http://schemas.microsoft.com/office/powerpoint/2010/main" val="715144249"/>
+                <p14:modId xmlns:p14="http://schemas.microsoft.com/office/powerpoint/2010/main" val="647050949"/>
               </p:ext>
             </p:extLst>
           </p:nvPr>
         </p:nvGraphicFramePr>
         <p:xfrm>
-          <a:off x="10718008" y="13391049"/>
-          <a:ext cx="4585851" cy="4066674"/>
+          <a:off x="17216192" y="16560799"/>
+          <a:ext cx="7220355" cy="1977793"/>
         </p:xfrm>
         <a:graphic>
-          <a:graphicData uri="http://schemas.openxmlformats.org/drawingml/2006/chart">
-            <c:chart xmlns:c="http://schemas.openxmlformats.org/drawingml/2006/chart" xmlns:r="http://schemas.openxmlformats.org/officeDocument/2006/relationships" r:id="rId11"/>
+          <a:graphicData uri="http://schemas.openxmlformats.org/drawingml/2006/table">
+            <a:tbl>
+              <a:tblPr firstRow="1" bandRow="1">
+                <a:tableStyleId>{5C22544A-7EE6-4342-B048-85BDC9FD1C3A}</a:tableStyleId>
+              </a:tblPr>
+              <a:tblGrid>
+                <a:gridCol w="1238533"/>
+                <a:gridCol w="1238533"/>
+                <a:gridCol w="1893370"/>
+                <a:gridCol w="1521360"/>
+                <a:gridCol w="1328559"/>
+              </a:tblGrid>
+              <a:tr h="286485">
+                <a:tc>
+                  <a:txBody>
+                    <a:bodyPr/>
+                    <a:lstStyle/>
+                    <a:p>
+                      <a:r>
+                        <a:rPr lang="en-US" sz="2000" dirty="0" smtClean="0"/>
+                        <a:t>Name</a:t>
+                      </a:r>
+                      <a:endParaRPr lang="en-US" sz="2000" dirty="0"/>
+                    </a:p>
+                  </a:txBody>
+                  <a:tcPr marL="29078" marR="29078" marT="14539" marB="14539"/>
+                </a:tc>
+                <a:tc>
+                  <a:txBody>
+                    <a:bodyPr/>
+                    <a:lstStyle/>
+                    <a:p>
+                      <a:r>
+                        <a:rPr lang="en-US" sz="2000" dirty="0" smtClean="0"/>
+                        <a:t>Time</a:t>
+                      </a:r>
+                      <a:endParaRPr lang="en-US" sz="2000" dirty="0"/>
+                    </a:p>
+                  </a:txBody>
+                  <a:tcPr marL="29078" marR="29078" marT="14539" marB="14539"/>
+                </a:tc>
+                <a:tc>
+                  <a:txBody>
+                    <a:bodyPr/>
+                    <a:lstStyle/>
+                    <a:p>
+                      <a:r>
+                        <a:rPr lang="en-US" sz="2000" dirty="0" smtClean="0"/>
+                        <a:t>Total Explored</a:t>
+                      </a:r>
+                      <a:endParaRPr lang="en-US" sz="2000" dirty="0"/>
+                    </a:p>
+                  </a:txBody>
+                  <a:tcPr marL="29078" marR="29078" marT="14539" marB="14539"/>
+                </a:tc>
+                <a:tc>
+                  <a:txBody>
+                    <a:bodyPr/>
+                    <a:lstStyle/>
+                    <a:p>
+                      <a:r>
+                        <a:rPr lang="en-US" sz="2000" dirty="0" smtClean="0"/>
+                        <a:t>Path Found</a:t>
+                      </a:r>
+                      <a:endParaRPr lang="en-US" sz="2000" dirty="0"/>
+                    </a:p>
+                  </a:txBody>
+                  <a:tcPr marL="29078" marR="29078" marT="14539" marB="14539"/>
+                </a:tc>
+                <a:tc>
+                  <a:txBody>
+                    <a:bodyPr/>
+                    <a:lstStyle/>
+                    <a:p>
+                      <a:r>
+                        <a:rPr lang="en-US" sz="2000" dirty="0" smtClean="0"/>
+                        <a:t>Accurate?</a:t>
+                      </a:r>
+                      <a:endParaRPr lang="en-US" sz="2000" dirty="0"/>
+                    </a:p>
+                  </a:txBody>
+                  <a:tcPr marL="29078" marR="29078" marT="14539" marB="14539"/>
+                </a:tc>
+              </a:tr>
+              <a:tr h="384424">
+                <a:tc>
+                  <a:txBody>
+                    <a:bodyPr/>
+                    <a:lstStyle/>
+                    <a:p>
+                      <a:pPr algn="l" fontAlgn="b"/>
+                      <a:r>
+                        <a:rPr lang="en-US" sz="2000" b="0" i="0" u="none" strike="noStrike" dirty="0">
+                          <a:solidFill>
+                            <a:srgbClr val="000000"/>
+                          </a:solidFill>
+                          <a:effectLst/>
+                          <a:latin typeface="Calibri" charset="0"/>
+                        </a:rPr>
+                        <a:t>Breadth-First</a:t>
+                      </a:r>
+                    </a:p>
+                  </a:txBody>
+                  <a:tcPr marL="12700" marR="12700" marT="12700" marB="0" anchor="b"/>
+                </a:tc>
+                <a:tc>
+                  <a:txBody>
+                    <a:bodyPr/>
+                    <a:lstStyle/>
+                    <a:p>
+                      <a:pPr algn="l" fontAlgn="b"/>
+                      <a:r>
+                        <a:rPr lang="en-US" sz="2000" b="0" i="0" u="none" strike="noStrike" dirty="0">
+                          <a:solidFill>
+                            <a:srgbClr val="000000"/>
+                          </a:solidFill>
+                          <a:effectLst/>
+                          <a:latin typeface="Calibri" charset="0"/>
+                        </a:rPr>
+                        <a:t>19</a:t>
+                      </a:r>
+                    </a:p>
+                  </a:txBody>
+                  <a:tcPr marL="12700" marR="12700" marT="12700" marB="0" anchor="b"/>
+                </a:tc>
+                <a:tc>
+                  <a:txBody>
+                    <a:bodyPr/>
+                    <a:lstStyle/>
+                    <a:p>
+                      <a:pPr algn="l" fontAlgn="b"/>
+                      <a:r>
+                        <a:rPr lang="ru-RU" sz="2000" b="0" i="0" u="none" strike="noStrike" dirty="0">
+                          <a:solidFill>
+                            <a:srgbClr val="000000"/>
+                          </a:solidFill>
+                          <a:effectLst/>
+                          <a:latin typeface="Calibri" charset="0"/>
+                        </a:rPr>
+                        <a:t>757</a:t>
+                      </a:r>
+                    </a:p>
+                  </a:txBody>
+                  <a:tcPr marL="12700" marR="12700" marT="12700" marB="0" anchor="b"/>
+                </a:tc>
+                <a:tc>
+                  <a:txBody>
+                    <a:bodyPr/>
+                    <a:lstStyle/>
+                    <a:p>
+                      <a:pPr algn="l" fontAlgn="b"/>
+                      <a:r>
+                        <a:rPr lang="en-US" sz="2000" b="0" i="0" u="none" strike="noStrike" dirty="0">
+                          <a:solidFill>
+                            <a:srgbClr val="000000"/>
+                          </a:solidFill>
+                          <a:effectLst/>
+                          <a:latin typeface="Calibri" charset="0"/>
+                        </a:rPr>
+                        <a:t>70</a:t>
+                      </a:r>
+                    </a:p>
+                  </a:txBody>
+                  <a:tcPr marL="12700" marR="12700" marT="12700" marB="0" anchor="b"/>
+                </a:tc>
+                <a:tc>
+                  <a:txBody>
+                    <a:bodyPr/>
+                    <a:lstStyle/>
+                    <a:p>
+                      <a:pPr algn="l" fontAlgn="b"/>
+                      <a:r>
+                        <a:rPr lang="tr-TR" sz="2000" b="0" i="0" u="none" strike="noStrike" dirty="0">
+                          <a:solidFill>
+                            <a:srgbClr val="006100"/>
+                          </a:solidFill>
+                          <a:effectLst/>
+                          <a:latin typeface="Calibri" charset="0"/>
+                        </a:rPr>
+                        <a:t>Y</a:t>
+                      </a:r>
+                    </a:p>
+                  </a:txBody>
+                  <a:tcPr marL="12700" marR="12700" marT="12700" marB="0" anchor="b"/>
+                </a:tc>
+              </a:tr>
+              <a:tr h="384424">
+                <a:tc>
+                  <a:txBody>
+                    <a:bodyPr/>
+                    <a:lstStyle/>
+                    <a:p>
+                      <a:pPr algn="l" fontAlgn="b"/>
+                      <a:r>
+                        <a:rPr lang="en-US" sz="2000" b="0" i="0" u="none" strike="noStrike">
+                          <a:solidFill>
+                            <a:srgbClr val="000000"/>
+                          </a:solidFill>
+                          <a:effectLst/>
+                          <a:latin typeface="Calibri" charset="0"/>
+                        </a:rPr>
+                        <a:t>Best-First</a:t>
+                      </a:r>
+                    </a:p>
+                  </a:txBody>
+                  <a:tcPr marL="12700" marR="12700" marT="12700" marB="0" anchor="b"/>
+                </a:tc>
+                <a:tc>
+                  <a:txBody>
+                    <a:bodyPr/>
+                    <a:lstStyle/>
+                    <a:p>
+                      <a:pPr algn="l" fontAlgn="b"/>
+                      <a:r>
+                        <a:rPr lang="hr-HR" sz="2000" b="0" i="0" u="none" strike="noStrike">
+                          <a:solidFill>
+                            <a:srgbClr val="000000"/>
+                          </a:solidFill>
+                          <a:effectLst/>
+                          <a:latin typeface="Calibri" charset="0"/>
+                        </a:rPr>
+                        <a:t>2.3</a:t>
+                      </a:r>
+                    </a:p>
+                  </a:txBody>
+                  <a:tcPr marL="12700" marR="12700" marT="12700" marB="0" anchor="b"/>
+                </a:tc>
+                <a:tc>
+                  <a:txBody>
+                    <a:bodyPr/>
+                    <a:lstStyle/>
+                    <a:p>
+                      <a:pPr algn="l" fontAlgn="b"/>
+                      <a:r>
+                        <a:rPr lang="is-IS" sz="2000" b="0" i="0" u="none" strike="noStrike">
+                          <a:solidFill>
+                            <a:srgbClr val="000000"/>
+                          </a:solidFill>
+                          <a:effectLst/>
+                          <a:latin typeface="Calibri" charset="0"/>
+                        </a:rPr>
+                        <a:t>112</a:t>
+                      </a:r>
+                    </a:p>
+                  </a:txBody>
+                  <a:tcPr marL="12700" marR="12700" marT="12700" marB="0" anchor="b"/>
+                </a:tc>
+                <a:tc>
+                  <a:txBody>
+                    <a:bodyPr/>
+                    <a:lstStyle/>
+                    <a:p>
+                      <a:pPr algn="l" fontAlgn="b"/>
+                      <a:r>
+                        <a:rPr lang="en-US" sz="2000" b="0" i="0" u="none" strike="noStrike">
+                          <a:solidFill>
+                            <a:srgbClr val="000000"/>
+                          </a:solidFill>
+                          <a:effectLst/>
+                          <a:latin typeface="Calibri" charset="0"/>
+                        </a:rPr>
+                        <a:t>70</a:t>
+                      </a:r>
+                    </a:p>
+                  </a:txBody>
+                  <a:tcPr marL="12700" marR="12700" marT="12700" marB="0" anchor="b"/>
+                </a:tc>
+                <a:tc>
+                  <a:txBody>
+                    <a:bodyPr/>
+                    <a:lstStyle/>
+                    <a:p>
+                      <a:pPr algn="l" fontAlgn="b"/>
+                      <a:r>
+                        <a:rPr lang="tr-TR" sz="2000" b="0" i="0" u="none" strike="noStrike" dirty="0">
+                          <a:solidFill>
+                            <a:srgbClr val="006100"/>
+                          </a:solidFill>
+                          <a:effectLst/>
+                          <a:latin typeface="Calibri" charset="0"/>
+                        </a:rPr>
+                        <a:t>Y</a:t>
+                      </a:r>
+                    </a:p>
+                  </a:txBody>
+                  <a:tcPr marL="12700" marR="12700" marT="12700" marB="0" anchor="b"/>
+                </a:tc>
+              </a:tr>
+              <a:tr h="319691">
+                <a:tc>
+                  <a:txBody>
+                    <a:bodyPr/>
+                    <a:lstStyle/>
+                    <a:p>
+                      <a:pPr algn="l" fontAlgn="b"/>
+                      <a:r>
+                        <a:rPr lang="en-US" sz="2000" b="0" i="0" u="none" strike="noStrike">
+                          <a:solidFill>
+                            <a:srgbClr val="000000"/>
+                          </a:solidFill>
+                          <a:effectLst/>
+                          <a:latin typeface="Calibri" charset="0"/>
+                        </a:rPr>
+                        <a:t>Dijkstra</a:t>
+                      </a:r>
+                    </a:p>
+                  </a:txBody>
+                  <a:tcPr marL="12700" marR="12700" marT="12700" marB="0" anchor="b"/>
+                </a:tc>
+                <a:tc>
+                  <a:txBody>
+                    <a:bodyPr/>
+                    <a:lstStyle/>
+                    <a:p>
+                      <a:pPr algn="l" fontAlgn="b"/>
+                      <a:r>
+                        <a:rPr lang="hr-HR" sz="2000" b="0" i="0" u="none" strike="noStrike">
+                          <a:solidFill>
+                            <a:srgbClr val="000000"/>
+                          </a:solidFill>
+                          <a:effectLst/>
+                          <a:latin typeface="Calibri" charset="0"/>
+                        </a:rPr>
+                        <a:t>24.4</a:t>
+                      </a:r>
+                    </a:p>
+                  </a:txBody>
+                  <a:tcPr marL="12700" marR="12700" marT="12700" marB="0" anchor="b"/>
+                </a:tc>
+                <a:tc>
+                  <a:txBody>
+                    <a:bodyPr/>
+                    <a:lstStyle/>
+                    <a:p>
+                      <a:pPr algn="l" fontAlgn="b"/>
+                      <a:r>
+                        <a:rPr lang="is-IS" sz="2000" b="0" i="0" u="none" strike="noStrike" dirty="0">
+                          <a:solidFill>
+                            <a:srgbClr val="000000"/>
+                          </a:solidFill>
+                          <a:effectLst/>
+                          <a:latin typeface="Calibri" charset="0"/>
+                        </a:rPr>
+                        <a:t>260</a:t>
+                      </a:r>
+                    </a:p>
+                  </a:txBody>
+                  <a:tcPr marL="12700" marR="12700" marT="12700" marB="0" anchor="b"/>
+                </a:tc>
+                <a:tc>
+                  <a:txBody>
+                    <a:bodyPr/>
+                    <a:lstStyle/>
+                    <a:p>
+                      <a:pPr algn="l" fontAlgn="b"/>
+                      <a:r>
+                        <a:rPr lang="en-US" sz="2000" b="0" i="0" u="none" strike="noStrike">
+                          <a:solidFill>
+                            <a:srgbClr val="000000"/>
+                          </a:solidFill>
+                          <a:effectLst/>
+                          <a:latin typeface="Calibri" charset="0"/>
+                        </a:rPr>
+                        <a:t>70</a:t>
+                      </a:r>
+                    </a:p>
+                  </a:txBody>
+                  <a:tcPr marL="12700" marR="12700" marT="12700" marB="0" anchor="b"/>
+                </a:tc>
+                <a:tc>
+                  <a:txBody>
+                    <a:bodyPr/>
+                    <a:lstStyle/>
+                    <a:p>
+                      <a:pPr algn="l" fontAlgn="b"/>
+                      <a:r>
+                        <a:rPr lang="tr-TR" sz="2000" b="0" i="0" u="none" strike="noStrike" dirty="0">
+                          <a:solidFill>
+                            <a:srgbClr val="006100"/>
+                          </a:solidFill>
+                          <a:effectLst/>
+                          <a:latin typeface="Calibri" charset="0"/>
+                        </a:rPr>
+                        <a:t>Y</a:t>
+                      </a:r>
+                    </a:p>
+                  </a:txBody>
+                  <a:tcPr marL="12700" marR="12700" marT="12700" marB="0" anchor="b"/>
+                </a:tc>
+              </a:tr>
+              <a:tr h="232833">
+                <a:tc>
+                  <a:txBody>
+                    <a:bodyPr/>
+                    <a:lstStyle/>
+                    <a:p>
+                      <a:pPr algn="l" fontAlgn="b"/>
+                      <a:r>
+                        <a:rPr lang="en-US" sz="2000" b="0" i="0" u="none" strike="noStrike">
+                          <a:solidFill>
+                            <a:srgbClr val="000000"/>
+                          </a:solidFill>
+                          <a:effectLst/>
+                          <a:latin typeface="Calibri" charset="0"/>
+                        </a:rPr>
+                        <a:t>A*</a:t>
+                      </a:r>
+                    </a:p>
+                  </a:txBody>
+                  <a:tcPr marL="12700" marR="12700" marT="12700" marB="0" anchor="b"/>
+                </a:tc>
+                <a:tc>
+                  <a:txBody>
+                    <a:bodyPr/>
+                    <a:lstStyle/>
+                    <a:p>
+                      <a:pPr algn="l" fontAlgn="b"/>
+                      <a:r>
+                        <a:rPr lang="nb-NO" sz="2000" b="0" i="0" u="none" strike="noStrike">
+                          <a:solidFill>
+                            <a:srgbClr val="000000"/>
+                          </a:solidFill>
+                          <a:effectLst/>
+                          <a:latin typeface="Calibri" charset="0"/>
+                        </a:rPr>
+                        <a:t>31.3</a:t>
+                      </a:r>
+                    </a:p>
+                  </a:txBody>
+                  <a:tcPr marL="12700" marR="12700" marT="12700" marB="0" anchor="b"/>
+                </a:tc>
+                <a:tc>
+                  <a:txBody>
+                    <a:bodyPr/>
+                    <a:lstStyle/>
+                    <a:p>
+                      <a:pPr algn="l" fontAlgn="b"/>
+                      <a:r>
+                        <a:rPr lang="ru-RU" sz="2000" b="0" i="0" u="none" strike="noStrike" dirty="0">
+                          <a:solidFill>
+                            <a:srgbClr val="000000"/>
+                          </a:solidFill>
+                          <a:effectLst/>
+                          <a:latin typeface="Calibri" charset="0"/>
+                        </a:rPr>
+                        <a:t>581</a:t>
+                      </a:r>
+                    </a:p>
+                  </a:txBody>
+                  <a:tcPr marL="12700" marR="12700" marT="12700" marB="0" anchor="b"/>
+                </a:tc>
+                <a:tc>
+                  <a:txBody>
+                    <a:bodyPr/>
+                    <a:lstStyle/>
+                    <a:p>
+                      <a:pPr algn="l" fontAlgn="b"/>
+                      <a:r>
+                        <a:rPr lang="en-US" sz="2000" b="0" i="0" u="none" strike="noStrike">
+                          <a:solidFill>
+                            <a:srgbClr val="000000"/>
+                          </a:solidFill>
+                          <a:effectLst/>
+                          <a:latin typeface="Calibri" charset="0"/>
+                        </a:rPr>
+                        <a:t>70</a:t>
+                      </a:r>
+                    </a:p>
+                  </a:txBody>
+                  <a:tcPr marL="12700" marR="12700" marT="12700" marB="0" anchor="b"/>
+                </a:tc>
+                <a:tc>
+                  <a:txBody>
+                    <a:bodyPr/>
+                    <a:lstStyle/>
+                    <a:p>
+                      <a:pPr algn="l" fontAlgn="b"/>
+                      <a:r>
+                        <a:rPr lang="tr-TR" sz="2000" b="0" i="0" u="none" strike="noStrike" dirty="0">
+                          <a:solidFill>
+                            <a:srgbClr val="006100"/>
+                          </a:solidFill>
+                          <a:effectLst/>
+                          <a:latin typeface="Calibri" charset="0"/>
+                        </a:rPr>
+                        <a:t>Y</a:t>
+                      </a:r>
+                    </a:p>
+                  </a:txBody>
+                  <a:tcPr marL="12700" marR="12700" marT="12700" marB="0" anchor="b"/>
+                </a:tc>
+              </a:tr>
+            </a:tbl>
           </a:graphicData>
         </a:graphic>
       </p:graphicFrame>
       <p:graphicFrame>
         <p:nvGraphicFramePr>
-          <p:cNvPr id="67" name="Chart 66"/>
+          <p:cNvPr id="74" name="Table 73"/>
           <p:cNvGraphicFramePr>
-            <a:graphicFrameLocks/>
+            <a:graphicFrameLocks noGrp="1"/>
           </p:cNvGraphicFramePr>
           <p:nvPr>
             <p:extLst>
               <p:ext uri="{D42A27DB-BD31-4B8C-83A1-F6EECF244321}">
-                <p14:modId xmlns:p14="http://schemas.microsoft.com/office/powerpoint/2010/main" val="816173907"/>
+                <p14:modId xmlns:p14="http://schemas.microsoft.com/office/powerpoint/2010/main" val="1465458540"/>
               </p:ext>
             </p:extLst>
           </p:nvPr>
         </p:nvGraphicFramePr>
         <p:xfrm>
-          <a:off x="15316918" y="9004523"/>
-          <a:ext cx="4377266" cy="4373027"/>
+          <a:off x="13606014" y="19047074"/>
+          <a:ext cx="7220355" cy="1977793"/>
         </p:xfrm>
         <a:graphic>
-          <a:graphicData uri="http://schemas.openxmlformats.org/drawingml/2006/chart">
-            <c:chart xmlns:c="http://schemas.openxmlformats.org/drawingml/2006/chart" xmlns:r="http://schemas.openxmlformats.org/officeDocument/2006/relationships" r:id="rId12"/>
+          <a:graphicData uri="http://schemas.openxmlformats.org/drawingml/2006/table">
+            <a:tbl>
+              <a:tblPr firstRow="1" bandRow="1">
+                <a:tableStyleId>{5C22544A-7EE6-4342-B048-85BDC9FD1C3A}</a:tableStyleId>
+              </a:tblPr>
+              <a:tblGrid>
+                <a:gridCol w="1238533"/>
+                <a:gridCol w="1238533"/>
+                <a:gridCol w="1893370"/>
+                <a:gridCol w="1521360"/>
+                <a:gridCol w="1328559"/>
+              </a:tblGrid>
+              <a:tr h="286485">
+                <a:tc>
+                  <a:txBody>
+                    <a:bodyPr/>
+                    <a:lstStyle/>
+                    <a:p>
+                      <a:r>
+                        <a:rPr lang="en-US" sz="2000" dirty="0" smtClean="0"/>
+                        <a:t>Name</a:t>
+                      </a:r>
+                      <a:endParaRPr lang="en-US" sz="2000" dirty="0"/>
+                    </a:p>
+                  </a:txBody>
+                  <a:tcPr marL="29078" marR="29078" marT="14539" marB="14539"/>
+                </a:tc>
+                <a:tc>
+                  <a:txBody>
+                    <a:bodyPr/>
+                    <a:lstStyle/>
+                    <a:p>
+                      <a:r>
+                        <a:rPr lang="en-US" sz="2000" dirty="0" smtClean="0"/>
+                        <a:t>Time</a:t>
+                      </a:r>
+                      <a:endParaRPr lang="en-US" sz="2000" dirty="0"/>
+                    </a:p>
+                  </a:txBody>
+                  <a:tcPr marL="29078" marR="29078" marT="14539" marB="14539"/>
+                </a:tc>
+                <a:tc>
+                  <a:txBody>
+                    <a:bodyPr/>
+                    <a:lstStyle/>
+                    <a:p>
+                      <a:r>
+                        <a:rPr lang="en-US" sz="2000" dirty="0" smtClean="0"/>
+                        <a:t>Total Explored</a:t>
+                      </a:r>
+                      <a:endParaRPr lang="en-US" sz="2000" dirty="0"/>
+                    </a:p>
+                  </a:txBody>
+                  <a:tcPr marL="29078" marR="29078" marT="14539" marB="14539"/>
+                </a:tc>
+                <a:tc>
+                  <a:txBody>
+                    <a:bodyPr/>
+                    <a:lstStyle/>
+                    <a:p>
+                      <a:r>
+                        <a:rPr lang="en-US" sz="2000" dirty="0" smtClean="0"/>
+                        <a:t>Path Found</a:t>
+                      </a:r>
+                      <a:endParaRPr lang="en-US" sz="2000" dirty="0"/>
+                    </a:p>
+                  </a:txBody>
+                  <a:tcPr marL="29078" marR="29078" marT="14539" marB="14539"/>
+                </a:tc>
+                <a:tc>
+                  <a:txBody>
+                    <a:bodyPr/>
+                    <a:lstStyle/>
+                    <a:p>
+                      <a:r>
+                        <a:rPr lang="en-US" sz="2000" dirty="0" smtClean="0"/>
+                        <a:t>Accurate?</a:t>
+                      </a:r>
+                      <a:endParaRPr lang="en-US" sz="2000" dirty="0"/>
+                    </a:p>
+                  </a:txBody>
+                  <a:tcPr marL="29078" marR="29078" marT="14539" marB="14539"/>
+                </a:tc>
+              </a:tr>
+              <a:tr h="384424">
+                <a:tc>
+                  <a:txBody>
+                    <a:bodyPr/>
+                    <a:lstStyle/>
+                    <a:p>
+                      <a:pPr algn="l" fontAlgn="b"/>
+                      <a:r>
+                        <a:rPr lang="en-US" sz="2000" b="0" i="0" u="none" strike="noStrike" dirty="0">
+                          <a:solidFill>
+                            <a:srgbClr val="000000"/>
+                          </a:solidFill>
+                          <a:effectLst/>
+                          <a:latin typeface="Calibri" charset="0"/>
+                        </a:rPr>
+                        <a:t>Breadth-First</a:t>
+                      </a:r>
+                    </a:p>
+                  </a:txBody>
+                  <a:tcPr marL="12700" marR="12700" marT="12700" marB="0" anchor="b"/>
+                </a:tc>
+                <a:tc>
+                  <a:txBody>
+                    <a:bodyPr/>
+                    <a:lstStyle/>
+                    <a:p>
+                      <a:pPr algn="l" fontAlgn="b"/>
+                      <a:r>
+                        <a:rPr lang="nb-NO" sz="2000" b="0" i="0" u="none" strike="noStrike">
+                          <a:solidFill>
+                            <a:srgbClr val="000000"/>
+                          </a:solidFill>
+                          <a:effectLst/>
+                          <a:latin typeface="Calibri" charset="0"/>
+                        </a:rPr>
+                        <a:t>15.5</a:t>
+                      </a:r>
+                    </a:p>
+                  </a:txBody>
+                  <a:tcPr marL="12700" marR="12700" marT="12700" marB="0" anchor="b"/>
+                </a:tc>
+                <a:tc>
+                  <a:txBody>
+                    <a:bodyPr/>
+                    <a:lstStyle/>
+                    <a:p>
+                      <a:pPr algn="l" fontAlgn="b"/>
+                      <a:r>
+                        <a:rPr lang="uk-UA" sz="2000" b="0" i="0" u="none" strike="noStrike">
+                          <a:solidFill>
+                            <a:srgbClr val="000000"/>
+                          </a:solidFill>
+                          <a:effectLst/>
+                          <a:latin typeface="Calibri" charset="0"/>
+                        </a:rPr>
+                        <a:t>510</a:t>
+                      </a:r>
+                    </a:p>
+                  </a:txBody>
+                  <a:tcPr marL="12700" marR="12700" marT="12700" marB="0" anchor="b"/>
+                </a:tc>
+                <a:tc>
+                  <a:txBody>
+                    <a:bodyPr/>
+                    <a:lstStyle/>
+                    <a:p>
+                      <a:pPr algn="l" fontAlgn="b"/>
+                      <a:r>
+                        <a:rPr lang="fi-FI" sz="2000" b="0" i="0" u="none" strike="noStrike">
+                          <a:solidFill>
+                            <a:srgbClr val="000000"/>
+                          </a:solidFill>
+                          <a:effectLst/>
+                          <a:latin typeface="Calibri" charset="0"/>
+                        </a:rPr>
+                        <a:t>87</a:t>
+                      </a:r>
+                    </a:p>
+                  </a:txBody>
+                  <a:tcPr marL="12700" marR="12700" marT="12700" marB="0" anchor="b"/>
+                </a:tc>
+                <a:tc>
+                  <a:txBody>
+                    <a:bodyPr/>
+                    <a:lstStyle/>
+                    <a:p>
+                      <a:pPr algn="l" fontAlgn="b"/>
+                      <a:r>
+                        <a:rPr lang="tr-TR" sz="2000" b="0" i="0" u="none" strike="noStrike">
+                          <a:solidFill>
+                            <a:srgbClr val="006100"/>
+                          </a:solidFill>
+                          <a:effectLst/>
+                          <a:latin typeface="Calibri" charset="0"/>
+                        </a:rPr>
+                        <a:t>Y</a:t>
+                      </a:r>
+                    </a:p>
+                  </a:txBody>
+                  <a:tcPr marL="12700" marR="12700" marT="12700" marB="0" anchor="b"/>
+                </a:tc>
+              </a:tr>
+              <a:tr h="384424">
+                <a:tc>
+                  <a:txBody>
+                    <a:bodyPr/>
+                    <a:lstStyle/>
+                    <a:p>
+                      <a:pPr algn="l" fontAlgn="b"/>
+                      <a:r>
+                        <a:rPr lang="en-US" sz="2000" b="0" i="0" u="none" strike="noStrike">
+                          <a:solidFill>
+                            <a:srgbClr val="000000"/>
+                          </a:solidFill>
+                          <a:effectLst/>
+                          <a:latin typeface="Calibri" charset="0"/>
+                        </a:rPr>
+                        <a:t>Best-First</a:t>
+                      </a:r>
+                    </a:p>
+                  </a:txBody>
+                  <a:tcPr marL="12700" marR="12700" marT="12700" marB="0" anchor="b"/>
+                </a:tc>
+                <a:tc>
+                  <a:txBody>
+                    <a:bodyPr/>
+                    <a:lstStyle/>
+                    <a:p>
+                      <a:pPr algn="l" fontAlgn="b"/>
+                      <a:r>
+                        <a:rPr lang="hr-HR" sz="2000" b="0" i="0" u="none" strike="noStrike">
+                          <a:solidFill>
+                            <a:srgbClr val="000000"/>
+                          </a:solidFill>
+                          <a:effectLst/>
+                          <a:latin typeface="Calibri" charset="0"/>
+                        </a:rPr>
+                        <a:t>9.5</a:t>
+                      </a:r>
+                    </a:p>
+                  </a:txBody>
+                  <a:tcPr marL="12700" marR="12700" marT="12700" marB="0" anchor="b"/>
+                </a:tc>
+                <a:tc>
+                  <a:txBody>
+                    <a:bodyPr/>
+                    <a:lstStyle/>
+                    <a:p>
+                      <a:pPr algn="l" fontAlgn="b"/>
+                      <a:r>
+                        <a:rPr lang="fi-FI" sz="2000" b="0" i="0" u="none" strike="noStrike">
+                          <a:solidFill>
+                            <a:srgbClr val="000000"/>
+                          </a:solidFill>
+                          <a:effectLst/>
+                          <a:latin typeface="Calibri" charset="0"/>
+                        </a:rPr>
+                        <a:t>318</a:t>
+                      </a:r>
+                    </a:p>
+                  </a:txBody>
+                  <a:tcPr marL="12700" marR="12700" marT="12700" marB="0" anchor="b"/>
+                </a:tc>
+                <a:tc>
+                  <a:txBody>
+                    <a:bodyPr/>
+                    <a:lstStyle/>
+                    <a:p>
+                      <a:pPr algn="l" fontAlgn="b"/>
+                      <a:r>
+                        <a:rPr lang="is-IS" sz="2000" b="0" i="0" u="none" strike="noStrike" dirty="0">
+                          <a:solidFill>
+                            <a:srgbClr val="000000"/>
+                          </a:solidFill>
+                          <a:effectLst/>
+                          <a:latin typeface="Calibri" charset="0"/>
+                        </a:rPr>
+                        <a:t>107</a:t>
+                      </a:r>
+                    </a:p>
+                  </a:txBody>
+                  <a:tcPr marL="12700" marR="12700" marT="12700" marB="0" anchor="b"/>
+                </a:tc>
+                <a:tc>
+                  <a:txBody>
+                    <a:bodyPr/>
+                    <a:lstStyle/>
+                    <a:p>
+                      <a:pPr algn="l" fontAlgn="b"/>
+                      <a:r>
+                        <a:rPr lang="en-US" sz="2000" b="0" i="0" u="none" strike="noStrike">
+                          <a:solidFill>
+                            <a:srgbClr val="9C0006"/>
+                          </a:solidFill>
+                          <a:effectLst/>
+                          <a:latin typeface="Calibri" charset="0"/>
+                        </a:rPr>
+                        <a:t>N</a:t>
+                      </a:r>
+                    </a:p>
+                  </a:txBody>
+                  <a:tcPr marL="12700" marR="12700" marT="12700" marB="0" anchor="b"/>
+                </a:tc>
+              </a:tr>
+              <a:tr h="319691">
+                <a:tc>
+                  <a:txBody>
+                    <a:bodyPr/>
+                    <a:lstStyle/>
+                    <a:p>
+                      <a:pPr algn="l" fontAlgn="b"/>
+                      <a:r>
+                        <a:rPr lang="en-US" sz="2000" b="0" i="0" u="none" strike="noStrike">
+                          <a:solidFill>
+                            <a:srgbClr val="000000"/>
+                          </a:solidFill>
+                          <a:effectLst/>
+                          <a:latin typeface="Calibri" charset="0"/>
+                        </a:rPr>
+                        <a:t>Dijkstra</a:t>
+                      </a:r>
+                    </a:p>
+                  </a:txBody>
+                  <a:tcPr marL="12700" marR="12700" marT="12700" marB="0" anchor="b"/>
+                </a:tc>
+                <a:tc>
+                  <a:txBody>
+                    <a:bodyPr/>
+                    <a:lstStyle/>
+                    <a:p>
+                      <a:pPr algn="l" fontAlgn="b"/>
+                      <a:r>
+                        <a:rPr lang="nb-NO" sz="2000" b="0" i="0" u="none" strike="noStrike">
+                          <a:solidFill>
+                            <a:srgbClr val="000000"/>
+                          </a:solidFill>
+                          <a:effectLst/>
+                          <a:latin typeface="Calibri" charset="0"/>
+                        </a:rPr>
+                        <a:t>15.4</a:t>
+                      </a:r>
+                    </a:p>
+                  </a:txBody>
+                  <a:tcPr marL="12700" marR="12700" marT="12700" marB="0" anchor="b"/>
+                </a:tc>
+                <a:tc>
+                  <a:txBody>
+                    <a:bodyPr/>
+                    <a:lstStyle/>
+                    <a:p>
+                      <a:pPr algn="l" fontAlgn="b"/>
+                      <a:r>
+                        <a:rPr lang="uk-UA" sz="2000" b="0" i="0" u="none" strike="noStrike">
+                          <a:solidFill>
+                            <a:srgbClr val="000000"/>
+                          </a:solidFill>
+                          <a:effectLst/>
+                          <a:latin typeface="Calibri" charset="0"/>
+                        </a:rPr>
+                        <a:t>510</a:t>
+                      </a:r>
+                    </a:p>
+                  </a:txBody>
+                  <a:tcPr marL="12700" marR="12700" marT="12700" marB="0" anchor="b"/>
+                </a:tc>
+                <a:tc>
+                  <a:txBody>
+                    <a:bodyPr/>
+                    <a:lstStyle/>
+                    <a:p>
+                      <a:pPr algn="l" fontAlgn="b"/>
+                      <a:r>
+                        <a:rPr lang="fi-FI" sz="2000" b="0" i="0" u="none" strike="noStrike">
+                          <a:solidFill>
+                            <a:srgbClr val="000000"/>
+                          </a:solidFill>
+                          <a:effectLst/>
+                          <a:latin typeface="Calibri" charset="0"/>
+                        </a:rPr>
+                        <a:t>87</a:t>
+                      </a:r>
+                    </a:p>
+                  </a:txBody>
+                  <a:tcPr marL="12700" marR="12700" marT="12700" marB="0" anchor="b"/>
+                </a:tc>
+                <a:tc>
+                  <a:txBody>
+                    <a:bodyPr/>
+                    <a:lstStyle/>
+                    <a:p>
+                      <a:pPr algn="l" fontAlgn="b"/>
+                      <a:r>
+                        <a:rPr lang="tr-TR" sz="2000" b="0" i="0" u="none" strike="noStrike">
+                          <a:solidFill>
+                            <a:srgbClr val="006100"/>
+                          </a:solidFill>
+                          <a:effectLst/>
+                          <a:latin typeface="Calibri" charset="0"/>
+                        </a:rPr>
+                        <a:t>Y</a:t>
+                      </a:r>
+                    </a:p>
+                  </a:txBody>
+                  <a:tcPr marL="12700" marR="12700" marT="12700" marB="0" anchor="b"/>
+                </a:tc>
+              </a:tr>
+              <a:tr h="232833">
+                <a:tc>
+                  <a:txBody>
+                    <a:bodyPr/>
+                    <a:lstStyle/>
+                    <a:p>
+                      <a:pPr algn="l" fontAlgn="b"/>
+                      <a:r>
+                        <a:rPr lang="en-US" sz="2000" b="0" i="0" u="none" strike="noStrike">
+                          <a:solidFill>
+                            <a:srgbClr val="000000"/>
+                          </a:solidFill>
+                          <a:effectLst/>
+                          <a:latin typeface="Calibri" charset="0"/>
+                        </a:rPr>
+                        <a:t>A*</a:t>
+                      </a:r>
+                    </a:p>
+                  </a:txBody>
+                  <a:tcPr marL="12700" marR="12700" marT="12700" marB="0" anchor="b"/>
+                </a:tc>
+                <a:tc>
+                  <a:txBody>
+                    <a:bodyPr/>
+                    <a:lstStyle/>
+                    <a:p>
+                      <a:pPr algn="l" fontAlgn="b"/>
+                      <a:r>
+                        <a:rPr lang="hr-HR" sz="2000" b="0" i="0" u="none" strike="noStrike">
+                          <a:solidFill>
+                            <a:srgbClr val="000000"/>
+                          </a:solidFill>
+                          <a:effectLst/>
+                          <a:latin typeface="Calibri" charset="0"/>
+                        </a:rPr>
+                        <a:t>14.9</a:t>
+                      </a:r>
+                    </a:p>
+                  </a:txBody>
+                  <a:tcPr marL="12700" marR="12700" marT="12700" marB="0" anchor="b"/>
+                </a:tc>
+                <a:tc>
+                  <a:txBody>
+                    <a:bodyPr/>
+                    <a:lstStyle/>
+                    <a:p>
+                      <a:pPr algn="l" fontAlgn="b"/>
+                      <a:r>
+                        <a:rPr lang="is-IS" sz="2000" b="0" i="0" u="none" strike="noStrike">
+                          <a:solidFill>
+                            <a:srgbClr val="000000"/>
+                          </a:solidFill>
+                          <a:effectLst/>
+                          <a:latin typeface="Calibri" charset="0"/>
+                        </a:rPr>
+                        <a:t>500</a:t>
+                      </a:r>
+                    </a:p>
+                  </a:txBody>
+                  <a:tcPr marL="12700" marR="12700" marT="12700" marB="0" anchor="b"/>
+                </a:tc>
+                <a:tc>
+                  <a:txBody>
+                    <a:bodyPr/>
+                    <a:lstStyle/>
+                    <a:p>
+                      <a:pPr algn="l" fontAlgn="b"/>
+                      <a:r>
+                        <a:rPr lang="fi-FI" sz="2000" b="0" i="0" u="none" strike="noStrike">
+                          <a:solidFill>
+                            <a:srgbClr val="000000"/>
+                          </a:solidFill>
+                          <a:effectLst/>
+                          <a:latin typeface="Calibri" charset="0"/>
+                        </a:rPr>
+                        <a:t>87</a:t>
+                      </a:r>
+                    </a:p>
+                  </a:txBody>
+                  <a:tcPr marL="12700" marR="12700" marT="12700" marB="0" anchor="b"/>
+                </a:tc>
+                <a:tc>
+                  <a:txBody>
+                    <a:bodyPr/>
+                    <a:lstStyle/>
+                    <a:p>
+                      <a:pPr algn="l" fontAlgn="b"/>
+                      <a:r>
+                        <a:rPr lang="tr-TR" sz="2000" b="0" i="0" u="none" strike="noStrike" dirty="0">
+                          <a:solidFill>
+                            <a:srgbClr val="006100"/>
+                          </a:solidFill>
+                          <a:effectLst/>
+                          <a:latin typeface="Calibri" charset="0"/>
+                        </a:rPr>
+                        <a:t>Y</a:t>
+                      </a:r>
+                    </a:p>
+                  </a:txBody>
+                  <a:tcPr marL="12700" marR="12700" marT="12700" marB="0" anchor="b"/>
+                </a:tc>
+              </a:tr>
+            </a:tbl>
           </a:graphicData>
         </a:graphic>
       </p:graphicFrame>
-      <p:graphicFrame>
-        <p:nvGraphicFramePr>
-          <p:cNvPr id="68" name="Chart 67"/>
-          <p:cNvGraphicFramePr>
-            <a:graphicFrameLocks/>
-          </p:cNvGraphicFramePr>
-          <p:nvPr>
-            <p:extLst>
-              <p:ext uri="{D42A27DB-BD31-4B8C-83A1-F6EECF244321}">
-                <p14:modId xmlns:p14="http://schemas.microsoft.com/office/powerpoint/2010/main" val="243177438"/>
-              </p:ext>
-            </p:extLst>
-          </p:nvPr>
-        </p:nvGraphicFramePr>
-        <p:xfrm>
-          <a:off x="15303859" y="13249394"/>
-          <a:ext cx="4428928" cy="4226400"/>
-        </p:xfrm>
-        <a:graphic>
-          <a:graphicData uri="http://schemas.openxmlformats.org/drawingml/2006/chart">
-            <c:chart xmlns:c="http://schemas.openxmlformats.org/drawingml/2006/chart" xmlns:r="http://schemas.openxmlformats.org/officeDocument/2006/relationships" r:id="rId13"/>
-          </a:graphicData>
-        </a:graphic>
-      </p:graphicFrame>
-      <p:graphicFrame>
-        <p:nvGraphicFramePr>
-          <p:cNvPr id="69" name="Chart 68"/>
-          <p:cNvGraphicFramePr>
-            <a:graphicFrameLocks/>
-          </p:cNvGraphicFramePr>
-          <p:nvPr>
-            <p:extLst>
-              <p:ext uri="{D42A27DB-BD31-4B8C-83A1-F6EECF244321}">
-                <p14:modId xmlns:p14="http://schemas.microsoft.com/office/powerpoint/2010/main" val="1572391614"/>
-              </p:ext>
-            </p:extLst>
-          </p:nvPr>
-        </p:nvGraphicFramePr>
-        <p:xfrm>
-          <a:off x="19732786" y="13249393"/>
-          <a:ext cx="4390325" cy="4208330"/>
-        </p:xfrm>
-        <a:graphic>
-          <a:graphicData uri="http://schemas.openxmlformats.org/drawingml/2006/chart">
-            <c:chart xmlns:c="http://schemas.openxmlformats.org/drawingml/2006/chart" xmlns:r="http://schemas.openxmlformats.org/officeDocument/2006/relationships" r:id="rId14"/>
-          </a:graphicData>
-        </a:graphic>
-      </p:graphicFrame>
-      <p:graphicFrame>
-        <p:nvGraphicFramePr>
-          <p:cNvPr id="70" name="Chart 69"/>
-          <p:cNvGraphicFramePr>
-            <a:graphicFrameLocks/>
-          </p:cNvGraphicFramePr>
-          <p:nvPr>
-            <p:extLst>
-              <p:ext uri="{D42A27DB-BD31-4B8C-83A1-F6EECF244321}">
-                <p14:modId xmlns:p14="http://schemas.microsoft.com/office/powerpoint/2010/main" val="1864559634"/>
-              </p:ext>
-            </p:extLst>
-          </p:nvPr>
-        </p:nvGraphicFramePr>
-        <p:xfrm>
-          <a:off x="19649494" y="9038645"/>
-          <a:ext cx="4473617" cy="4236335"/>
-        </p:xfrm>
-        <a:graphic>
-          <a:graphicData uri="http://schemas.openxmlformats.org/drawingml/2006/chart">
-            <c:chart xmlns:c="http://schemas.openxmlformats.org/drawingml/2006/chart" xmlns:r="http://schemas.openxmlformats.org/officeDocument/2006/relationships" r:id="rId15"/>
-          </a:graphicData>
-        </a:graphic>
-      </p:graphicFrame>
-      <p:pic>
-        <p:nvPicPr>
-          <p:cNvPr id="41" name="Picture 40"/>
-          <p:cNvPicPr>
-            <a:picLocks noChangeAspect="1"/>
-          </p:cNvPicPr>
+      <p:sp>
+        <p:nvSpPr>
+          <p:cNvPr id="64" name="TextBox 63"/>
+          <p:cNvSpPr txBox="1"/>
           <p:nvPr/>
-        </p:nvPicPr>
-        <p:blipFill rotWithShape="1">
-          <a:blip r:embed="rId16">
-            <a:extLst>
-              <a:ext uri="{28A0092B-C50C-407E-A947-70E740481C1C}">
-                <a14:useLocalDpi xmlns:a14="http://schemas.microsoft.com/office/drawing/2010/main" val="0"/>
-              </a:ext>
-            </a:extLst>
-          </a:blip>
-          <a:srcRect l="24764" t="14357" r="28978" b="22824"/>
-          <a:stretch/>
-        </p:blipFill>
+        </p:nvSpPr>
         <p:spPr>
           <a:xfrm>
-            <a:off x="18117417" y="1243352"/>
-            <a:ext cx="5447959" cy="5547057"/>
+            <a:off x="12579298" y="16141113"/>
+            <a:ext cx="2865835" cy="369332"/>
           </a:xfrm>
           <a:prstGeom prst="rect">
             <a:avLst/>
           </a:prstGeom>
+          <a:noFill/>
         </p:spPr>
-      </p:pic>
-      <p:pic>
-        <p:nvPicPr>
-          <p:cNvPr id="42" name="Picture 41"/>
-          <p:cNvPicPr>
-            <a:picLocks noChangeAspect="1"/>
-          </p:cNvPicPr>
+        <p:txBody>
+          <a:bodyPr wrap="square" rtlCol="0">
+            <a:spAutoFit/>
+          </a:bodyPr>
+          <a:lstStyle/>
+          <a:p>
+            <a:r>
+              <a:rPr lang="en-US" b="1" dirty="0" smtClean="0"/>
+              <a:t>U-Hole Results</a:t>
+            </a:r>
+            <a:endParaRPr lang="en-US" b="1" dirty="0"/>
+          </a:p>
+        </p:txBody>
+      </p:sp>
+      <p:sp>
+        <p:nvSpPr>
+          <p:cNvPr id="76" name="TextBox 75"/>
+          <p:cNvSpPr txBox="1"/>
           <p:nvPr/>
-        </p:nvPicPr>
-        <p:blipFill rotWithShape="1">
-          <a:blip r:embed="rId17">
-            <a:extLst>
-              <a:ext uri="{28A0092B-C50C-407E-A947-70E740481C1C}">
-                <a14:useLocalDpi xmlns:a14="http://schemas.microsoft.com/office/drawing/2010/main" val="0"/>
-              </a:ext>
-            </a:extLst>
-          </a:blip>
-          <a:srcRect l="29316" t="21262" r="32878" b="27550"/>
-          <a:stretch/>
-        </p:blipFill>
+        </p:nvSpPr>
         <p:spPr>
           <a:xfrm>
-            <a:off x="10395842" y="2489200"/>
-            <a:ext cx="3802758" cy="3847762"/>
+            <a:off x="20156867" y="16109396"/>
+            <a:ext cx="2865835" cy="369332"/>
           </a:xfrm>
           <a:prstGeom prst="rect">
             <a:avLst/>
           </a:prstGeom>
+          <a:noFill/>
         </p:spPr>
-      </p:pic>
-      <p:pic>
-        <p:nvPicPr>
-          <p:cNvPr id="77" name="Picture 76"/>
-          <p:cNvPicPr>
-            <a:picLocks noChangeAspect="1"/>
-          </p:cNvPicPr>
+        <p:txBody>
+          <a:bodyPr wrap="square" rtlCol="0">
+            <a:spAutoFit/>
+          </a:bodyPr>
+          <a:lstStyle/>
+          <a:p>
+            <a:r>
+              <a:rPr lang="en-US" b="1" dirty="0" smtClean="0"/>
+              <a:t>Wall Results</a:t>
+            </a:r>
+            <a:endParaRPr lang="en-US" b="1" dirty="0"/>
+          </a:p>
+        </p:txBody>
+      </p:sp>
+      <p:sp>
+        <p:nvSpPr>
+          <p:cNvPr id="80" name="TextBox 79"/>
+          <p:cNvSpPr txBox="1"/>
           <p:nvPr/>
-        </p:nvPicPr>
-        <p:blipFill rotWithShape="1">
-          <a:blip r:embed="rId18">
-            <a:extLst>
-              <a:ext uri="{28A0092B-C50C-407E-A947-70E740481C1C}">
-                <a14:useLocalDpi xmlns:a14="http://schemas.microsoft.com/office/drawing/2010/main" val="0"/>
-              </a:ext>
-            </a:extLst>
-          </a:blip>
-          <a:srcRect l="28959" t="22446" r="33563" b="29132"/>
-          <a:stretch/>
-        </p:blipFill>
+        </p:nvSpPr>
         <p:spPr>
           <a:xfrm>
-            <a:off x="23679561" y="1230771"/>
-            <a:ext cx="5270669" cy="5099281"/>
+            <a:off x="16529872" y="18677742"/>
+            <a:ext cx="2865835" cy="369332"/>
           </a:xfrm>
           <a:prstGeom prst="rect">
             <a:avLst/>
           </a:prstGeom>
+          <a:noFill/>
         </p:spPr>
-      </p:pic>
-      <p:pic>
-        <p:nvPicPr>
-          <p:cNvPr id="79" name="Picture 78"/>
-          <p:cNvPicPr>
-            <a:picLocks noChangeAspect="1"/>
-          </p:cNvPicPr>
+        <p:txBody>
+          <a:bodyPr wrap="square" rtlCol="0">
+            <a:spAutoFit/>
+          </a:bodyPr>
+          <a:lstStyle/>
+          <a:p>
+            <a:r>
+              <a:rPr lang="en-US" b="1" dirty="0" smtClean="0"/>
+              <a:t>Maze Results</a:t>
+            </a:r>
+            <a:endParaRPr lang="en-US" b="1" dirty="0"/>
+          </a:p>
+        </p:txBody>
+      </p:sp>
+      <p:grpSp>
+        <p:nvGrpSpPr>
+          <p:cNvPr id="8" name="Group 7"/>
+          <p:cNvGrpSpPr/>
           <p:nvPr/>
-        </p:nvPicPr>
-        <p:blipFill rotWithShape="1">
-          <a:blip r:embed="rId19">
-            <a:extLst>
-              <a:ext uri="{28A0092B-C50C-407E-A947-70E740481C1C}">
-                <a14:useLocalDpi xmlns:a14="http://schemas.microsoft.com/office/drawing/2010/main" val="0"/>
-              </a:ext>
-            </a:extLst>
-          </a:blip>
-          <a:srcRect l="5029" t="1932" r="26652" b="21669"/>
-          <a:stretch/>
-        </p:blipFill>
+        </p:nvGrpSpPr>
+        <p:grpSpPr>
+          <a:xfrm>
+            <a:off x="25833549" y="4591111"/>
+            <a:ext cx="6867919" cy="8087240"/>
+            <a:chOff x="25640240" y="9562243"/>
+            <a:chExt cx="6867919" cy="8087240"/>
+          </a:xfrm>
+        </p:grpSpPr>
+        <p:sp>
+          <p:nvSpPr>
+            <p:cNvPr id="11" name="Rounded Rectangle 10"/>
+            <p:cNvSpPr/>
+            <p:nvPr/>
+          </p:nvSpPr>
+          <p:spPr>
+            <a:xfrm>
+              <a:off x="25640240" y="9562243"/>
+              <a:ext cx="6867919" cy="6998903"/>
+            </a:xfrm>
+            <a:prstGeom prst="roundRect">
+              <a:avLst/>
+            </a:prstGeom>
+            <a:solidFill>
+              <a:schemeClr val="bg1"/>
+            </a:solidFill>
+            <a:ln>
+              <a:solidFill>
+                <a:schemeClr val="bg1"/>
+              </a:solidFill>
+            </a:ln>
+            <a:effectLst>
+              <a:outerShdw blurRad="50800" dist="38100" dir="2700000" algn="tl" rotWithShape="0">
+                <a:prstClr val="black">
+                  <a:alpha val="40000"/>
+                </a:prstClr>
+              </a:outerShdw>
+              <a:reflection endPos="0" dist="50800" dir="5400000" sy="-100000" algn="bl" rotWithShape="0"/>
+            </a:effectLst>
+          </p:spPr>
+          <p:style>
+            <a:lnRef idx="2">
+              <a:schemeClr val="accent1">
+                <a:shade val="50000"/>
+              </a:schemeClr>
+            </a:lnRef>
+            <a:fillRef idx="1">
+              <a:schemeClr val="accent1"/>
+            </a:fillRef>
+            <a:effectRef idx="0">
+              <a:schemeClr val="accent1"/>
+            </a:effectRef>
+            <a:fontRef idx="minor">
+              <a:schemeClr val="lt1"/>
+            </a:fontRef>
+          </p:style>
+          <p:txBody>
+            <a:bodyPr rtlCol="0" anchor="ctr"/>
+            <a:lstStyle/>
+            <a:p>
+              <a:pPr algn="ctr"/>
+              <a:endParaRPr lang="en-US"/>
+            </a:p>
+          </p:txBody>
+        </p:sp>
+        <p:sp>
+          <p:nvSpPr>
+            <p:cNvPr id="82" name="TextBox 81"/>
+            <p:cNvSpPr txBox="1"/>
+            <p:nvPr/>
+          </p:nvSpPr>
+          <p:spPr>
+            <a:xfrm>
+              <a:off x="26167972" y="9924291"/>
+              <a:ext cx="6035152" cy="7725192"/>
+            </a:xfrm>
+            <a:prstGeom prst="rect">
+              <a:avLst/>
+            </a:prstGeom>
+            <a:noFill/>
+          </p:spPr>
+          <p:txBody>
+            <a:bodyPr wrap="square" rtlCol="0">
+              <a:spAutoFit/>
+            </a:bodyPr>
+            <a:lstStyle/>
+            <a:p>
+              <a:pPr algn="ctr"/>
+              <a:r>
+                <a:rPr lang="en-US" sz="3200" b="1" dirty="0" smtClean="0"/>
+                <a:t>Results</a:t>
+              </a:r>
+            </a:p>
+            <a:p>
+              <a:pPr marL="342900" indent="-342900">
+                <a:buFont typeface="Arial" charset="0"/>
+                <a:buChar char="•"/>
+              </a:pPr>
+              <a:r>
+                <a:rPr lang="en-US" sz="2400" dirty="0" smtClean="0"/>
+                <a:t>Best </a:t>
+              </a:r>
+              <a:r>
+                <a:rPr lang="en-US" sz="2400" dirty="0"/>
+                <a:t>First Search was always the fastest, while it was the least accurate of </a:t>
+              </a:r>
+              <a:r>
+                <a:rPr lang="en-US" sz="2400" dirty="0" smtClean="0"/>
+                <a:t>any. It </a:t>
+              </a:r>
+              <a:r>
+                <a:rPr lang="en-US" sz="2400" dirty="0"/>
+                <a:t>was only accurate one time in the randomized grids and once in the custom experiments, too. </a:t>
+              </a:r>
+              <a:endParaRPr lang="en-US" sz="2400" dirty="0" smtClean="0"/>
+            </a:p>
+            <a:p>
+              <a:pPr marL="342900" indent="-342900">
+                <a:buFont typeface="Arial" charset="0"/>
+                <a:buChar char="•"/>
+              </a:pPr>
+              <a:r>
+                <a:rPr lang="en-US" sz="2400" dirty="0" smtClean="0"/>
+                <a:t>A</a:t>
+              </a:r>
+              <a:r>
+                <a:rPr lang="en-US" sz="2400" dirty="0"/>
+                <a:t>* was almost as fast, but it was more accurate. </a:t>
+              </a:r>
+              <a:endParaRPr lang="en-US" sz="2400" dirty="0" smtClean="0"/>
+            </a:p>
+            <a:p>
+              <a:pPr marL="342900" indent="-342900">
+                <a:buFont typeface="Arial" charset="0"/>
+                <a:buChar char="•"/>
+              </a:pPr>
+              <a:r>
+                <a:rPr lang="en-US" sz="2400" dirty="0" smtClean="0"/>
+                <a:t>Dijkstra </a:t>
+              </a:r>
+              <a:r>
+                <a:rPr lang="en-US" sz="2400" dirty="0"/>
+                <a:t>was the slowest but it was the only one which was accurate every single time. </a:t>
+              </a:r>
+              <a:endParaRPr lang="en-US" sz="2400" dirty="0" smtClean="0"/>
+            </a:p>
+            <a:p>
+              <a:pPr marL="342900" indent="-342900">
+                <a:buFont typeface="Arial" charset="0"/>
+                <a:buChar char="•"/>
+              </a:pPr>
+              <a:r>
+                <a:rPr lang="en-US" sz="2400" dirty="0" smtClean="0"/>
+                <a:t>Breadth-First </a:t>
+              </a:r>
+              <a:r>
+                <a:rPr lang="en-US" sz="2400" dirty="0"/>
+                <a:t>Search was mostly accurate, and it was almost as slow as Dijkstra. </a:t>
+              </a:r>
+              <a:endParaRPr lang="en-US" sz="2400" dirty="0" smtClean="0"/>
+            </a:p>
+            <a:p>
+              <a:pPr marL="342900" indent="-342900">
+                <a:buFont typeface="Arial" charset="0"/>
+                <a:buChar char="•"/>
+              </a:pPr>
+              <a:r>
+                <a:rPr lang="en-US" sz="2400" dirty="0" smtClean="0"/>
+                <a:t>The amount </a:t>
+              </a:r>
+              <a:r>
+                <a:rPr lang="en-US" sz="2400" dirty="0"/>
+                <a:t>of obstacles in the grid didn’t seem to have much of an effect </a:t>
+              </a:r>
+              <a:r>
+                <a:rPr lang="en-US" sz="2400" dirty="0" smtClean="0"/>
+                <a:t>on the relative performance of the algorithms. The </a:t>
+              </a:r>
+              <a:r>
+                <a:rPr lang="en-US" sz="2400" dirty="0"/>
+                <a:t> size of the grid had more of an effect. </a:t>
+              </a:r>
+            </a:p>
+            <a:p>
+              <a:r>
+                <a:rPr lang="en-US" sz="3200" dirty="0"/>
+                <a:t/>
+              </a:r>
+              <a:br>
+                <a:rPr lang="en-US" sz="3200" dirty="0"/>
+              </a:br>
+              <a:endParaRPr lang="en-US" sz="3200" dirty="0"/>
+            </a:p>
+            <a:p>
+              <a:endParaRPr lang="en-US" sz="2000" dirty="0" smtClean="0"/>
+            </a:p>
+            <a:p>
+              <a:r>
+                <a:rPr lang="en-US" sz="2000" dirty="0"/>
+                <a:t>	</a:t>
+              </a:r>
+              <a:endParaRPr lang="en-US" sz="2200" dirty="0"/>
+            </a:p>
+          </p:txBody>
+        </p:sp>
+      </p:grpSp>
+      <p:grpSp>
+        <p:nvGrpSpPr>
+          <p:cNvPr id="22" name="Group 21"/>
+          <p:cNvGrpSpPr/>
+          <p:nvPr/>
+        </p:nvGrpSpPr>
+        <p:grpSpPr>
+          <a:xfrm>
+            <a:off x="25858981" y="11874460"/>
+            <a:ext cx="6852415" cy="4728978"/>
+            <a:chOff x="25665672" y="16845592"/>
+            <a:chExt cx="6852415" cy="4728978"/>
+          </a:xfrm>
+        </p:grpSpPr>
+        <p:sp>
+          <p:nvSpPr>
+            <p:cNvPr id="53" name="Rounded Rectangle 52"/>
+            <p:cNvSpPr/>
+            <p:nvPr/>
+          </p:nvSpPr>
+          <p:spPr>
+            <a:xfrm>
+              <a:off x="25665672" y="16845592"/>
+              <a:ext cx="6852415" cy="4728978"/>
+            </a:xfrm>
+            <a:prstGeom prst="roundRect">
+              <a:avLst/>
+            </a:prstGeom>
+            <a:solidFill>
+              <a:schemeClr val="bg1"/>
+            </a:solidFill>
+            <a:ln>
+              <a:solidFill>
+                <a:schemeClr val="bg1"/>
+              </a:solidFill>
+            </a:ln>
+            <a:effectLst>
+              <a:outerShdw blurRad="50800" dist="38100" dir="2700000" algn="tl" rotWithShape="0">
+                <a:prstClr val="black">
+                  <a:alpha val="40000"/>
+                </a:prstClr>
+              </a:outerShdw>
+              <a:reflection endPos="0" dist="50800" dir="5400000" sy="-100000" algn="bl" rotWithShape="0"/>
+            </a:effectLst>
+          </p:spPr>
+          <p:style>
+            <a:lnRef idx="2">
+              <a:schemeClr val="accent1">
+                <a:shade val="50000"/>
+              </a:schemeClr>
+            </a:lnRef>
+            <a:fillRef idx="1">
+              <a:schemeClr val="accent1"/>
+            </a:fillRef>
+            <a:effectRef idx="0">
+              <a:schemeClr val="accent1"/>
+            </a:effectRef>
+            <a:fontRef idx="minor">
+              <a:schemeClr val="lt1"/>
+            </a:fontRef>
+          </p:style>
+          <p:txBody>
+            <a:bodyPr rtlCol="0" anchor="ctr"/>
+            <a:lstStyle/>
+            <a:p>
+              <a:pPr algn="ctr"/>
+              <a:endParaRPr lang="en-US"/>
+            </a:p>
+          </p:txBody>
+        </p:sp>
+        <p:sp>
+          <p:nvSpPr>
+            <p:cNvPr id="75" name="TextBox 74"/>
+            <p:cNvSpPr txBox="1"/>
+            <p:nvPr/>
+          </p:nvSpPr>
+          <p:spPr>
+            <a:xfrm>
+              <a:off x="26184429" y="17108154"/>
+              <a:ext cx="5987631" cy="3447098"/>
+            </a:xfrm>
+            <a:prstGeom prst="rect">
+              <a:avLst/>
+            </a:prstGeom>
+            <a:noFill/>
+          </p:spPr>
+          <p:txBody>
+            <a:bodyPr wrap="square" rtlCol="0">
+              <a:spAutoFit/>
+            </a:bodyPr>
+            <a:lstStyle/>
+            <a:p>
+              <a:pPr algn="ctr"/>
+              <a:r>
+                <a:rPr lang="en-US" sz="3200" b="1" dirty="0" smtClean="0"/>
+                <a:t>Conclusion</a:t>
+              </a:r>
+              <a:endParaRPr lang="en-US" sz="3200" b="1" dirty="0"/>
+            </a:p>
+            <a:p>
+              <a:endParaRPr lang="en-US" sz="2400" dirty="0" smtClean="0"/>
+            </a:p>
+            <a:p>
+              <a:r>
+                <a:rPr lang="en-US" sz="2400" dirty="0" smtClean="0"/>
+                <a:t>The </a:t>
+              </a:r>
+              <a:r>
+                <a:rPr lang="en-US" sz="2400" dirty="0"/>
+                <a:t>best algorithm depends on what you care about. If you </a:t>
+              </a:r>
+              <a:r>
+                <a:rPr lang="en-US" sz="2400" dirty="0" smtClean="0"/>
+                <a:t>care about speed, </a:t>
+              </a:r>
+              <a:r>
+                <a:rPr lang="en-US" sz="2400" dirty="0"/>
+                <a:t>then Best-First Search is your best option. If you care about accuracy and not speed, Dijkstra is your best option. </a:t>
+              </a:r>
+              <a:r>
+                <a:rPr lang="en-US" sz="2400" dirty="0" smtClean="0"/>
+                <a:t> On custom mazes, the algorithms might perform differently, and </a:t>
+              </a:r>
+              <a:r>
+                <a:rPr lang="is-IS" sz="2400" smtClean="0"/>
+                <a:t>….</a:t>
+              </a:r>
+              <a:r>
+                <a:rPr lang="en-US" dirty="0"/>
+                <a:t/>
+              </a:r>
+              <a:br>
+                <a:rPr lang="en-US" dirty="0"/>
+              </a:br>
+              <a:endParaRPr lang="en-US" dirty="0"/>
+            </a:p>
+          </p:txBody>
+        </p:sp>
+      </p:grpSp>
+      <p:sp>
+        <p:nvSpPr>
+          <p:cNvPr id="87" name="TextBox 86"/>
+          <p:cNvSpPr txBox="1"/>
+          <p:nvPr/>
+        </p:nvSpPr>
         <p:spPr>
           <a:xfrm>
-            <a:off x="14912665" y="12492829"/>
-            <a:ext cx="6871759" cy="5765124"/>
+            <a:off x="26067000" y="953560"/>
+            <a:ext cx="6049757" cy="2862322"/>
           </a:xfrm>
           <a:prstGeom prst="rect">
             <a:avLst/>
           </a:prstGeom>
+          <a:noFill/>
         </p:spPr>
-      </p:pic>
+        <p:txBody>
+          <a:bodyPr wrap="square" rtlCol="0">
+            <a:spAutoFit/>
+          </a:bodyPr>
+          <a:lstStyle/>
+          <a:p>
+            <a:pPr algn="ctr"/>
+            <a:r>
+              <a:rPr lang="en-US" sz="6000" dirty="0" smtClean="0"/>
+              <a:t>Ethan Suresh </a:t>
+            </a:r>
+          </a:p>
+          <a:p>
+            <a:pPr algn="ctr"/>
+            <a:r>
+              <a:rPr lang="en-US" sz="6000" dirty="0" smtClean="0"/>
+              <a:t>7</a:t>
+            </a:r>
+            <a:r>
+              <a:rPr lang="en-US" sz="6000" baseline="30000" dirty="0" smtClean="0"/>
+              <a:t>th</a:t>
+            </a:r>
+            <a:r>
+              <a:rPr lang="en-US" sz="6000" dirty="0" smtClean="0"/>
+              <a:t> </a:t>
+            </a:r>
+            <a:r>
+              <a:rPr lang="en-US" sz="6000" dirty="0" smtClean="0"/>
+              <a:t>Grade</a:t>
+            </a:r>
+          </a:p>
+          <a:p>
+            <a:pPr algn="ctr"/>
+            <a:r>
+              <a:rPr lang="en-US" sz="6000" dirty="0" smtClean="0"/>
+              <a:t>Churchill Jr. High</a:t>
+            </a:r>
+            <a:endParaRPr lang="en-US" sz="6000" dirty="0"/>
+          </a:p>
+        </p:txBody>
+      </p:sp>
+      <p:sp>
+        <p:nvSpPr>
+          <p:cNvPr id="88" name="TextBox 87"/>
+          <p:cNvSpPr txBox="1"/>
+          <p:nvPr/>
+        </p:nvSpPr>
+        <p:spPr>
+          <a:xfrm>
+            <a:off x="843721" y="116532"/>
+            <a:ext cx="7988730" cy="2800767"/>
+          </a:xfrm>
+          <a:prstGeom prst="rect">
+            <a:avLst/>
+          </a:prstGeom>
+          <a:noFill/>
+        </p:spPr>
+        <p:txBody>
+          <a:bodyPr wrap="square" rtlCol="0">
+            <a:spAutoFit/>
+          </a:bodyPr>
+          <a:lstStyle/>
+          <a:p>
+            <a:pPr algn="ctr"/>
+            <a:r>
+              <a:rPr lang="en-US" sz="3200" b="1" dirty="0" smtClean="0"/>
+              <a:t>Abstract</a:t>
+            </a:r>
+          </a:p>
+          <a:p>
+            <a:r>
+              <a:rPr lang="en-US" sz="2400" dirty="0" smtClean="0"/>
+              <a:t>	</a:t>
+            </a:r>
+          </a:p>
+          <a:p>
+            <a:r>
+              <a:rPr lang="en-US" sz="2400" dirty="0" smtClean="0"/>
+              <a:t>Characters in videogames need to find quick paths to destinations. This is difficult when there are obstacles. There are different algorithms for finding paths between points. </a:t>
+            </a:r>
+            <a:r>
+              <a:rPr lang="en-US" sz="2400" smtClean="0"/>
+              <a:t>My goal was to experiment with these algorithms and find which ones worked fastest and gave the shortest paths. </a:t>
+            </a:r>
+            <a:endParaRPr lang="en-US" sz="2400" dirty="0" smtClean="0"/>
+          </a:p>
+        </p:txBody>
+      </p:sp>
     </p:spTree>
     <p:extLst>
       <p:ext uri="{BB962C8B-B14F-4D97-AF65-F5344CB8AC3E}">

--- a/Science Fair 2017-2018/sciencefair.pptx
+++ b/Science Fair 2017-2018/sciencefair.pptx
@@ -798,7 +798,7 @@
           <a:lstStyle/>
           <a:p>
             <a:pPr>
-              <a:defRPr sz="900" b="0" i="0" u="none" strike="noStrike" kern="1200" baseline="0">
+              <a:defRPr sz="1800" b="0" i="0" u="none" strike="noStrike" kern="1200" baseline="0">
                 <a:solidFill>
                   <a:schemeClr val="lt1">
                     <a:lumMod val="75000"/>
@@ -856,7 +856,7 @@
           <a:lstStyle/>
           <a:p>
             <a:pPr>
-              <a:defRPr sz="900" b="0" i="0" u="none" strike="noStrike" kern="1200" baseline="0">
+              <a:defRPr sz="1800" b="0" i="0" u="none" strike="noStrike" kern="1200" baseline="0">
                 <a:solidFill>
                   <a:schemeClr val="lt1">
                     <a:lumMod val="75000"/>
@@ -898,7 +898,7 @@
         <a:lstStyle/>
         <a:p>
           <a:pPr>
-            <a:defRPr sz="900" b="0" i="0" u="none" strike="noStrike" kern="1200" baseline="0">
+            <a:defRPr sz="1800" b="0" i="0" u="none" strike="noStrike" kern="1200" baseline="0">
               <a:solidFill>
                 <a:schemeClr val="lt1">
                   <a:lumMod val="75000"/>
@@ -1590,7 +1590,7 @@
           <a:lstStyle/>
           <a:p>
             <a:pPr>
-              <a:defRPr sz="900" b="0" i="0" u="none" strike="noStrike" kern="1200" baseline="0">
+              <a:defRPr sz="1800" b="0" i="0" u="none" strike="noStrike" kern="1200" baseline="0">
                 <a:solidFill>
                   <a:schemeClr val="lt1">
                     <a:lumMod val="75000"/>
@@ -1690,7 +1690,7 @@
         <a:lstStyle/>
         <a:p>
           <a:pPr>
-            <a:defRPr sz="900" b="0" i="0" u="none" strike="noStrike" kern="1200" baseline="0">
+            <a:defRPr sz="1800" b="0" i="0" u="none" strike="noStrike" kern="1200" baseline="0">
               <a:solidFill>
                 <a:schemeClr val="lt1">
                   <a:lumMod val="75000"/>
@@ -2042,7 +2042,7 @@
           <a:lstStyle/>
           <a:p>
             <a:pPr>
-              <a:defRPr sz="900" b="0" i="0" u="none" strike="noStrike" kern="1200" baseline="0">
+              <a:defRPr sz="1800" b="0" i="0" u="none" strike="noStrike" kern="1200" baseline="0">
                 <a:solidFill>
                   <a:schemeClr val="lt1">
                     <a:lumMod val="85000"/>
@@ -2100,7 +2100,7 @@
           <a:lstStyle/>
           <a:p>
             <a:pPr>
-              <a:defRPr sz="900" b="0" i="0" u="none" strike="noStrike" kern="1200" baseline="0">
+              <a:defRPr sz="1800" b="0" i="0" u="none" strike="noStrike" kern="1200" baseline="0">
                 <a:solidFill>
                   <a:schemeClr val="lt1">
                     <a:lumMod val="85000"/>
@@ -2142,7 +2142,7 @@
         <a:lstStyle/>
         <a:p>
           <a:pPr>
-            <a:defRPr sz="900" b="0" i="0" u="none" strike="noStrike" kern="1200" baseline="0">
+            <a:defRPr sz="1800" b="0" i="0" u="none" strike="noStrike" kern="1200" baseline="0">
               <a:solidFill>
                 <a:schemeClr val="lt1">
                   <a:lumMod val="85000"/>
@@ -5293,6 +5293,68 @@
       </p:grpSpPr>
       <p:sp>
         <p:nvSpPr>
+          <p:cNvPr id="26" name="Rounded Rectangle 25"/>
+          <p:cNvSpPr/>
+          <p:nvPr/>
+        </p:nvSpPr>
+        <p:spPr>
+          <a:xfrm>
+            <a:off x="1941455" y="-22419"/>
+            <a:ext cx="28716345" cy="2790865"/>
+          </a:xfrm>
+          <a:prstGeom prst="roundRect">
+            <a:avLst/>
+          </a:prstGeom>
+          <a:solidFill>
+            <a:srgbClr val="FFC000"/>
+          </a:solidFill>
+          <a:ln>
+            <a:noFill/>
+          </a:ln>
+          <a:effectLst>
+            <a:glow rad="101600">
+              <a:srgbClr val="FFC000">
+                <a:alpha val="60000"/>
+              </a:srgbClr>
+            </a:glow>
+          </a:effectLst>
+          <a:scene3d>
+            <a:camera prst="orthographicFront"/>
+            <a:lightRig rig="threePt" dir="t"/>
+          </a:scene3d>
+          <a:sp3d/>
+        </p:spPr>
+        <p:style>
+          <a:lnRef idx="2">
+            <a:schemeClr val="accent1">
+              <a:shade val="50000"/>
+            </a:schemeClr>
+          </a:lnRef>
+          <a:fillRef idx="1">
+            <a:schemeClr val="accent1"/>
+          </a:fillRef>
+          <a:effectRef idx="0">
+            <a:schemeClr val="accent1"/>
+          </a:effectRef>
+          <a:fontRef idx="minor">
+            <a:schemeClr val="lt1"/>
+          </a:fontRef>
+        </p:style>
+        <p:txBody>
+          <a:bodyPr rtlCol="0" anchor="ctr">
+            <a:sp3d extrusionH="57150">
+              <a:bevelT w="38100" h="38100" prst="angle"/>
+            </a:sp3d>
+          </a:bodyPr>
+          <a:lstStyle/>
+          <a:p>
+            <a:pPr algn="ctr"/>
+            <a:endParaRPr lang="en-US"/>
+          </a:p>
+        </p:txBody>
+      </p:sp>
+      <p:sp>
+        <p:nvSpPr>
           <p:cNvPr id="2" name="Title 1"/>
           <p:cNvSpPr>
             <a:spLocks noGrp="1"/>
@@ -5303,8 +5365,8 @@
         </p:nvSpPr>
         <p:spPr>
           <a:xfrm>
-            <a:off x="9196575" y="-847710"/>
-            <a:ext cx="16152060" cy="5227230"/>
+            <a:off x="399973" y="-1785925"/>
+            <a:ext cx="32089982" cy="5227230"/>
           </a:xfrm>
           <a:effectLst>
             <a:glow rad="1333500">
@@ -6772,61 +6834,6 @@
           </a:p>
         </p:txBody>
       </p:sp>
-      <p:sp>
-        <p:nvSpPr>
-          <p:cNvPr id="52" name="Rounded Rectangle 51"/>
-          <p:cNvSpPr/>
-          <p:nvPr/>
-        </p:nvSpPr>
-        <p:spPr>
-          <a:xfrm>
-            <a:off x="383653" y="116532"/>
-            <a:ext cx="8812922" cy="4278094"/>
-          </a:xfrm>
-          <a:prstGeom prst="roundRect">
-            <a:avLst/>
-          </a:prstGeom>
-          <a:solidFill>
-            <a:schemeClr val="bg1"/>
-          </a:solidFill>
-          <a:ln>
-            <a:solidFill>
-              <a:schemeClr val="bg1"/>
-            </a:solidFill>
-          </a:ln>
-          <a:effectLst>
-            <a:outerShdw blurRad="50800" dist="38100" dir="2700000" algn="tl" rotWithShape="0">
-              <a:prstClr val="black">
-                <a:alpha val="40000"/>
-              </a:prstClr>
-            </a:outerShdw>
-          </a:effectLst>
-        </p:spPr>
-        <p:style>
-          <a:lnRef idx="2">
-            <a:schemeClr val="accent1">
-              <a:shade val="50000"/>
-            </a:schemeClr>
-          </a:lnRef>
-          <a:fillRef idx="1">
-            <a:schemeClr val="accent1"/>
-          </a:fillRef>
-          <a:effectRef idx="0">
-            <a:schemeClr val="accent1"/>
-          </a:effectRef>
-          <a:fontRef idx="minor">
-            <a:schemeClr val="lt1"/>
-          </a:fontRef>
-        </p:style>
-        <p:txBody>
-          <a:bodyPr rtlCol="0" anchor="ctr"/>
-          <a:lstStyle/>
-          <a:p>
-            <a:pPr algn="ctr"/>
-            <a:endParaRPr lang="en-US"/>
-          </a:p>
-        </p:txBody>
-      </p:sp>
       <p:grpSp>
         <p:nvGrpSpPr>
           <p:cNvPr id="27" name="Group 26"/>
@@ -6835,8 +6842,8 @@
         </p:nvGrpSpPr>
         <p:grpSpPr>
           <a:xfrm>
-            <a:off x="339620" y="4574116"/>
-            <a:ext cx="8743672" cy="9297713"/>
+            <a:off x="288220" y="3135925"/>
+            <a:ext cx="9139537" cy="11414831"/>
             <a:chOff x="338718" y="5161102"/>
             <a:chExt cx="8743672" cy="8521584"/>
           </a:xfrm>
@@ -7106,8 +7113,8 @@
           </p:nvSpPr>
           <p:spPr>
             <a:xfrm>
-              <a:off x="846851" y="5179247"/>
-              <a:ext cx="7809796" cy="8265086"/>
+              <a:off x="512229" y="5200567"/>
+              <a:ext cx="8480892" cy="8241332"/>
             </a:xfrm>
             <a:prstGeom prst="rect">
               <a:avLst/>
@@ -7122,8 +7129,8 @@
             <a:p>
               <a:pPr algn="ctr"/>
               <a:r>
-                <a:rPr lang="en-US" sz="3200" b="1" dirty="0"/>
-                <a:t>Introduction</a:t>
+                <a:rPr lang="en-US" sz="3200" b="1" dirty="0" smtClean="0"/>
+                <a:t>Introduction and Abstract</a:t>
               </a:r>
               <a:endParaRPr lang="en-US" sz="3200" dirty="0"/>
             </a:p>
@@ -7133,43 +7140,171 @@
             <a:p>
               <a:r>
                 <a:rPr lang="en-US" sz="2400" dirty="0" smtClean="0"/>
-                <a:t>Sometimes</a:t>
+                <a:t>Getting from one </a:t>
+              </a:r>
+              <a:r>
+                <a:rPr lang="en-US" sz="2400" dirty="0"/>
+                <a:t>place to </a:t>
               </a:r>
               <a:r>
                 <a:rPr lang="en-US" sz="2400" dirty="0" smtClean="0"/>
-                <a:t>, </a:t>
+                <a:t>another, such as </a:t>
+              </a:r>
+              <a:r>
+                <a:rPr lang="en-US" sz="2400" dirty="0"/>
+                <a:t>with Google maps, moving characters in a </a:t>
               </a:r>
               <a:r>
                 <a:rPr lang="en-US" sz="2400" dirty="0" smtClean="0"/>
-                <a:t>we</a:t>
+                <a:t>videogame</a:t>
+              </a:r>
+              <a:r>
+                <a:rPr lang="en-US" sz="2400" dirty="0"/>
+                <a:t>, or even helping a robot navigate a </a:t>
               </a:r>
               <a:r>
                 <a:rPr lang="en-US" sz="2400" dirty="0" smtClean="0"/>
-                <a:t> </a:t>
+                <a:t>maze, requires </a:t>
               </a:r>
               <a:r>
                 <a:rPr lang="en-US" sz="2400" dirty="0" smtClean="0"/>
-                <a:t>need an algorithm to </a:t>
-              </a:r>
+                <a:t>algorithms. These algorithms are called path-finding algorithms. The best algorithms work fastest and find shortest paths.</a:t>
+              </a:r>
+            </a:p>
+            <a:p>
+              <a:endParaRPr lang="en-US" sz="2400" dirty="0" smtClean="0"/>
+            </a:p>
+            <a:p>
+              <a:r>
+                <a:rPr lang="en-US" sz="2400" b="1" dirty="0" smtClean="0"/>
+                <a:t>What </a:t>
+              </a:r>
+              <a:r>
+                <a:rPr lang="en-US" sz="2400" b="1" dirty="0"/>
+                <a:t>is a Pathfinding algorithm? </a:t>
+              </a:r>
+              <a:endParaRPr lang="en-US" sz="2400" dirty="0"/>
+            </a:p>
+            <a:p>
               <a:r>
                 <a:rPr lang="en-US" sz="2400" dirty="0" smtClean="0"/>
-                <a:t>go from </a:t>
+                <a:t>A </a:t>
+              </a:r>
+              <a:r>
+                <a:rPr lang="en-US" sz="2400" dirty="0"/>
+                <a:t>pathfinding algorithm is an algorithm which computes a path between point </a:t>
               </a:r>
               <a:r>
                 <a:rPr lang="en-US" sz="2400" dirty="0" smtClean="0"/>
-                <a:t>one place to </a:t>
+                <a:t>A </a:t>
+              </a:r>
+              <a:r>
+                <a:rPr lang="en-US" sz="2400" dirty="0"/>
+                <a:t>and point </a:t>
               </a:r>
               <a:r>
                 <a:rPr lang="en-US" sz="2400" dirty="0" smtClean="0"/>
-                <a:t>another, like with Google maps, moving characters in a game, </a:t>
+                <a:t>B </a:t>
+              </a:r>
+              <a:r>
+                <a:rPr lang="en-US" sz="2400" dirty="0"/>
+                <a:t>on a </a:t>
               </a:r>
               <a:r>
                 <a:rPr lang="en-US" sz="2400" dirty="0" smtClean="0"/>
-                <a:t>or even helping a robot navigate a maze. </a:t>
+                <a:t>grid. </a:t>
+              </a:r>
+              <a:r>
+                <a:rPr lang="en-US" sz="2400" dirty="0"/>
+                <a:t>These </a:t>
               </a:r>
               <a:r>
                 <a:rPr lang="en-US" sz="2400" dirty="0" smtClean="0"/>
-                <a:t>These algorithms are called path-finding algorithms.</a:t>
+                <a:t>grids </a:t>
+              </a:r>
+              <a:r>
+                <a:rPr lang="en-US" sz="2400" dirty="0"/>
+                <a:t>also include obstacles which the path cannot pass through. </a:t>
+              </a:r>
+              <a:endParaRPr lang="en-US" sz="2400" dirty="0" smtClean="0"/>
+            </a:p>
+            <a:p>
+              <a:endParaRPr lang="en-US" sz="2400" dirty="0" smtClean="0"/>
+            </a:p>
+            <a:p>
+              <a:r>
+                <a:rPr lang="en-US" sz="2400" b="1" dirty="0" smtClean="0"/>
+                <a:t>The Problem: </a:t>
+              </a:r>
+              <a:r>
+                <a:rPr lang="en-US" sz="2400" dirty="0" smtClean="0"/>
+                <a:t>In this project, I compared the performance of four well-known algorithms</a:t>
+              </a:r>
+              <a:r>
+                <a:rPr lang="en-US" sz="2400" dirty="0"/>
+                <a:t>: Dijkstra, A*, Breadth-First Search, and Best-First Search</a:t>
+              </a:r>
+              <a:r>
+                <a:rPr lang="en-US" sz="2400" dirty="0" smtClean="0"/>
+                <a:t>.</a:t>
+              </a:r>
+            </a:p>
+            <a:p>
+              <a:endParaRPr lang="en-US" sz="2400" dirty="0" smtClean="0"/>
+            </a:p>
+            <a:p>
+              <a:r>
+                <a:rPr lang="en-US" sz="2400" b="1" dirty="0" smtClean="0"/>
+                <a:t>Judging </a:t>
+              </a:r>
+              <a:r>
+                <a:rPr lang="en-US" sz="2400" b="1" dirty="0"/>
+                <a:t>the Best Algorithm</a:t>
+              </a:r>
+            </a:p>
+            <a:p>
+              <a:r>
+                <a:rPr lang="en-US" sz="2400" dirty="0" smtClean="0"/>
+                <a:t>The best pathfinding </a:t>
+              </a:r>
+              <a:r>
+                <a:rPr lang="en-US" sz="2400" dirty="0"/>
+                <a:t>algorithm </a:t>
+              </a:r>
+              <a:r>
+                <a:rPr lang="en-US" sz="2400" dirty="0" smtClean="0"/>
+                <a:t>was </a:t>
+              </a:r>
+              <a:r>
+                <a:rPr lang="en-US" sz="2400" dirty="0"/>
+                <a:t>decided based on accuracy,</a:t>
+              </a:r>
+              <a:r>
+                <a:rPr lang="en-US" sz="2400" dirty="0" smtClean="0"/>
+                <a:t> time</a:t>
+              </a:r>
+              <a:r>
+                <a:rPr lang="en-US" sz="2400" dirty="0"/>
+                <a:t>, and the amount of cells on the grid explored</a:t>
+              </a:r>
+              <a:r>
+                <a:rPr lang="en-US" sz="2400" dirty="0" smtClean="0"/>
+                <a:t>.</a:t>
+              </a:r>
+            </a:p>
+            <a:p>
+              <a:endParaRPr lang="en-US" sz="2400" dirty="0" smtClean="0"/>
+            </a:p>
+            <a:p>
+              <a:r>
+                <a:rPr lang="en-US" sz="2400" b="1" dirty="0" smtClean="0"/>
+                <a:t>Observations and Conclusion</a:t>
+              </a:r>
+            </a:p>
+            <a:p>
+              <a:r>
+                <a:rPr lang="en-US" sz="2400" dirty="0" smtClean="0"/>
+                <a:t>After running each algorithm through thirty different tests, I found that different algorithms performed very differently in terms of accuracy, speed, and area explored.</a:t>
               </a:r>
             </a:p>
             <a:p>
@@ -7177,115 +7312,55 @@
             </a:p>
             <a:p>
               <a:r>
+                <a:rPr lang="en-US" sz="2400" b="1" dirty="0" smtClean="0"/>
+                <a:t>Why </a:t>
+              </a:r>
+              <a:r>
                 <a:rPr lang="en-US" sz="2400" b="1" dirty="0"/>
-                <a:t>What is a Pathfinding algorithm? </a:t>
+                <a:t>did I choose this topic?</a:t>
               </a:r>
               <a:endParaRPr lang="en-US" sz="2400" dirty="0"/>
             </a:p>
             <a:p>
               <a:r>
                 <a:rPr lang="en-US" sz="2400" dirty="0" smtClean="0"/>
-                <a:t>A </a:t>
+                <a:t>Computer </a:t>
               </a:r>
               <a:r>
                 <a:rPr lang="en-US" sz="2400" dirty="0"/>
-                <a:t>pathfinding algorithm is an algorithm which computes a path between point a and point b on a </a:t>
+                <a:t>Science is one of </a:t>
               </a:r>
               <a:r>
                 <a:rPr lang="en-US" sz="2400" dirty="0" smtClean="0"/>
-                <a:t>grid. </a:t>
+                <a:t>my passions. </a:t>
               </a:r>
               <a:r>
                 <a:rPr lang="en-US" sz="2400" dirty="0"/>
-                <a:t>These </a:t>
+                <a:t>Before I started </a:t>
               </a:r>
               <a:r>
                 <a:rPr lang="en-US" sz="2400" dirty="0" smtClean="0"/>
-                <a:t>grids </a:t>
+                <a:t>this project, </a:t>
               </a:r>
               <a:r>
                 <a:rPr lang="en-US" sz="2400" dirty="0"/>
-                <a:t>also include obstacles which the path cannot pass through. </a:t>
+                <a:t>I </a:t>
               </a:r>
               <a:r>
                 <a:rPr lang="en-US" sz="2400" dirty="0" smtClean="0"/>
-                <a:t>The algorithm should run quickly and find a short(</a:t>
-              </a:r>
-              <a:r>
-                <a:rPr lang="en-US" sz="2400" dirty="0" err="1" smtClean="0"/>
-                <a:t>est</a:t>
+                <a:t>was </a:t>
+              </a:r>
+              <a:r>
+                <a:rPr lang="en-US" sz="2400" dirty="0"/>
+                <a:t>skilled at programming in multiple languages and I knew how to write simulations like this </a:t>
               </a:r>
               <a:r>
                 <a:rPr lang="en-US" sz="2400" dirty="0" smtClean="0"/>
-                <a:t>) path. In this project, I studied four well-known algorithms</a:t>
-              </a:r>
-              <a:r>
-                <a:rPr lang="en-US" sz="2400" dirty="0"/>
-                <a:t>: Dijkstra, A*, Breadth-First Search, and Best-First Search</a:t>
-              </a:r>
-              <a:r>
-                <a:rPr lang="en-US" sz="2400" dirty="0" smtClean="0"/>
-                <a:t>.</a:t>
+                <a:t>one. </a:t>
               </a:r>
             </a:p>
             <a:p>
-              <a:endParaRPr lang="en-US" sz="2400" b="1" dirty="0" smtClean="0"/>
-            </a:p>
-            <a:p>
-              <a:r>
-                <a:rPr lang="en-US" sz="2400" b="1" dirty="0" smtClean="0"/>
-                <a:t>Judging </a:t>
-              </a:r>
-              <a:r>
-                <a:rPr lang="en-US" sz="2400" b="1" dirty="0"/>
-                <a:t>the Best Algorithm</a:t>
-              </a:r>
-            </a:p>
-            <a:p>
-              <a:r>
-                <a:rPr lang="en-US" sz="2400" dirty="0" smtClean="0"/>
-                <a:t>The </a:t>
-              </a:r>
-              <a:r>
-                <a:rPr lang="en-US" sz="2400" dirty="0"/>
-                <a:t>best pathfinding algorithm will be decided based on accuracy, time, and the amount of cells on the grid explored.</a:t>
-              </a:r>
-              <a:endParaRPr lang="en-US" sz="2400" b="1" dirty="0"/>
-            </a:p>
-            <a:p>
-              <a:endParaRPr lang="en-US" sz="2400" dirty="0"/>
-            </a:p>
-            <a:p>
-              <a:r>
-                <a:rPr lang="en-US" sz="2400" b="1" dirty="0"/>
-                <a:t>Why did I choose this topic?</a:t>
-              </a:r>
-              <a:endParaRPr lang="en-US" sz="2400" dirty="0"/>
-            </a:p>
-            <a:p>
-              <a:r>
-                <a:rPr lang="en-US" sz="2400" dirty="0" smtClean="0"/>
-                <a:t>Computer </a:t>
-              </a:r>
-              <a:r>
-                <a:rPr lang="en-US" sz="2400" dirty="0"/>
-                <a:t>Science is one of </a:t>
-              </a:r>
-              <a:r>
-                <a:rPr lang="en-US" sz="2400" dirty="0" smtClean="0"/>
-                <a:t>my passions. </a:t>
-              </a:r>
-              <a:r>
-                <a:rPr lang="en-US" sz="2400" dirty="0"/>
-                <a:t>Before I started the experiment, I already was skilled at programming in multiple languages and I knew how to write simulations like this </a:t>
-              </a:r>
-              <a:r>
-                <a:rPr lang="en-US" sz="2400" dirty="0" smtClean="0"/>
-                <a:t>one. </a:t>
-              </a:r>
-            </a:p>
-            <a:p>
-              <a:endParaRPr lang="en-US" sz="2400" dirty="0" smtClean="0"/>
+              <a:endParaRPr lang="en-US" sz="2000" dirty="0" smtClean="0"/>
             </a:p>
           </p:txBody>
         </p:sp>
@@ -7298,10 +7373,10 @@
         </p:nvGrpSpPr>
         <p:grpSpPr>
           <a:xfrm>
-            <a:off x="329865" y="16587252"/>
-            <a:ext cx="8766763" cy="4987318"/>
+            <a:off x="25379578" y="3180272"/>
+            <a:ext cx="7116313" cy="7427931"/>
             <a:chOff x="329865" y="16764989"/>
-            <a:chExt cx="8766763" cy="5434249"/>
+            <a:chExt cx="8766763" cy="6416958"/>
           </a:xfrm>
         </p:grpSpPr>
         <p:sp>
@@ -7368,7 +7443,7 @@
           <p:spPr>
             <a:xfrm>
               <a:off x="849313" y="16974758"/>
-              <a:ext cx="7881602" cy="4896220"/>
+              <a:ext cx="7881602" cy="6207189"/>
             </a:xfrm>
             <a:prstGeom prst="rect">
               <a:avLst/>
@@ -7405,13 +7480,16 @@
               </a:r>
               <a:r>
                 <a:rPr lang="en-US" sz="2400" dirty="0" smtClean="0"/>
-                <a:t>enerate </a:t>
+                <a:t>enerate 5 different test grids </a:t>
               </a:r>
               <a:r>
                 <a:rPr lang="en-US" sz="2400" dirty="0" smtClean="0"/>
-                <a:t>a grid with a certain size. (10 by 10, etc. ). </a:t>
-              </a:r>
-              <a:endParaRPr lang="en-US" sz="2400" dirty="0" smtClean="0"/>
+                <a:t>with </a:t>
+              </a:r>
+              <a:r>
+                <a:rPr lang="en-US" sz="2400" dirty="0" smtClean="0"/>
+                <a:t>randomly generated or specifically designed obstacles.</a:t>
+              </a:r>
             </a:p>
             <a:p>
               <a:pPr marL="457200" indent="-457200">
@@ -7447,6 +7525,19 @@
               <a:r>
                 <a:rPr lang="en-US" sz="2400" dirty="0" smtClean="0"/>
                 <a:t>run. </a:t>
+              </a:r>
+            </a:p>
+            <a:p>
+              <a:pPr marL="457200" indent="-457200">
+                <a:buFont typeface="+mj-lt"/>
+                <a:buAutoNum type="arabicPeriod"/>
+              </a:pPr>
+              <a:endParaRPr lang="en-US" sz="2400" dirty="0"/>
+            </a:p>
+            <a:p>
+              <a:r>
+                <a:rPr lang="en-US" sz="2400" dirty="0" smtClean="0"/>
+                <a:t>All code was written in Unity C# inside the Unity Game Engine.</a:t>
               </a:r>
             </a:p>
             <a:p>
@@ -7520,10 +7611,10 @@
         </p:nvGrpSpPr>
         <p:grpSpPr>
           <a:xfrm>
-            <a:off x="333028" y="13777562"/>
-            <a:ext cx="8744787" cy="2602365"/>
-            <a:chOff x="343065" y="13233702"/>
-            <a:chExt cx="8744787" cy="2602365"/>
+            <a:off x="288518" y="19116430"/>
+            <a:ext cx="9008312" cy="2379738"/>
+            <a:chOff x="343065" y="12989154"/>
+            <a:chExt cx="8744787" cy="2746300"/>
           </a:xfrm>
         </p:grpSpPr>
         <p:sp>
@@ -7589,7 +7680,7 @@
           </p:nvSpPr>
           <p:spPr>
             <a:xfrm>
-              <a:off x="853758" y="13233702"/>
+              <a:off x="821634" y="12989154"/>
               <a:ext cx="7787647" cy="2123658"/>
             </a:xfrm>
             <a:prstGeom prst="rect">
@@ -7638,7 +7729,7 @@
           <p:spPr>
             <a:xfrm>
               <a:off x="906956" y="14420295"/>
-              <a:ext cx="7491092" cy="1415772"/>
+              <a:ext cx="7491092" cy="887962"/>
             </a:xfrm>
             <a:prstGeom prst="rect">
               <a:avLst/>
@@ -7652,27 +7743,21 @@
             <a:lstStyle/>
             <a:p>
               <a:r>
-                <a:rPr lang="en-US" sz="2400" dirty="0" smtClean="0"/>
-                <a:t>	</a:t>
-              </a:r>
-              <a:r>
                 <a:rPr lang="en-US" sz="2200" dirty="0" smtClean="0"/>
                 <a:t>I </a:t>
               </a:r>
               <a:r>
                 <a:rPr lang="en-US" sz="2200" dirty="0"/>
-                <a:t>believe that Best-First will </a:t>
+                <a:t>believe that </a:t>
               </a:r>
               <a:r>
                 <a:rPr lang="en-US" sz="2200" dirty="0" smtClean="0"/>
-                <a:t>be better than </a:t>
-              </a:r>
-              <a:r>
-                <a:rPr lang="en-US" sz="2200" dirty="0"/>
-                <a:t>all others because it is a lot faster, and, even though it is not 100%, I believe it will win with speed and efficiency. </a:t>
-              </a:r>
-            </a:p>
-            <a:p>
+                <a:t>Best-First will outperform the other methods in both speed </a:t>
+              </a:r>
+              <a:r>
+                <a:rPr lang="en-US" sz="2200" smtClean="0"/>
+                <a:t>and accuracy. </a:t>
+              </a:r>
               <a:endParaRPr lang="en-US" dirty="0"/>
             </a:p>
           </p:txBody>
@@ -7686,10 +7771,10 @@
         </p:nvGrpSpPr>
         <p:grpSpPr>
           <a:xfrm>
-            <a:off x="25924302" y="16866000"/>
-            <a:ext cx="6697764" cy="4803706"/>
+            <a:off x="25366157" y="18971019"/>
+            <a:ext cx="7124761" cy="2443869"/>
             <a:chOff x="25810395" y="4586438"/>
-            <a:chExt cx="6697764" cy="4803706"/>
+            <a:chExt cx="6734986" cy="4803706"/>
           </a:xfrm>
         </p:grpSpPr>
         <p:grpSp>
@@ -7800,8 +7885,8 @@
           </p:nvSpPr>
           <p:spPr>
             <a:xfrm>
-              <a:off x="26287045" y="4968113"/>
-              <a:ext cx="6089002" cy="4216539"/>
+              <a:off x="25965968" y="4744331"/>
+              <a:ext cx="6579413" cy="2800767"/>
             </a:xfrm>
             <a:prstGeom prst="rect">
               <a:avLst/>
@@ -7819,64 +7904,61 @@
                 <a:rPr lang="en-US" sz="3200" b="1" dirty="0" smtClean="0"/>
                 <a:t>Bibliography</a:t>
               </a:r>
-            </a:p>
-            <a:p>
-              <a:pPr algn="ctr"/>
               <a:endParaRPr lang="en-US" sz="3200" dirty="0"/>
             </a:p>
             <a:p>
               <a:r>
-                <a:rPr lang="en-US" sz="2400" b="1" u="sng" dirty="0">
+                <a:rPr lang="en-US" b="1" u="sng" dirty="0">
                   <a:hlinkClick r:id="rId4"/>
                 </a:rPr>
                 <a:t>www.wikipedia.org</a:t>
               </a:r>
-              <a:endParaRPr lang="en-US" sz="2400" dirty="0"/>
+              <a:endParaRPr lang="en-US" dirty="0"/>
             </a:p>
             <a:p>
               <a:r>
-                <a:rPr lang="en-US" sz="2400" b="1" u="sng" dirty="0">
+                <a:rPr lang="en-US" b="1" u="sng" dirty="0">
                   <a:hlinkClick r:id="rId5"/>
                 </a:rPr>
                 <a:t>www.theory.stanford.edu</a:t>
               </a:r>
-              <a:endParaRPr lang="en-US" sz="2400" dirty="0"/>
+              <a:endParaRPr lang="en-US" dirty="0"/>
             </a:p>
             <a:p>
               <a:r>
-                <a:rPr lang="en-US" sz="2400" b="1" u="sng" dirty="0">
+                <a:rPr lang="en-US" b="1" u="sng" dirty="0">
                   <a:hlinkClick r:id="rId6"/>
                 </a:rPr>
                 <a:t>www.gamedev.stackexchange.com</a:t>
               </a:r>
-              <a:endParaRPr lang="en-US" sz="2400" dirty="0"/>
+              <a:endParaRPr lang="en-US" dirty="0"/>
             </a:p>
             <a:p>
               <a:r>
-                <a:rPr lang="en-US" sz="2400" b="1" u="sng" dirty="0">
+                <a:rPr lang="en-US" b="1" u="sng" dirty="0">
                   <a:hlinkClick r:id="rId7"/>
                 </a:rPr>
                 <a:t>www.redblobgames.com/pathfinding/</a:t>
               </a:r>
-              <a:endParaRPr lang="en-US" sz="2400" dirty="0"/>
+              <a:endParaRPr lang="en-US" dirty="0"/>
             </a:p>
             <a:p>
               <a:r>
-                <a:rPr lang="en-US" sz="2400" b="1" dirty="0" smtClean="0">
+                <a:rPr lang="en-US" b="1" dirty="0" smtClean="0">
                   <a:hlinkClick r:id="rId8"/>
                 </a:rPr>
                 <a:t>stackoverflow.com/questions/1937690/c-sharp-priority-queue</a:t>
               </a:r>
-              <a:endParaRPr lang="en-US" sz="2400" dirty="0"/>
+              <a:endParaRPr lang="en-US" dirty="0"/>
             </a:p>
             <a:p>
               <a:r>
-                <a:rPr lang="en-US" sz="2400" b="1" u="sng" dirty="0">
+                <a:rPr lang="en-US" b="1" u="sng" dirty="0">
                   <a:hlinkClick r:id="rId9"/>
                 </a:rPr>
                 <a:t>www.ai-depot.com/Tutorial/PathFinding.html</a:t>
               </a:r>
-              <a:endParaRPr lang="en-US" sz="2400" dirty="0"/>
+              <a:endParaRPr lang="en-US" dirty="0"/>
             </a:p>
             <a:p>
               <a:r>
@@ -7900,13 +7982,13 @@
           <p:nvPr>
             <p:extLst>
               <p:ext uri="{D42A27DB-BD31-4B8C-83A1-F6EECF244321}">
-                <p14:modId xmlns:p14="http://schemas.microsoft.com/office/powerpoint/2010/main" val="1203172778"/>
+                <p14:modId xmlns:p14="http://schemas.microsoft.com/office/powerpoint/2010/main" val="1853135914"/>
               </p:ext>
             </p:extLst>
           </p:nvPr>
         </p:nvGraphicFramePr>
         <p:xfrm>
-          <a:off x="10493392" y="11002976"/>
+          <a:off x="10456202" y="10771215"/>
           <a:ext cx="4552113" cy="4373027"/>
         </p:xfrm>
         <a:graphic>
@@ -7924,14 +8006,14 @@
           <p:nvPr>
             <p:extLst>
               <p:ext uri="{D42A27DB-BD31-4B8C-83A1-F6EECF244321}">
-                <p14:modId xmlns:p14="http://schemas.microsoft.com/office/powerpoint/2010/main" val="648458587"/>
+                <p14:modId xmlns:p14="http://schemas.microsoft.com/office/powerpoint/2010/main" val="792759449"/>
               </p:ext>
             </p:extLst>
           </p:nvPr>
         </p:nvGraphicFramePr>
         <p:xfrm>
-          <a:off x="15175698" y="11002976"/>
-          <a:ext cx="4377266" cy="4373027"/>
+          <a:off x="15255606" y="10763432"/>
+          <a:ext cx="4423500" cy="4373027"/>
         </p:xfrm>
         <a:graphic>
           <a:graphicData uri="http://schemas.openxmlformats.org/drawingml/2006/chart">
@@ -7948,14 +8030,14 @@
           <p:nvPr>
             <p:extLst>
               <p:ext uri="{D42A27DB-BD31-4B8C-83A1-F6EECF244321}">
-                <p14:modId xmlns:p14="http://schemas.microsoft.com/office/powerpoint/2010/main" val="163963184"/>
+                <p14:modId xmlns:p14="http://schemas.microsoft.com/office/powerpoint/2010/main" val="699974157"/>
               </p:ext>
             </p:extLst>
           </p:nvPr>
         </p:nvGraphicFramePr>
         <p:xfrm>
-          <a:off x="19683157" y="10985303"/>
-          <a:ext cx="4666117" cy="4373027"/>
+          <a:off x="19951058" y="10756119"/>
+          <a:ext cx="4924812" cy="4349277"/>
         </p:xfrm>
         <a:graphic>
           <a:graphicData uri="http://schemas.openxmlformats.org/drawingml/2006/chart">
@@ -8027,7 +8109,7 @@
         </p:blipFill>
         <p:spPr>
           <a:xfrm>
-            <a:off x="11375580" y="6388255"/>
+            <a:off x="11376706" y="6376836"/>
             <a:ext cx="3557678" cy="3397865"/>
           </a:xfrm>
           <a:prstGeom prst="roundRect">
@@ -8175,9 +8257,9 @@
         <p:grpSpPr>
           <a:xfrm>
             <a:off x="16386904" y="4552908"/>
-            <a:ext cx="8280414" cy="4485738"/>
+            <a:ext cx="8400524" cy="4485738"/>
             <a:chOff x="16485257" y="4638088"/>
-            <a:chExt cx="8280414" cy="4130702"/>
+            <a:chExt cx="8400524" cy="4130702"/>
           </a:xfrm>
         </p:grpSpPr>
         <p:sp>
@@ -8322,10 +8404,10 @@
           </p:nvGrpSpPr>
           <p:grpSpPr>
             <a:xfrm>
-              <a:off x="22222092" y="6058227"/>
-              <a:ext cx="2543579" cy="2499855"/>
+              <a:off x="22222092" y="6058226"/>
+              <a:ext cx="2663689" cy="2478421"/>
               <a:chOff x="13126961" y="3904434"/>
-              <a:chExt cx="3364805" cy="3369639"/>
+              <a:chExt cx="3523694" cy="3340748"/>
             </a:xfrm>
           </p:grpSpPr>
           <p:pic>
@@ -8378,8 +8460,8 @@
             </p:nvSpPr>
             <p:spPr>
               <a:xfrm>
-                <a:off x="13927070" y="6873963"/>
-                <a:ext cx="2564696" cy="400110"/>
+                <a:off x="14085960" y="6845072"/>
+                <a:ext cx="2564695" cy="400110"/>
               </a:xfrm>
               <a:prstGeom prst="rect">
                 <a:avLst/>
@@ -8535,7 +8617,7 @@
         </p:nvSpPr>
         <p:spPr>
           <a:xfrm>
-            <a:off x="13496168" y="10231324"/>
+            <a:off x="13450596" y="9977586"/>
             <a:ext cx="7552873" cy="584775"/>
           </a:xfrm>
           <a:prstGeom prst="rect">
@@ -10232,10 +10314,10 @@
         </p:nvGrpSpPr>
         <p:grpSpPr>
           <a:xfrm>
-            <a:off x="25833549" y="4591111"/>
-            <a:ext cx="6867919" cy="8087240"/>
-            <a:chOff x="25640240" y="9562243"/>
-            <a:chExt cx="6867919" cy="8087240"/>
+            <a:off x="25366158" y="9634612"/>
+            <a:ext cx="7127882" cy="7187388"/>
+            <a:chOff x="25639946" y="13612905"/>
+            <a:chExt cx="6867919" cy="8695739"/>
           </a:xfrm>
         </p:grpSpPr>
         <p:sp>
@@ -10246,7 +10328,7 @@
           </p:nvSpPr>
           <p:spPr>
             <a:xfrm>
-              <a:off x="25640240" y="9562243"/>
+              <a:off x="25639946" y="13612905"/>
               <a:ext cx="6867919" cy="6998903"/>
             </a:xfrm>
             <a:prstGeom prst="roundRect">
@@ -10302,8 +10384,8 @@
           </p:nvSpPr>
           <p:spPr>
             <a:xfrm>
-              <a:off x="26167972" y="9924291"/>
-              <a:ext cx="6035152" cy="7725192"/>
+              <a:off x="25778466" y="13855918"/>
+              <a:ext cx="6530457" cy="8452726"/>
             </a:xfrm>
             <a:prstGeom prst="rect">
               <a:avLst/>
@@ -10321,6 +10403,7 @@
                 <a:rPr lang="en-US" sz="3200" b="1" dirty="0" smtClean="0"/>
                 <a:t>Results</a:t>
               </a:r>
+              <a:endParaRPr lang="en-US" sz="3200" b="1" dirty="0" smtClean="0"/>
             </a:p>
             <a:p>
               <a:pPr marL="342900" indent="-342900">
@@ -10443,10 +10526,10 @@
         </p:nvGrpSpPr>
         <p:grpSpPr>
           <a:xfrm>
-            <a:off x="25858981" y="11874460"/>
-            <a:ext cx="6852415" cy="4728978"/>
+            <a:off x="25366158" y="15770852"/>
+            <a:ext cx="7127882" cy="3431920"/>
             <a:chOff x="25665672" y="16845592"/>
-            <a:chExt cx="6852415" cy="4728978"/>
+            <a:chExt cx="6855418" cy="5367630"/>
           </a:xfrm>
         </p:grpSpPr>
         <p:sp>
@@ -10513,8 +10596,8 @@
           </p:nvSpPr>
           <p:spPr>
             <a:xfrm>
-              <a:off x="26184429" y="17108154"/>
-              <a:ext cx="5987631" cy="3447098"/>
+              <a:off x="25844534" y="17069539"/>
+              <a:ext cx="6676556" cy="5143683"/>
             </a:xfrm>
             <a:prstGeom prst="rect">
               <a:avLst/>
@@ -10535,9 +10618,6 @@
               <a:endParaRPr lang="en-US" sz="3200" b="1" dirty="0"/>
             </a:p>
             <a:p>
-              <a:endParaRPr lang="en-US" sz="2400" dirty="0" smtClean="0"/>
-            </a:p>
-            <a:p>
               <a:r>
                 <a:rPr lang="en-US" sz="2400" dirty="0" smtClean="0"/>
                 <a:t>The </a:t>
@@ -10556,11 +10636,7 @@
               </a:r>
               <a:r>
                 <a:rPr lang="en-US" sz="2400" dirty="0" smtClean="0"/>
-                <a:t> On custom mazes, the algorithms might perform differently, and </a:t>
-              </a:r>
-              <a:r>
-                <a:rPr lang="is-IS" sz="2400" smtClean="0"/>
-                <a:t>….</a:t>
+                <a:t> On custom mazes, the best performing algorithm will depend on the nature of the obstacles.</a:t>
               </a:r>
               <a:r>
                 <a:rPr lang="en-US" dirty="0"/>
@@ -10582,8 +10658,8 @@
         </p:nvSpPr>
         <p:spPr>
           <a:xfrm>
-            <a:off x="26067000" y="953560"/>
-            <a:ext cx="6049757" cy="2862322"/>
+            <a:off x="399972" y="1538757"/>
+            <a:ext cx="32089982" cy="1015663"/>
           </a:xfrm>
           <a:prstGeom prst="rect">
             <a:avLst/>
@@ -10599,48 +10675,474 @@
             <a:pPr algn="ctr"/>
             <a:r>
               <a:rPr lang="en-US" sz="6000" dirty="0" smtClean="0"/>
-              <a:t>Ethan Suresh </a:t>
+              <a:t>Ethan Suresh , </a:t>
             </a:r>
-          </a:p>
-          <a:p>
-            <a:pPr algn="ctr"/>
             <a:r>
-              <a:rPr lang="en-US" sz="6000" dirty="0" smtClean="0"/>
+              <a:rPr lang="en-US" sz="6000" smtClean="0"/>
               <a:t>7</a:t>
             </a:r>
             <a:r>
-              <a:rPr lang="en-US" sz="6000" baseline="30000" dirty="0" smtClean="0"/>
+              <a:rPr lang="en-US" sz="6000" baseline="30000" smtClean="0"/>
               <a:t>th</a:t>
             </a:r>
             <a:r>
-              <a:rPr lang="en-US" sz="6000" dirty="0" smtClean="0"/>
-              <a:t> </a:t>
+              <a:rPr lang="en-US" sz="6000" smtClean="0"/>
+              <a:t> Grade, Churchill </a:t>
             </a:r>
             <a:r>
               <a:rPr lang="en-US" sz="6000" dirty="0" smtClean="0"/>
-              <a:t>Grade</a:t>
-            </a:r>
-          </a:p>
-          <a:p>
-            <a:pPr algn="ctr"/>
-            <a:r>
-              <a:rPr lang="en-US" sz="6000" dirty="0" smtClean="0"/>
-              <a:t>Churchill Jr. High</a:t>
+              <a:t>Jr. High</a:t>
             </a:r>
             <a:endParaRPr lang="en-US" sz="6000" dirty="0"/>
           </a:p>
         </p:txBody>
       </p:sp>
+      <p:grpSp>
+        <p:nvGrpSpPr>
+          <p:cNvPr id="43" name="Group 42"/>
+          <p:cNvGrpSpPr/>
+          <p:nvPr/>
+        </p:nvGrpSpPr>
+        <p:grpSpPr>
+          <a:xfrm>
+            <a:off x="276277" y="7982149"/>
+            <a:ext cx="9657784" cy="11520801"/>
+            <a:chOff x="321758" y="10316981"/>
+            <a:chExt cx="9380938" cy="11520801"/>
+          </a:xfrm>
+        </p:grpSpPr>
+        <p:grpSp>
+          <p:nvGrpSpPr>
+            <p:cNvPr id="71" name="Group 70"/>
+            <p:cNvGrpSpPr/>
+            <p:nvPr/>
+          </p:nvGrpSpPr>
+          <p:grpSpPr>
+            <a:xfrm>
+              <a:off x="321758" y="10316981"/>
+              <a:ext cx="9380938" cy="11427530"/>
+              <a:chOff x="-264633" y="3305120"/>
+              <a:chExt cx="8566765" cy="14324688"/>
+            </a:xfrm>
+          </p:grpSpPr>
+          <p:sp>
+            <p:nvSpPr>
+              <p:cNvPr id="78" name="Rounded Rectangle 77"/>
+              <p:cNvSpPr/>
+              <p:nvPr/>
+            </p:nvSpPr>
+            <p:spPr>
+              <a:xfrm>
+                <a:off x="-264633" y="11694466"/>
+                <a:ext cx="8042562" cy="5935342"/>
+              </a:xfrm>
+              <a:prstGeom prst="roundRect">
+                <a:avLst/>
+              </a:prstGeom>
+              <a:ln>
+                <a:noFill/>
+              </a:ln>
+              <a:effectLst>
+                <a:outerShdw blurRad="50800" dist="38100" dir="2700000" algn="tl" rotWithShape="0">
+                  <a:prstClr val="black">
+                    <a:alpha val="40000"/>
+                  </a:prstClr>
+                </a:outerShdw>
+              </a:effectLst>
+            </p:spPr>
+            <p:style>
+              <a:lnRef idx="2">
+                <a:schemeClr val="dk1"/>
+              </a:lnRef>
+              <a:fillRef idx="1">
+                <a:schemeClr val="lt1"/>
+              </a:fillRef>
+              <a:effectRef idx="0">
+                <a:schemeClr val="dk1"/>
+              </a:effectRef>
+              <a:fontRef idx="minor">
+                <a:schemeClr val="dk1"/>
+              </a:fontRef>
+            </p:style>
+            <p:txBody>
+              <a:bodyPr rtlCol="0" anchor="ctr"/>
+              <a:lstStyle/>
+              <a:p>
+                <a:pPr algn="ctr"/>
+                <a:endParaRPr lang="en-US"/>
+              </a:p>
+            </p:txBody>
+          </p:sp>
+          <p:sp>
+            <p:nvSpPr>
+              <p:cNvPr id="81" name="Subtitle 2"/>
+              <p:cNvSpPr txBox="1">
+                <a:spLocks/>
+              </p:cNvSpPr>
+              <p:nvPr/>
+            </p:nvSpPr>
+            <p:spPr>
+              <a:xfrm>
+                <a:off x="305496" y="3305120"/>
+                <a:ext cx="7996636" cy="1591874"/>
+              </a:xfrm>
+              <a:prstGeom prst="rect">
+                <a:avLst/>
+              </a:prstGeom>
+            </p:spPr>
+            <p:txBody>
+              <a:bodyPr vert="horz" lIns="75675" tIns="37837" rIns="75675" bIns="37837" rtlCol="0">
+                <a:normAutofit/>
+              </a:bodyPr>
+              <a:lstStyle>
+                <a:lvl1pPr marL="0" indent="0" algn="l" defTabSz="3535710" rtl="0" eaLnBrk="1" latinLnBrk="0" hangingPunct="1">
+                  <a:lnSpc>
+                    <a:spcPct val="90000"/>
+                  </a:lnSpc>
+                  <a:spcBef>
+                    <a:spcPts val="3867"/>
+                  </a:spcBef>
+                  <a:buFont typeface="Arial" panose="020B0604020202020204" pitchFamily="34" charset="0"/>
+                  <a:buNone/>
+                  <a:defRPr sz="7733" kern="1200">
+                    <a:solidFill>
+                      <a:schemeClr val="tx1"/>
+                    </a:solidFill>
+                    <a:latin typeface="+mn-lt"/>
+                    <a:ea typeface="+mn-ea"/>
+                    <a:cs typeface="+mn-cs"/>
+                  </a:defRPr>
+                </a:lvl1pPr>
+                <a:lvl2pPr marL="1767855" indent="0" algn="ctr" defTabSz="3535710" rtl="0" eaLnBrk="1" latinLnBrk="0" hangingPunct="1">
+                  <a:lnSpc>
+                    <a:spcPct val="90000"/>
+                  </a:lnSpc>
+                  <a:spcBef>
+                    <a:spcPts val="1933"/>
+                  </a:spcBef>
+                  <a:buFont typeface="Arial" panose="020B0604020202020204" pitchFamily="34" charset="0"/>
+                  <a:buNone/>
+                  <a:defRPr sz="7733" kern="1200">
+                    <a:solidFill>
+                      <a:schemeClr val="tx1"/>
+                    </a:solidFill>
+                    <a:latin typeface="+mn-lt"/>
+                    <a:ea typeface="+mn-ea"/>
+                    <a:cs typeface="+mn-cs"/>
+                  </a:defRPr>
+                </a:lvl2pPr>
+                <a:lvl3pPr marL="3535710" indent="0" algn="ctr" defTabSz="3535710" rtl="0" eaLnBrk="1" latinLnBrk="0" hangingPunct="1">
+                  <a:lnSpc>
+                    <a:spcPct val="90000"/>
+                  </a:lnSpc>
+                  <a:spcBef>
+                    <a:spcPts val="1933"/>
+                  </a:spcBef>
+                  <a:buFont typeface="Arial" panose="020B0604020202020204" pitchFamily="34" charset="0"/>
+                  <a:buNone/>
+                  <a:defRPr sz="6960" kern="1200">
+                    <a:solidFill>
+                      <a:schemeClr val="tx1"/>
+                    </a:solidFill>
+                    <a:latin typeface="+mn-lt"/>
+                    <a:ea typeface="+mn-ea"/>
+                    <a:cs typeface="+mn-cs"/>
+                  </a:defRPr>
+                </a:lvl3pPr>
+                <a:lvl4pPr marL="5303566" indent="0" algn="ctr" defTabSz="3535710" rtl="0" eaLnBrk="1" latinLnBrk="0" hangingPunct="1">
+                  <a:lnSpc>
+                    <a:spcPct val="90000"/>
+                  </a:lnSpc>
+                  <a:spcBef>
+                    <a:spcPts val="1933"/>
+                  </a:spcBef>
+                  <a:buFont typeface="Arial" panose="020B0604020202020204" pitchFamily="34" charset="0"/>
+                  <a:buNone/>
+                  <a:defRPr sz="6187" kern="1200">
+                    <a:solidFill>
+                      <a:schemeClr val="tx1"/>
+                    </a:solidFill>
+                    <a:latin typeface="+mn-lt"/>
+                    <a:ea typeface="+mn-ea"/>
+                    <a:cs typeface="+mn-cs"/>
+                  </a:defRPr>
+                </a:lvl4pPr>
+                <a:lvl5pPr marL="7071421" indent="0" algn="ctr" defTabSz="3535710" rtl="0" eaLnBrk="1" latinLnBrk="0" hangingPunct="1">
+                  <a:lnSpc>
+                    <a:spcPct val="90000"/>
+                  </a:lnSpc>
+                  <a:spcBef>
+                    <a:spcPts val="1933"/>
+                  </a:spcBef>
+                  <a:buFont typeface="Arial" panose="020B0604020202020204" pitchFamily="34" charset="0"/>
+                  <a:buNone/>
+                  <a:defRPr sz="6187" kern="1200">
+                    <a:solidFill>
+                      <a:schemeClr val="tx1"/>
+                    </a:solidFill>
+                    <a:latin typeface="+mn-lt"/>
+                    <a:ea typeface="+mn-ea"/>
+                    <a:cs typeface="+mn-cs"/>
+                  </a:defRPr>
+                </a:lvl5pPr>
+                <a:lvl6pPr marL="8839276" indent="0" algn="ctr" defTabSz="3535710" rtl="0" eaLnBrk="1" latinLnBrk="0" hangingPunct="1">
+                  <a:lnSpc>
+                    <a:spcPct val="90000"/>
+                  </a:lnSpc>
+                  <a:spcBef>
+                    <a:spcPts val="1933"/>
+                  </a:spcBef>
+                  <a:buFont typeface="Arial" panose="020B0604020202020204" pitchFamily="34" charset="0"/>
+                  <a:buNone/>
+                  <a:defRPr sz="6187" kern="1200">
+                    <a:solidFill>
+                      <a:schemeClr val="tx1"/>
+                    </a:solidFill>
+                    <a:latin typeface="+mn-lt"/>
+                    <a:ea typeface="+mn-ea"/>
+                    <a:cs typeface="+mn-cs"/>
+                  </a:defRPr>
+                </a:lvl6pPr>
+                <a:lvl7pPr marL="10607131" indent="0" algn="ctr" defTabSz="3535710" rtl="0" eaLnBrk="1" latinLnBrk="0" hangingPunct="1">
+                  <a:lnSpc>
+                    <a:spcPct val="90000"/>
+                  </a:lnSpc>
+                  <a:spcBef>
+                    <a:spcPts val="1933"/>
+                  </a:spcBef>
+                  <a:buFont typeface="Arial" panose="020B0604020202020204" pitchFamily="34" charset="0"/>
+                  <a:buNone/>
+                  <a:defRPr sz="6187" kern="1200">
+                    <a:solidFill>
+                      <a:schemeClr val="tx1"/>
+                    </a:solidFill>
+                    <a:latin typeface="+mn-lt"/>
+                    <a:ea typeface="+mn-ea"/>
+                    <a:cs typeface="+mn-cs"/>
+                  </a:defRPr>
+                </a:lvl7pPr>
+                <a:lvl8pPr marL="12374987" indent="0" algn="ctr" defTabSz="3535710" rtl="0" eaLnBrk="1" latinLnBrk="0" hangingPunct="1">
+                  <a:lnSpc>
+                    <a:spcPct val="90000"/>
+                  </a:lnSpc>
+                  <a:spcBef>
+                    <a:spcPts val="1933"/>
+                  </a:spcBef>
+                  <a:buFont typeface="Arial" panose="020B0604020202020204" pitchFamily="34" charset="0"/>
+                  <a:buNone/>
+                  <a:defRPr sz="6187" kern="1200">
+                    <a:solidFill>
+                      <a:schemeClr val="tx1"/>
+                    </a:solidFill>
+                    <a:latin typeface="+mn-lt"/>
+                    <a:ea typeface="+mn-ea"/>
+                    <a:cs typeface="+mn-cs"/>
+                  </a:defRPr>
+                </a:lvl8pPr>
+                <a:lvl9pPr marL="14142842" indent="0" algn="ctr" defTabSz="3535710" rtl="0" eaLnBrk="1" latinLnBrk="0" hangingPunct="1">
+                  <a:lnSpc>
+                    <a:spcPct val="90000"/>
+                  </a:lnSpc>
+                  <a:spcBef>
+                    <a:spcPts val="1933"/>
+                  </a:spcBef>
+                  <a:buFont typeface="Arial" panose="020B0604020202020204" pitchFamily="34" charset="0"/>
+                  <a:buNone/>
+                  <a:defRPr sz="6187" kern="1200">
+                    <a:solidFill>
+                      <a:schemeClr val="tx1"/>
+                    </a:solidFill>
+                    <a:latin typeface="+mn-lt"/>
+                    <a:ea typeface="+mn-ea"/>
+                    <a:cs typeface="+mn-cs"/>
+                  </a:defRPr>
+                </a:lvl9pPr>
+              </a:lstStyle>
+              <a:p>
+                <a:pPr algn="ctr"/>
+                <a:endParaRPr lang="en-US" sz="6399" dirty="0">
+                  <a:latin typeface="Century Gothic"/>
+                  <a:cs typeface="Century Gothic"/>
+                </a:endParaRPr>
+              </a:p>
+            </p:txBody>
+          </p:sp>
+        </p:grpSp>
+        <p:sp>
+          <p:nvSpPr>
+            <p:cNvPr id="33" name="TextBox 32"/>
+            <p:cNvSpPr txBox="1"/>
+            <p:nvPr/>
+          </p:nvSpPr>
+          <p:spPr>
+            <a:xfrm>
+              <a:off x="976440" y="17190356"/>
+              <a:ext cx="7426527" cy="4647426"/>
+            </a:xfrm>
+            <a:prstGeom prst="rect">
+              <a:avLst/>
+            </a:prstGeom>
+            <a:noFill/>
+          </p:spPr>
+          <p:txBody>
+            <a:bodyPr wrap="square" rtlCol="0">
+              <a:spAutoFit/>
+            </a:bodyPr>
+            <a:lstStyle/>
+            <a:p>
+              <a:pPr algn="ctr"/>
+              <a:r>
+                <a:rPr lang="en-US" sz="3200" b="1" dirty="0" smtClean="0"/>
+                <a:t>The Algorithms </a:t>
+              </a:r>
+            </a:p>
+            <a:p>
+              <a:endParaRPr lang="en-US" sz="2400" dirty="0" smtClean="0"/>
+            </a:p>
+            <a:p>
+              <a:r>
+                <a:rPr lang="en-US" sz="2400" dirty="0" smtClean="0"/>
+                <a:t>All the algorithms explore from the start using different strategies:</a:t>
+              </a:r>
+            </a:p>
+            <a:p>
+              <a:pPr algn="ctr"/>
+              <a:endParaRPr lang="en-US" sz="2400" dirty="0" smtClean="0"/>
+            </a:p>
+            <a:p>
+              <a:pPr marL="457200" indent="-457200">
+                <a:buFont typeface="Arial" charset="0"/>
+                <a:buChar char="•"/>
+              </a:pPr>
+              <a:r>
+                <a:rPr lang="en-US" sz="2400" b="1" dirty="0" smtClean="0"/>
+                <a:t>Breadth-First: </a:t>
+              </a:r>
+              <a:r>
+                <a:rPr lang="en-US" sz="2400" dirty="0" smtClean="0"/>
+                <a:t>explores all possibilities one by one. </a:t>
+              </a:r>
+              <a:endParaRPr lang="en-US" sz="2400" b="1" dirty="0" smtClean="0"/>
+            </a:p>
+            <a:p>
+              <a:pPr marL="457200" indent="-457200">
+                <a:buFont typeface="Arial" charset="0"/>
+                <a:buChar char="•"/>
+              </a:pPr>
+              <a:r>
+                <a:rPr lang="en-US" sz="2400" b="1" dirty="0" smtClean="0"/>
+                <a:t>Best-First: </a:t>
+              </a:r>
+              <a:r>
+                <a:rPr lang="en-US" sz="2400" dirty="0" smtClean="0"/>
+                <a:t>tries </a:t>
+              </a:r>
+              <a:r>
+                <a:rPr lang="en-US" sz="2400" dirty="0"/>
+                <a:t>to go straight to the </a:t>
+              </a:r>
+              <a:r>
+                <a:rPr lang="en-US" sz="2400" dirty="0" smtClean="0"/>
+                <a:t>destination using an estimate. </a:t>
+              </a:r>
+            </a:p>
+            <a:p>
+              <a:pPr marL="457200" indent="-457200">
+                <a:buFont typeface="Arial" charset="0"/>
+                <a:buChar char="•"/>
+              </a:pPr>
+              <a:r>
+                <a:rPr lang="en-US" sz="2400" b="1" dirty="0" smtClean="0"/>
+                <a:t>Dijkstra: </a:t>
+              </a:r>
+              <a:r>
+                <a:rPr lang="en-US" sz="2400" dirty="0"/>
+                <a:t>A</a:t>
+              </a:r>
+              <a:r>
+                <a:rPr lang="en-US" sz="2400" dirty="0" smtClean="0"/>
+                <a:t> priority-based algorithm like Breadth-First but always correct. </a:t>
+              </a:r>
+            </a:p>
+            <a:p>
+              <a:pPr marL="457200" indent="-457200">
+                <a:buFont typeface="Arial" charset="0"/>
+                <a:buChar char="•"/>
+              </a:pPr>
+              <a:r>
+                <a:rPr lang="en-US" sz="2400" b="1" dirty="0" smtClean="0"/>
+                <a:t>A*: </a:t>
+              </a:r>
+              <a:r>
+                <a:rPr lang="en-US" sz="2400" dirty="0" smtClean="0"/>
+                <a:t>a combinatio</a:t>
+              </a:r>
+              <a:r>
+                <a:rPr lang="en-US" sz="2400" dirty="0"/>
+                <a:t>n</a:t>
+              </a:r>
+              <a:r>
+                <a:rPr lang="en-US" sz="2400" dirty="0" smtClean="0"/>
+                <a:t> of Dijkstra and Best-First</a:t>
+              </a:r>
+              <a:endParaRPr lang="en-US" sz="2400" dirty="0"/>
+            </a:p>
+            <a:p>
+              <a:pPr marL="457200" indent="-457200">
+                <a:buFont typeface="Arial" charset="0"/>
+                <a:buChar char="•"/>
+              </a:pPr>
+              <a:endParaRPr lang="en-US" sz="2400" b="1" dirty="0" smtClean="0"/>
+            </a:p>
+          </p:txBody>
+        </p:sp>
+      </p:grpSp>
+      <p:cxnSp>
+        <p:nvCxnSpPr>
+          <p:cNvPr id="49" name="Straight Arrow Connector 48"/>
+          <p:cNvCxnSpPr/>
+          <p:nvPr/>
+        </p:nvCxnSpPr>
+        <p:spPr>
+          <a:xfrm flipH="1">
+            <a:off x="12579298" y="6685613"/>
+            <a:ext cx="199817" cy="392122"/>
+          </a:xfrm>
+          <a:prstGeom prst="straightConnector1">
+            <a:avLst/>
+          </a:prstGeom>
+          <a:ln>
+            <a:solidFill>
+              <a:schemeClr val="accent6"/>
+            </a:solidFill>
+            <a:tailEnd type="triangle"/>
+          </a:ln>
+        </p:spPr>
+        <p:style>
+          <a:lnRef idx="1">
+            <a:schemeClr val="accent1"/>
+          </a:lnRef>
+          <a:fillRef idx="0">
+            <a:schemeClr val="accent1"/>
+          </a:fillRef>
+          <a:effectRef idx="0">
+            <a:schemeClr val="accent1"/>
+          </a:effectRef>
+          <a:fontRef idx="minor">
+            <a:schemeClr val="tx1"/>
+          </a:fontRef>
+        </p:style>
+      </p:cxnSp>
       <p:sp>
         <p:nvSpPr>
-          <p:cNvPr id="88" name="TextBox 87"/>
+          <p:cNvPr id="50" name="TextBox 49"/>
           <p:cNvSpPr txBox="1"/>
           <p:nvPr/>
         </p:nvSpPr>
         <p:spPr>
           <a:xfrm>
-            <a:off x="843721" y="116532"/>
-            <a:ext cx="7988730" cy="2800767"/>
+            <a:off x="12520413" y="6386410"/>
+            <a:ext cx="634006" cy="369332"/>
           </a:xfrm>
           <a:prstGeom prst="rect">
             <a:avLst/>
@@ -10653,28 +11155,197 @@
           </a:bodyPr>
           <a:lstStyle/>
           <a:p>
-            <a:pPr algn="ctr"/>
             <a:r>
-              <a:rPr lang="en-US" sz="3200" b="1" dirty="0" smtClean="0"/>
-              <a:t>Abstract</a:t>
+              <a:rPr lang="en-US" dirty="0" smtClean="0">
+                <a:solidFill>
+                  <a:srgbClr val="FFFF00"/>
+                </a:solidFill>
+              </a:rPr>
+              <a:t>Start</a:t>
             </a:r>
+            <a:endParaRPr lang="en-US" dirty="0">
+              <a:solidFill>
+                <a:srgbClr val="FFFF00"/>
+              </a:solidFill>
+            </a:endParaRPr>
           </a:p>
+        </p:txBody>
+      </p:sp>
+      <p:cxnSp>
+        <p:nvCxnSpPr>
+          <p:cNvPr id="83" name="Straight Arrow Connector 82"/>
+          <p:cNvCxnSpPr/>
+          <p:nvPr/>
+        </p:nvCxnSpPr>
+        <p:spPr>
+          <a:xfrm flipH="1">
+            <a:off x="14199998" y="7848854"/>
+            <a:ext cx="539310" cy="106532"/>
+          </a:xfrm>
+          <a:prstGeom prst="straightConnector1">
+            <a:avLst/>
+          </a:prstGeom>
+          <a:ln>
+            <a:solidFill>
+              <a:schemeClr val="accent6"/>
+            </a:solidFill>
+            <a:tailEnd type="triangle"/>
+          </a:ln>
+        </p:spPr>
+        <p:style>
+          <a:lnRef idx="1">
+            <a:schemeClr val="accent1"/>
+          </a:lnRef>
+          <a:fillRef idx="0">
+            <a:schemeClr val="accent1"/>
+          </a:fillRef>
+          <a:effectRef idx="0">
+            <a:schemeClr val="accent1"/>
+          </a:effectRef>
+          <a:fontRef idx="minor">
+            <a:schemeClr val="tx1"/>
+          </a:fontRef>
+        </p:style>
+      </p:cxnSp>
+      <p:sp>
+        <p:nvSpPr>
+          <p:cNvPr id="85" name="TextBox 84"/>
+          <p:cNvSpPr txBox="1"/>
+          <p:nvPr/>
+        </p:nvSpPr>
+        <p:spPr>
+          <a:xfrm>
+            <a:off x="14669047" y="7638887"/>
+            <a:ext cx="634006" cy="369332"/>
+          </a:xfrm>
+          <a:prstGeom prst="rect">
+            <a:avLst/>
+          </a:prstGeom>
+          <a:noFill/>
+        </p:spPr>
+        <p:txBody>
+          <a:bodyPr wrap="square" rtlCol="0">
+            <a:spAutoFit/>
+          </a:bodyPr>
+          <a:lstStyle/>
           <a:p>
             <a:r>
-              <a:rPr lang="en-US" sz="2400" dirty="0" smtClean="0"/>
-              <a:t>	</a:t>
+              <a:rPr lang="en-US" dirty="0" smtClean="0">
+                <a:solidFill>
+                  <a:srgbClr val="FFFF00"/>
+                </a:solidFill>
+              </a:rPr>
+              <a:t>End</a:t>
             </a:r>
+            <a:endParaRPr lang="en-US" dirty="0">
+              <a:solidFill>
+                <a:srgbClr val="FFFF00"/>
+              </a:solidFill>
+            </a:endParaRPr>
           </a:p>
+        </p:txBody>
+      </p:sp>
+      <p:cxnSp>
+        <p:nvCxnSpPr>
+          <p:cNvPr id="86" name="Straight Arrow Connector 85"/>
+          <p:cNvCxnSpPr/>
+          <p:nvPr/>
+        </p:nvCxnSpPr>
+        <p:spPr>
+          <a:xfrm flipV="1">
+            <a:off x="13154419" y="8297462"/>
+            <a:ext cx="141856" cy="545878"/>
+          </a:xfrm>
+          <a:prstGeom prst="straightConnector1">
+            <a:avLst/>
+          </a:prstGeom>
+          <a:ln>
+            <a:solidFill>
+              <a:schemeClr val="accent6"/>
+            </a:solidFill>
+            <a:tailEnd type="triangle"/>
+          </a:ln>
+        </p:spPr>
+        <p:style>
+          <a:lnRef idx="1">
+            <a:schemeClr val="accent1"/>
+          </a:lnRef>
+          <a:fillRef idx="0">
+            <a:schemeClr val="accent1"/>
+          </a:fillRef>
+          <a:effectRef idx="0">
+            <a:schemeClr val="accent1"/>
+          </a:effectRef>
+          <a:fontRef idx="minor">
+            <a:schemeClr val="tx1"/>
+          </a:fontRef>
+        </p:style>
+      </p:cxnSp>
+      <p:sp>
+        <p:nvSpPr>
+          <p:cNvPr id="91" name="TextBox 90"/>
+          <p:cNvSpPr txBox="1"/>
+          <p:nvPr/>
+        </p:nvSpPr>
+        <p:spPr>
+          <a:xfrm>
+            <a:off x="12872685" y="8796070"/>
+            <a:ext cx="634006" cy="369332"/>
+          </a:xfrm>
+          <a:prstGeom prst="rect">
+            <a:avLst/>
+          </a:prstGeom>
+          <a:noFill/>
+        </p:spPr>
+        <p:txBody>
+          <a:bodyPr wrap="square" rtlCol="0">
+            <a:spAutoFit/>
+          </a:bodyPr>
+          <a:lstStyle/>
           <a:p>
             <a:r>
-              <a:rPr lang="en-US" sz="2400" dirty="0" smtClean="0"/>
-              <a:t>Characters in videogames need to find quick paths to destinations. This is difficult when there are obstacles. There are different algorithms for finding paths between points. </a:t>
+              <a:rPr lang="en-US" dirty="0" smtClean="0">
+                <a:solidFill>
+                  <a:srgbClr val="FFFF00"/>
+                </a:solidFill>
+              </a:rPr>
+              <a:t>Path</a:t>
             </a:r>
+            <a:endParaRPr lang="en-US" dirty="0">
+              <a:solidFill>
+                <a:srgbClr val="FFFF00"/>
+              </a:solidFill>
+            </a:endParaRPr>
+          </a:p>
+        </p:txBody>
+      </p:sp>
+      <p:sp>
+        <p:nvSpPr>
+          <p:cNvPr id="92" name="TextBox 91"/>
+          <p:cNvSpPr txBox="1"/>
+          <p:nvPr/>
+        </p:nvSpPr>
+        <p:spPr>
+          <a:xfrm>
+            <a:off x="14469653" y="15314250"/>
+            <a:ext cx="6814195" cy="369332"/>
+          </a:xfrm>
+          <a:prstGeom prst="rect">
+            <a:avLst/>
+          </a:prstGeom>
+          <a:noFill/>
+        </p:spPr>
+        <p:txBody>
+          <a:bodyPr wrap="square" rtlCol="0">
+            <a:spAutoFit/>
+          </a:bodyPr>
+          <a:lstStyle/>
+          <a:p>
             <a:r>
-              <a:rPr lang="en-US" sz="2400" smtClean="0"/>
-              <a:t>My goal was to experiment with these algorithms and find which ones worked fastest and gave the shortest paths. </a:t>
+              <a:rPr lang="en-US" smtClean="0"/>
+              <a:t>(X-axis is the size of the grid, Y-Axis is aspect being measured)</a:t>
             </a:r>
-            <a:endParaRPr lang="en-US" sz="2400" dirty="0" smtClean="0"/>
+            <a:endParaRPr lang="en-US"/>
           </a:p>
         </p:txBody>
       </p:sp>
